--- a/design_pattern_presentazione.pptx
+++ b/design_pattern_presentazione.pptx
@@ -1,24 +1,36 @@
 
 <file path=ppt/presentation.xml><?xml version="1.0" encoding="utf-8"?>
-<p:presentation xmlns:a="http://schemas.openxmlformats.org/drawingml/2006/main" xmlns:r="http://schemas.openxmlformats.org/officeDocument/2006/relationships" xmlns:p="http://schemas.openxmlformats.org/presentationml/2006/main">
+<p:presentation xmlns:a="http://schemas.openxmlformats.org/drawingml/2006/main" xmlns:r="http://schemas.openxmlformats.org/officeDocument/2006/relationships" xmlns:p="http://schemas.openxmlformats.org/presentationml/2006/main" xmlns:m="http://schemas.openxmlformats.org/officeDocument/2006/math" xmlns:a14="http://schemas.microsoft.com/office/drawing/2010/main">
   <p:sldMasterIdLst>
-    <p:sldMasterId id="2147483648" r:id="rId1"/>
+    <p:sldMasterId id="2147483648" r:id="rId5"/>
   </p:sldMasterIdLst>
   <p:notesMasterIdLst>
-    <p:notesMasterId r:id="rId13"/>
+    <p:notesMasterId r:id="rId7"/>
   </p:notesMasterIdLst>
   <p:sldIdLst>
-    <p:sldId id="256" r:id="rId2"/>
-    <p:sldId id="257" r:id="rId3"/>
-    <p:sldId id="258" r:id="rId4"/>
-    <p:sldId id="259" r:id="rId5"/>
-    <p:sldId id="260" r:id="rId6"/>
-    <p:sldId id="261" r:id="rId7"/>
-    <p:sldId id="262" r:id="rId8"/>
-    <p:sldId id="263" r:id="rId9"/>
-    <p:sldId id="264" r:id="rId10"/>
-    <p:sldId id="265" r:id="rId11"/>
-    <p:sldId id="266" r:id="rId12"/>
+    <p:sldId id="256" r:id="rId8"/>
+    <p:sldId id="257" r:id="rId9"/>
+    <p:sldId id="258" r:id="rId10"/>
+    <p:sldId id="259" r:id="rId11"/>
+    <p:sldId id="260" r:id="rId12"/>
+    <p:sldId id="261" r:id="rId13"/>
+    <p:sldId id="262" r:id="rId14"/>
+    <p:sldId id="263" r:id="rId15"/>
+    <p:sldId id="264" r:id="rId16"/>
+    <p:sldId id="265" r:id="rId17"/>
+    <p:sldId id="266" r:id="rId18"/>
+    <p:sldId id="267" r:id="rId19"/>
+    <p:sldId id="268" r:id="rId20"/>
+    <p:sldId id="269" r:id="rId21"/>
+    <p:sldId id="270" r:id="rId22"/>
+    <p:sldId id="271" r:id="rId23"/>
+    <p:sldId id="272" r:id="rId24"/>
+    <p:sldId id="273" r:id="rId25"/>
+    <p:sldId id="274" r:id="rId26"/>
+    <p:sldId id="275" r:id="rId27"/>
+    <p:sldId id="276" r:id="rId28"/>
+    <p:sldId id="277" r:id="rId29"/>
+    <p:sldId id="278" r:id="rId30"/>
   </p:sldIdLst>
   <p:sldSz cx="24384000" cy="13716000"/>
   <p:notesSz cx="6858000" cy="9144000"/>
@@ -38,7 +50,7 @@
       <a:buFontTx/>
       <a:buNone/>
       <a:tabLst/>
-      <a:defRPr kumimoji="0" sz="1800" b="0" i="0" u="none" strike="noStrike" cap="none" spc="0" normalizeH="0" baseline="0">
+      <a:defRPr b="0" baseline="0" cap="none" i="0" spc="0" strike="noStrike" sz="1800" u="none" kumimoji="0" normalizeH="0">
         <a:ln>
           <a:noFill/>
         </a:ln>
@@ -64,7 +76,7 @@
       <a:buFontTx/>
       <a:buNone/>
       <a:tabLst/>
-      <a:defRPr kumimoji="0" sz="2900" b="0" i="0" u="none" strike="noStrike" cap="none" spc="0" normalizeH="0" baseline="0">
+      <a:defRPr b="0" baseline="0" cap="none" i="0" spc="0" strike="noStrike" sz="2900" u="none" kumimoji="0" normalizeH="0">
         <a:ln>
           <a:noFill/>
         </a:ln>
@@ -73,13 +85,13 @@
         </a:solidFill>
         <a:effectLst/>
         <a:uFillTx/>
-        <a:latin typeface="Proxima Nova Medium"/>
-        <a:ea typeface="Proxima Nova Medium"/>
-        <a:cs typeface="Proxima Nova Medium"/>
-        <a:sym typeface="Proxima Nova Medium"/>
+        <a:latin typeface="Canela Bold"/>
+        <a:ea typeface="Canela Bold"/>
+        <a:cs typeface="Canela Bold"/>
+        <a:sym typeface="Canela Bold"/>
       </a:defRPr>
     </a:lvl1pPr>
-    <a:lvl2pPr marL="0" marR="0" indent="457200" algn="ctr" defTabSz="355600" rtl="0" fontAlgn="auto" latinLnBrk="0" hangingPunct="0">
+    <a:lvl2pPr marL="0" marR="0" indent="0" algn="ctr" defTabSz="355600" rtl="0" fontAlgn="auto" latinLnBrk="0" hangingPunct="0">
       <a:lnSpc>
         <a:spcPct val="90000"/>
       </a:lnSpc>
@@ -94,7 +106,7 @@
       <a:buFontTx/>
       <a:buNone/>
       <a:tabLst/>
-      <a:defRPr kumimoji="0" sz="2900" b="0" i="0" u="none" strike="noStrike" cap="none" spc="0" normalizeH="0" baseline="0">
+      <a:defRPr b="0" baseline="0" cap="none" i="0" spc="0" strike="noStrike" sz="2900" u="none" kumimoji="0" normalizeH="0">
         <a:ln>
           <a:noFill/>
         </a:ln>
@@ -103,13 +115,13 @@
         </a:solidFill>
         <a:effectLst/>
         <a:uFillTx/>
-        <a:latin typeface="Proxima Nova Medium"/>
-        <a:ea typeface="Proxima Nova Medium"/>
-        <a:cs typeface="Proxima Nova Medium"/>
-        <a:sym typeface="Proxima Nova Medium"/>
+        <a:latin typeface="Canela Bold"/>
+        <a:ea typeface="Canela Bold"/>
+        <a:cs typeface="Canela Bold"/>
+        <a:sym typeface="Canela Bold"/>
       </a:defRPr>
     </a:lvl2pPr>
-    <a:lvl3pPr marL="0" marR="0" indent="914400" algn="ctr" defTabSz="355600" rtl="0" fontAlgn="auto" latinLnBrk="0" hangingPunct="0">
+    <a:lvl3pPr marL="0" marR="0" indent="0" algn="ctr" defTabSz="355600" rtl="0" fontAlgn="auto" latinLnBrk="0" hangingPunct="0">
       <a:lnSpc>
         <a:spcPct val="90000"/>
       </a:lnSpc>
@@ -124,7 +136,7 @@
       <a:buFontTx/>
       <a:buNone/>
       <a:tabLst/>
-      <a:defRPr kumimoji="0" sz="2900" b="0" i="0" u="none" strike="noStrike" cap="none" spc="0" normalizeH="0" baseline="0">
+      <a:defRPr b="0" baseline="0" cap="none" i="0" spc="0" strike="noStrike" sz="2900" u="none" kumimoji="0" normalizeH="0">
         <a:ln>
           <a:noFill/>
         </a:ln>
@@ -133,13 +145,13 @@
         </a:solidFill>
         <a:effectLst/>
         <a:uFillTx/>
-        <a:latin typeface="Proxima Nova Medium"/>
-        <a:ea typeface="Proxima Nova Medium"/>
-        <a:cs typeface="Proxima Nova Medium"/>
-        <a:sym typeface="Proxima Nova Medium"/>
+        <a:latin typeface="Canela Bold"/>
+        <a:ea typeface="Canela Bold"/>
+        <a:cs typeface="Canela Bold"/>
+        <a:sym typeface="Canela Bold"/>
       </a:defRPr>
     </a:lvl3pPr>
-    <a:lvl4pPr marL="0" marR="0" indent="1371600" algn="ctr" defTabSz="355600" rtl="0" fontAlgn="auto" latinLnBrk="0" hangingPunct="0">
+    <a:lvl4pPr marL="0" marR="0" indent="0" algn="ctr" defTabSz="355600" rtl="0" fontAlgn="auto" latinLnBrk="0" hangingPunct="0">
       <a:lnSpc>
         <a:spcPct val="90000"/>
       </a:lnSpc>
@@ -154,7 +166,7 @@
       <a:buFontTx/>
       <a:buNone/>
       <a:tabLst/>
-      <a:defRPr kumimoji="0" sz="2900" b="0" i="0" u="none" strike="noStrike" cap="none" spc="0" normalizeH="0" baseline="0">
+      <a:defRPr b="0" baseline="0" cap="none" i="0" spc="0" strike="noStrike" sz="2900" u="none" kumimoji="0" normalizeH="0">
         <a:ln>
           <a:noFill/>
         </a:ln>
@@ -163,13 +175,13 @@
         </a:solidFill>
         <a:effectLst/>
         <a:uFillTx/>
-        <a:latin typeface="Proxima Nova Medium"/>
-        <a:ea typeface="Proxima Nova Medium"/>
-        <a:cs typeface="Proxima Nova Medium"/>
-        <a:sym typeface="Proxima Nova Medium"/>
+        <a:latin typeface="Canela Bold"/>
+        <a:ea typeface="Canela Bold"/>
+        <a:cs typeface="Canela Bold"/>
+        <a:sym typeface="Canela Bold"/>
       </a:defRPr>
     </a:lvl4pPr>
-    <a:lvl5pPr marL="0" marR="0" indent="1828800" algn="ctr" defTabSz="355600" rtl="0" fontAlgn="auto" latinLnBrk="0" hangingPunct="0">
+    <a:lvl5pPr marL="0" marR="0" indent="0" algn="ctr" defTabSz="355600" rtl="0" fontAlgn="auto" latinLnBrk="0" hangingPunct="0">
       <a:lnSpc>
         <a:spcPct val="90000"/>
       </a:lnSpc>
@@ -184,7 +196,7 @@
       <a:buFontTx/>
       <a:buNone/>
       <a:tabLst/>
-      <a:defRPr kumimoji="0" sz="2900" b="0" i="0" u="none" strike="noStrike" cap="none" spc="0" normalizeH="0" baseline="0">
+      <a:defRPr b="0" baseline="0" cap="none" i="0" spc="0" strike="noStrike" sz="2900" u="none" kumimoji="0" normalizeH="0">
         <a:ln>
           <a:noFill/>
         </a:ln>
@@ -193,13 +205,13 @@
         </a:solidFill>
         <a:effectLst/>
         <a:uFillTx/>
-        <a:latin typeface="Proxima Nova Medium"/>
-        <a:ea typeface="Proxima Nova Medium"/>
-        <a:cs typeface="Proxima Nova Medium"/>
-        <a:sym typeface="Proxima Nova Medium"/>
+        <a:latin typeface="Canela Bold"/>
+        <a:ea typeface="Canela Bold"/>
+        <a:cs typeface="Canela Bold"/>
+        <a:sym typeface="Canela Bold"/>
       </a:defRPr>
     </a:lvl5pPr>
-    <a:lvl6pPr marL="0" marR="0" indent="2286000" algn="ctr" defTabSz="355600" rtl="0" fontAlgn="auto" latinLnBrk="0" hangingPunct="0">
+    <a:lvl6pPr marL="0" marR="0" indent="0" algn="ctr" defTabSz="355600" rtl="0" fontAlgn="auto" latinLnBrk="0" hangingPunct="0">
       <a:lnSpc>
         <a:spcPct val="90000"/>
       </a:lnSpc>
@@ -214,7 +226,7 @@
       <a:buFontTx/>
       <a:buNone/>
       <a:tabLst/>
-      <a:defRPr kumimoji="0" sz="2900" b="0" i="0" u="none" strike="noStrike" cap="none" spc="0" normalizeH="0" baseline="0">
+      <a:defRPr b="0" baseline="0" cap="none" i="0" spc="0" strike="noStrike" sz="2900" u="none" kumimoji="0" normalizeH="0">
         <a:ln>
           <a:noFill/>
         </a:ln>
@@ -223,13 +235,13 @@
         </a:solidFill>
         <a:effectLst/>
         <a:uFillTx/>
-        <a:latin typeface="Proxima Nova Medium"/>
-        <a:ea typeface="Proxima Nova Medium"/>
-        <a:cs typeface="Proxima Nova Medium"/>
-        <a:sym typeface="Proxima Nova Medium"/>
+        <a:latin typeface="Canela Bold"/>
+        <a:ea typeface="Canela Bold"/>
+        <a:cs typeface="Canela Bold"/>
+        <a:sym typeface="Canela Bold"/>
       </a:defRPr>
     </a:lvl6pPr>
-    <a:lvl7pPr marL="0" marR="0" indent="2743200" algn="ctr" defTabSz="355600" rtl="0" fontAlgn="auto" latinLnBrk="0" hangingPunct="0">
+    <a:lvl7pPr marL="0" marR="0" indent="0" algn="ctr" defTabSz="355600" rtl="0" fontAlgn="auto" latinLnBrk="0" hangingPunct="0">
       <a:lnSpc>
         <a:spcPct val="90000"/>
       </a:lnSpc>
@@ -244,7 +256,7 @@
       <a:buFontTx/>
       <a:buNone/>
       <a:tabLst/>
-      <a:defRPr kumimoji="0" sz="2900" b="0" i="0" u="none" strike="noStrike" cap="none" spc="0" normalizeH="0" baseline="0">
+      <a:defRPr b="0" baseline="0" cap="none" i="0" spc="0" strike="noStrike" sz="2900" u="none" kumimoji="0" normalizeH="0">
         <a:ln>
           <a:noFill/>
         </a:ln>
@@ -253,13 +265,13 @@
         </a:solidFill>
         <a:effectLst/>
         <a:uFillTx/>
-        <a:latin typeface="Proxima Nova Medium"/>
-        <a:ea typeface="Proxima Nova Medium"/>
-        <a:cs typeface="Proxima Nova Medium"/>
-        <a:sym typeface="Proxima Nova Medium"/>
+        <a:latin typeface="Canela Bold"/>
+        <a:ea typeface="Canela Bold"/>
+        <a:cs typeface="Canela Bold"/>
+        <a:sym typeface="Canela Bold"/>
       </a:defRPr>
     </a:lvl7pPr>
-    <a:lvl8pPr marL="0" marR="0" indent="3200400" algn="ctr" defTabSz="355600" rtl="0" fontAlgn="auto" latinLnBrk="0" hangingPunct="0">
+    <a:lvl8pPr marL="0" marR="0" indent="0" algn="ctr" defTabSz="355600" rtl="0" fontAlgn="auto" latinLnBrk="0" hangingPunct="0">
       <a:lnSpc>
         <a:spcPct val="90000"/>
       </a:lnSpc>
@@ -274,7 +286,7 @@
       <a:buFontTx/>
       <a:buNone/>
       <a:tabLst/>
-      <a:defRPr kumimoji="0" sz="2900" b="0" i="0" u="none" strike="noStrike" cap="none" spc="0" normalizeH="0" baseline="0">
+      <a:defRPr b="0" baseline="0" cap="none" i="0" spc="0" strike="noStrike" sz="2900" u="none" kumimoji="0" normalizeH="0">
         <a:ln>
           <a:noFill/>
         </a:ln>
@@ -283,13 +295,13 @@
         </a:solidFill>
         <a:effectLst/>
         <a:uFillTx/>
-        <a:latin typeface="Proxima Nova Medium"/>
-        <a:ea typeface="Proxima Nova Medium"/>
-        <a:cs typeface="Proxima Nova Medium"/>
-        <a:sym typeface="Proxima Nova Medium"/>
+        <a:latin typeface="Canela Bold"/>
+        <a:ea typeface="Canela Bold"/>
+        <a:cs typeface="Canela Bold"/>
+        <a:sym typeface="Canela Bold"/>
       </a:defRPr>
     </a:lvl8pPr>
-    <a:lvl9pPr marL="0" marR="0" indent="3657600" algn="ctr" defTabSz="355600" rtl="0" fontAlgn="auto" latinLnBrk="0" hangingPunct="0">
+    <a:lvl9pPr marL="0" marR="0" indent="0" algn="ctr" defTabSz="355600" rtl="0" fontAlgn="auto" latinLnBrk="0" hangingPunct="0">
       <a:lnSpc>
         <a:spcPct val="90000"/>
       </a:lnSpc>
@@ -304,7 +316,7 @@
       <a:buFontTx/>
       <a:buNone/>
       <a:tabLst/>
-      <a:defRPr kumimoji="0" sz="2900" b="0" i="0" u="none" strike="noStrike" cap="none" spc="0" normalizeH="0" baseline="0">
+      <a:defRPr b="0" baseline="0" cap="none" i="0" spc="0" strike="noStrike" sz="2900" u="none" kumimoji="0" normalizeH="0">
         <a:ln>
           <a:noFill/>
         </a:ln>
@@ -313,24 +325,23 @@
         </a:solidFill>
         <a:effectLst/>
         <a:uFillTx/>
-        <a:latin typeface="Proxima Nova Medium"/>
-        <a:ea typeface="Proxima Nova Medium"/>
-        <a:cs typeface="Proxima Nova Medium"/>
-        <a:sym typeface="Proxima Nova Medium"/>
+        <a:latin typeface="Canela Bold"/>
+        <a:ea typeface="Canela Bold"/>
+        <a:cs typeface="Canela Bold"/>
+        <a:sym typeface="Canela Bold"/>
       </a:defRPr>
     </a:lvl9pPr>
   </p:defaultTextStyle>
 </p:presentation>
 </file>
 
+<file path=ppt/commentAuthors.xml><?xml version="1.0" encoding="utf-8"?>
+<p:cmAuthorLst xmlns:a="http://schemas.openxmlformats.org/drawingml/2006/main" xmlns:r="http://schemas.openxmlformats.org/officeDocument/2006/relationships" xmlns:p="http://schemas.openxmlformats.org/presentationml/2006/main" xmlns:m="http://schemas.openxmlformats.org/officeDocument/2006/math" xmlns:a14="http://schemas.microsoft.com/office/drawing/2010/main"/>
+</file>
+
 <file path=ppt/notesMasters/notesMaster1.xml><?xml version="1.0" encoding="utf-8"?>
-<p:notesMaster xmlns:a="http://schemas.openxmlformats.org/drawingml/2006/main" xmlns:r="http://schemas.openxmlformats.org/officeDocument/2006/relationships" xmlns:p="http://schemas.openxmlformats.org/presentationml/2006/main">
+<p:notesMaster xmlns:a="http://schemas.openxmlformats.org/drawingml/2006/main" xmlns:r="http://schemas.openxmlformats.org/officeDocument/2006/relationships" xmlns:p="http://schemas.openxmlformats.org/presentationml/2006/main" xmlns:m="http://schemas.openxmlformats.org/officeDocument/2006/math" xmlns:a14="http://schemas.microsoft.com/office/drawing/2010/main">
   <p:cSld>
-    <p:bg>
-      <p:bgRef idx="1001">
-        <a:schemeClr val="bg1"/>
-      </p:bgRef>
-    </p:bg>
     <p:spTree>
       <p:nvGrpSpPr>
         <p:cNvPr id="1" name=""/>
@@ -348,9 +359,7 @@
       <p:sp>
         <p:nvSpPr>
           <p:cNvPr id="158" name="Shape 158"/>
-          <p:cNvSpPr>
-            <a:spLocks noGrp="1" noRot="1" noChangeAspect="1"/>
-          </p:cNvSpPr>
+          <p:cNvSpPr/>
           <p:nvPr>
             <p:ph type="sldImg"/>
           </p:nvPr>
@@ -368,16 +377,14 @@
           <a:bodyPr/>
           <a:lstStyle/>
           <a:p>
-            <a:endParaRPr/>
+            <a:pPr/>
           </a:p>
         </p:txBody>
       </p:sp>
       <p:sp>
         <p:nvSpPr>
           <p:cNvPr id="159" name="Shape 159"/>
-          <p:cNvSpPr>
-            <a:spLocks noGrp="1"/>
-          </p:cNvSpPr>
+          <p:cNvSpPr/>
           <p:nvPr>
             <p:ph type="body" sz="quarter" idx="1"/>
           </p:nvPr>
@@ -395,7 +402,7 @@
           <a:bodyPr/>
           <a:lstStyle/>
           <a:p>
-            <a:endParaRPr/>
+            <a:pPr/>
           </a:p>
         </p:txBody>
       </p:sp>
@@ -408,9 +415,9 @@
         <a:spcPct val="117999"/>
       </a:lnSpc>
       <a:defRPr sz="2200">
-        <a:latin typeface="Helvetica Neue"/>
-        <a:ea typeface="Helvetica Neue"/>
-        <a:cs typeface="Helvetica Neue"/>
+        <a:latin typeface="+mj-lt"/>
+        <a:ea typeface="+mj-ea"/>
+        <a:cs typeface="+mj-cs"/>
         <a:sym typeface="Helvetica Neue"/>
       </a:defRPr>
     </a:lvl1pPr>
@@ -419,9 +426,9 @@
         <a:spcPct val="117999"/>
       </a:lnSpc>
       <a:defRPr sz="2200">
-        <a:latin typeface="Helvetica Neue"/>
-        <a:ea typeface="Helvetica Neue"/>
-        <a:cs typeface="Helvetica Neue"/>
+        <a:latin typeface="+mj-lt"/>
+        <a:ea typeface="+mj-ea"/>
+        <a:cs typeface="+mj-cs"/>
         <a:sym typeface="Helvetica Neue"/>
       </a:defRPr>
     </a:lvl2pPr>
@@ -430,9 +437,9 @@
         <a:spcPct val="117999"/>
       </a:lnSpc>
       <a:defRPr sz="2200">
-        <a:latin typeface="Helvetica Neue"/>
-        <a:ea typeface="Helvetica Neue"/>
-        <a:cs typeface="Helvetica Neue"/>
+        <a:latin typeface="+mj-lt"/>
+        <a:ea typeface="+mj-ea"/>
+        <a:cs typeface="+mj-cs"/>
         <a:sym typeface="Helvetica Neue"/>
       </a:defRPr>
     </a:lvl3pPr>
@@ -441,9 +448,9 @@
         <a:spcPct val="117999"/>
       </a:lnSpc>
       <a:defRPr sz="2200">
-        <a:latin typeface="Helvetica Neue"/>
-        <a:ea typeface="Helvetica Neue"/>
-        <a:cs typeface="Helvetica Neue"/>
+        <a:latin typeface="+mj-lt"/>
+        <a:ea typeface="+mj-ea"/>
+        <a:cs typeface="+mj-cs"/>
         <a:sym typeface="Helvetica Neue"/>
       </a:defRPr>
     </a:lvl4pPr>
@@ -452,9 +459,9 @@
         <a:spcPct val="117999"/>
       </a:lnSpc>
       <a:defRPr sz="2200">
-        <a:latin typeface="Helvetica Neue"/>
-        <a:ea typeface="Helvetica Neue"/>
-        <a:cs typeface="Helvetica Neue"/>
+        <a:latin typeface="+mj-lt"/>
+        <a:ea typeface="+mj-ea"/>
+        <a:cs typeface="+mj-cs"/>
         <a:sym typeface="Helvetica Neue"/>
       </a:defRPr>
     </a:lvl5pPr>
@@ -463,9 +470,9 @@
         <a:spcPct val="117999"/>
       </a:lnSpc>
       <a:defRPr sz="2200">
-        <a:latin typeface="Helvetica Neue"/>
-        <a:ea typeface="Helvetica Neue"/>
-        <a:cs typeface="Helvetica Neue"/>
+        <a:latin typeface="+mj-lt"/>
+        <a:ea typeface="+mj-ea"/>
+        <a:cs typeface="+mj-cs"/>
         <a:sym typeface="Helvetica Neue"/>
       </a:defRPr>
     </a:lvl6pPr>
@@ -474,9 +481,9 @@
         <a:spcPct val="117999"/>
       </a:lnSpc>
       <a:defRPr sz="2200">
-        <a:latin typeface="Helvetica Neue"/>
-        <a:ea typeface="Helvetica Neue"/>
-        <a:cs typeface="Helvetica Neue"/>
+        <a:latin typeface="+mj-lt"/>
+        <a:ea typeface="+mj-ea"/>
+        <a:cs typeface="+mj-cs"/>
         <a:sym typeface="Helvetica Neue"/>
       </a:defRPr>
     </a:lvl7pPr>
@@ -485,9 +492,9 @@
         <a:spcPct val="117999"/>
       </a:lnSpc>
       <a:defRPr sz="2200">
-        <a:latin typeface="Helvetica Neue"/>
-        <a:ea typeface="Helvetica Neue"/>
-        <a:cs typeface="Helvetica Neue"/>
+        <a:latin typeface="+mj-lt"/>
+        <a:ea typeface="+mj-ea"/>
+        <a:cs typeface="+mj-cs"/>
         <a:sym typeface="Helvetica Neue"/>
       </a:defRPr>
     </a:lvl8pPr>
@@ -496,9 +503,9 @@
         <a:spcPct val="117999"/>
       </a:lnSpc>
       <a:defRPr sz="2200">
-        <a:latin typeface="Helvetica Neue"/>
-        <a:ea typeface="Helvetica Neue"/>
-        <a:cs typeface="Helvetica Neue"/>
+        <a:latin typeface="+mj-lt"/>
+        <a:ea typeface="+mj-ea"/>
+        <a:cs typeface="+mj-cs"/>
         <a:sym typeface="Helvetica Neue"/>
       </a:defRPr>
     </a:lvl9pPr>
@@ -507,7 +514,7 @@
 </file>
 
 <file path=ppt/slideLayouts/slideLayout1.xml><?xml version="1.0" encoding="utf-8"?>
-<p:sldLayout xmlns:a="http://schemas.openxmlformats.org/drawingml/2006/main" xmlns:r="http://schemas.openxmlformats.org/officeDocument/2006/relationships" xmlns:p="http://schemas.openxmlformats.org/presentationml/2006/main" type="title">
+<p:sldLayout xmlns:a="http://schemas.openxmlformats.org/drawingml/2006/main" xmlns:r="http://schemas.openxmlformats.org/officeDocument/2006/relationships" xmlns:p="http://schemas.openxmlformats.org/presentationml/2006/main" xmlns:m="http://schemas.openxmlformats.org/officeDocument/2006/math" xmlns:a14="http://schemas.microsoft.com/office/drawing/2010/main" type="title" showMasterSp="1" showMasterPhAnim="1">
   <p:cSld name="Titolo">
     <p:spTree>
       <p:nvGrpSpPr>
@@ -525,19 +532,13 @@
       </p:grpSpPr>
       <p:sp>
         <p:nvSpPr>
-          <p:cNvPr id="12" name="Autore e data"/>
-          <p:cNvSpPr txBox="1">
-            <a:spLocks noGrp="1"/>
-          </p:cNvSpPr>
-          <p:nvPr>
-            <p:ph type="body" sz="quarter" idx="21" hasCustomPrompt="1"/>
-          </p:nvPr>
-        </p:nvSpPr>
-        <p:spPr>
-          <a:xfrm>
-            <a:off x="2057400" y="11229761"/>
-            <a:ext cx="20269200" cy="845948"/>
-          </a:xfrm>
+          <p:cNvPr id="12" name="Corpo livello uno…"/>
+          <p:cNvSpPr txBox="1"/>
+          <p:nvPr>
+            <p:ph type="body" sz="quarter" idx="1" hasCustomPrompt="1"/>
+          </p:nvPr>
+        </p:nvSpPr>
+        <p:spPr>
           <a:prstGeom prst="rect">
             <a:avLst/>
           </a:prstGeom>
@@ -546,18 +547,41 @@
           <a:bodyPr/>
           <a:lstStyle/>
           <a:p>
+            <a:pPr/>
             <a:r>
               <a:t>Autore e data</a:t>
             </a:r>
           </a:p>
+          <a:p>
+            <a:pPr lvl="1"/>
+            <a:r>
+              <a:t/>
+            </a:r>
+          </a:p>
+          <a:p>
+            <a:pPr lvl="2"/>
+            <a:r>
+              <a:t/>
+            </a:r>
+          </a:p>
+          <a:p>
+            <a:pPr lvl="3"/>
+            <a:r>
+              <a:t/>
+            </a:r>
+          </a:p>
+          <a:p>
+            <a:pPr lvl="4"/>
+            <a:r>
+              <a:t/>
+            </a:r>
+          </a:p>
         </p:txBody>
       </p:sp>
       <p:sp>
         <p:nvSpPr>
           <p:cNvPr id="13" name="Titolo presentazione"/>
-          <p:cNvSpPr txBox="1">
-            <a:spLocks noGrp="1"/>
-          </p:cNvSpPr>
+          <p:cNvSpPr txBox="1"/>
           <p:nvPr>
             <p:ph type="title" hasCustomPrompt="1"/>
           </p:nvPr>
@@ -571,6 +595,7 @@
           <a:bodyPr/>
           <a:lstStyle/>
           <a:p>
+            <a:pPr/>
             <a:r>
               <a:t>Titolo presentazione</a:t>
             </a:r>
@@ -580,9 +605,7 @@
       <p:sp>
         <p:nvSpPr>
           <p:cNvPr id="14" name="Numero diapositiva"/>
-          <p:cNvSpPr txBox="1">
-            <a:spLocks noGrp="1"/>
-          </p:cNvSpPr>
+          <p:cNvSpPr txBox="1"/>
           <p:nvPr>
             <p:ph type="sldNum" sz="quarter" idx="2"/>
           </p:nvPr>
@@ -596,10 +619,8 @@
           <a:bodyPr/>
           <a:lstStyle/>
           <a:p>
-            <a:fld id="{86CB4B4D-7CA3-9044-876B-883B54F8677D}" type="slidenum">
-              <a:t>‹N›</a:t>
-            </a:fld>
-            <a:endParaRPr/>
+            <a:pPr/>
+            <a:fld id="{86CB4B4D-7CA3-9044-876B-883B54F8677D}" type="slidenum"/>
           </a:p>
         </p:txBody>
       </p:sp>
@@ -608,12 +629,12 @@
   <p:clrMapOvr>
     <a:masterClrMapping/>
   </p:clrMapOvr>
-  <p:transition spd="med"/>
+  <p:transition xmlns:p14="http://schemas.microsoft.com/office/powerpoint/2010/main" spd="med" advClick="1"/>
 </p:sldLayout>
 </file>
 
 <file path=ppt/slideLayouts/slideLayout10.xml><?xml version="1.0" encoding="utf-8"?>
-<p:sldLayout xmlns:a="http://schemas.openxmlformats.org/drawingml/2006/main" xmlns:r="http://schemas.openxmlformats.org/officeDocument/2006/relationships" xmlns:p="http://schemas.openxmlformats.org/presentationml/2006/main" showMasterSp="0" type="tx">
+<p:sldLayout xmlns:a="http://schemas.openxmlformats.org/drawingml/2006/main" xmlns:r="http://schemas.openxmlformats.org/officeDocument/2006/relationships" xmlns:p="http://schemas.openxmlformats.org/presentationml/2006/main" xmlns:m="http://schemas.openxmlformats.org/officeDocument/2006/math" xmlns:a14="http://schemas.microsoft.com/office/drawing/2010/main" type="tx" showMasterSp="0" showMasterPhAnim="1">
   <p:cSld name="Dichiarazione">
     <p:spTree>
       <p:nvGrpSpPr>
@@ -637,35 +658,31 @@
         </p:nvSpPr>
         <p:spPr>
           <a:xfrm>
-            <a:off x="999500" y="1067048"/>
-            <a:ext cx="22378886" cy="11581904"/>
+            <a:off x="999499" y="1067048"/>
+            <a:ext cx="22378888" cy="11581904"/>
           </a:xfrm>
           <a:prstGeom prst="rect">
             <a:avLst/>
           </a:prstGeom>
           <a:solidFill>
-            <a:schemeClr val="accent5">
-              <a:hueOff val="-246905"/>
-              <a:satOff val="-77181"/>
-              <a:lumOff val="20457"/>
-            </a:schemeClr>
+            <a:srgbClr val="EFE7E6"/>
           </a:solidFill>
           <a:ln w="12700">
             <a:miter lim="400000"/>
           </a:ln>
         </p:spPr>
         <p:txBody>
-          <a:bodyPr lIns="0" tIns="0" rIns="0" bIns="0" anchor="ctr"/>
-          <a:lstStyle/>
-          <a:p>
-            <a:pPr defTabSz="415431">
+          <a:bodyPr lIns="50800" tIns="50800" rIns="50800" bIns="50800" anchor="ctr"/>
+          <a:lstStyle/>
+          <a:p>
+            <a:pPr defTabSz="415430">
               <a:lnSpc>
                 <a:spcPct val="120000"/>
               </a:lnSpc>
               <a:spcBef>
                 <a:spcPts val="0"/>
               </a:spcBef>
-              <a:defRPr sz="3000" spc="-59">
+              <a:defRPr spc="-58" sz="3000">
                 <a:solidFill>
                   <a:srgbClr val="FFFFFF"/>
                 </a:solidFill>
@@ -675,16 +692,13 @@
                 <a:sym typeface="Canela Deck Bold"/>
               </a:defRPr>
             </a:pPr>
-            <a:endParaRPr/>
           </a:p>
         </p:txBody>
       </p:sp>
       <p:sp>
         <p:nvSpPr>
           <p:cNvPr id="106" name="Corpo livello uno…"/>
-          <p:cNvSpPr txBox="1">
-            <a:spLocks noGrp="1"/>
-          </p:cNvSpPr>
+          <p:cNvSpPr txBox="1"/>
           <p:nvPr>
             <p:ph type="body" sz="half" idx="1" hasCustomPrompt="1"/>
           </p:nvPr>
@@ -702,7 +716,7 @@
           <a:bodyPr/>
           <a:lstStyle>
             <a:lvl1pPr>
-              <a:defRPr sz="12000" b="0">
+              <a:defRPr b="0" sz="12000">
                 <a:latin typeface="Canela Regular"/>
                 <a:ea typeface="Canela Regular"/>
                 <a:cs typeface="Canela Regular"/>
@@ -710,7 +724,7 @@
               </a:defRPr>
             </a:lvl1pPr>
             <a:lvl2pPr>
-              <a:defRPr sz="12000" b="0">
+              <a:defRPr b="0" sz="12000">
                 <a:latin typeface="Canela Regular"/>
                 <a:ea typeface="Canela Regular"/>
                 <a:cs typeface="Canela Regular"/>
@@ -718,7 +732,7 @@
               </a:defRPr>
             </a:lvl2pPr>
             <a:lvl3pPr>
-              <a:defRPr sz="12000" b="0">
+              <a:defRPr b="0" sz="12000">
                 <a:latin typeface="Canela Regular"/>
                 <a:ea typeface="Canela Regular"/>
                 <a:cs typeface="Canela Regular"/>
@@ -726,7 +740,7 @@
               </a:defRPr>
             </a:lvl3pPr>
             <a:lvl4pPr>
-              <a:defRPr sz="12000" b="0">
+              <a:defRPr b="0" sz="12000">
                 <a:latin typeface="Canela Regular"/>
                 <a:ea typeface="Canela Regular"/>
                 <a:cs typeface="Canela Regular"/>
@@ -734,7 +748,7 @@
               </a:defRPr>
             </a:lvl4pPr>
             <a:lvl5pPr>
-              <a:defRPr sz="12000" b="0">
+              <a:defRPr b="0" sz="12000">
                 <a:latin typeface="Canela Regular"/>
                 <a:ea typeface="Canela Regular"/>
                 <a:cs typeface="Canela Regular"/>
@@ -743,34 +757,41 @@
             </a:lvl5pPr>
           </a:lstStyle>
           <a:p>
+            <a:pPr/>
             <a:r>
               <a:t>Dichiarazione </a:t>
             </a:r>
           </a:p>
           <a:p>
             <a:pPr lvl="1"/>
-            <a:endParaRPr/>
+            <a:r>
+              <a:t/>
+            </a:r>
           </a:p>
           <a:p>
             <a:pPr lvl="2"/>
-            <a:endParaRPr/>
+            <a:r>
+              <a:t/>
+            </a:r>
           </a:p>
           <a:p>
             <a:pPr lvl="3"/>
-            <a:endParaRPr/>
+            <a:r>
+              <a:t/>
+            </a:r>
           </a:p>
           <a:p>
             <a:pPr lvl="4"/>
-            <a:endParaRPr/>
+            <a:r>
+              <a:t/>
+            </a:r>
           </a:p>
         </p:txBody>
       </p:sp>
       <p:sp>
         <p:nvSpPr>
           <p:cNvPr id="107" name="Numero diapositiva"/>
-          <p:cNvSpPr txBox="1">
-            <a:spLocks noGrp="1"/>
-          </p:cNvSpPr>
+          <p:cNvSpPr txBox="1"/>
           <p:nvPr>
             <p:ph type="sldNum" sz="quarter" idx="2"/>
           </p:nvPr>
@@ -784,10 +805,8 @@
           <a:bodyPr/>
           <a:lstStyle/>
           <a:p>
-            <a:fld id="{86CB4B4D-7CA3-9044-876B-883B54F8677D}" type="slidenum">
-              <a:t>‹N›</a:t>
-            </a:fld>
-            <a:endParaRPr/>
+            <a:pPr/>
+            <a:fld id="{86CB4B4D-7CA3-9044-876B-883B54F8677D}" type="slidenum"/>
           </a:p>
         </p:txBody>
       </p:sp>
@@ -796,12 +815,12 @@
   <p:clrMapOvr>
     <a:masterClrMapping/>
   </p:clrMapOvr>
-  <p:transition spd="med"/>
+  <p:transition xmlns:p14="http://schemas.microsoft.com/office/powerpoint/2010/main" spd="med" advClick="1"/>
 </p:sldLayout>
 </file>
 
 <file path=ppt/slideLayouts/slideLayout11.xml><?xml version="1.0" encoding="utf-8"?>
-<p:sldLayout xmlns:a="http://schemas.openxmlformats.org/drawingml/2006/main" xmlns:r="http://schemas.openxmlformats.org/officeDocument/2006/relationships" xmlns:p="http://schemas.openxmlformats.org/presentationml/2006/main" showMasterSp="0" type="tx">
+<p:sldLayout xmlns:a="http://schemas.openxmlformats.org/drawingml/2006/main" xmlns:r="http://schemas.openxmlformats.org/officeDocument/2006/relationships" xmlns:p="http://schemas.openxmlformats.org/presentationml/2006/main" xmlns:m="http://schemas.openxmlformats.org/officeDocument/2006/math" xmlns:a14="http://schemas.microsoft.com/office/drawing/2010/main" type="tx" showMasterSp="0" showMasterPhAnim="1">
   <p:cSld name="Informazione importante">
     <p:spTree>
       <p:nvGrpSpPr>
@@ -825,8 +844,8 @@
         </p:nvSpPr>
         <p:spPr>
           <a:xfrm>
-            <a:off x="1008907" y="1066849"/>
-            <a:ext cx="22378886" cy="11582302"/>
+            <a:off x="1008906" y="1066848"/>
+            <a:ext cx="22378888" cy="11582304"/>
           </a:xfrm>
           <a:prstGeom prst="rect">
             <a:avLst/>
@@ -839,17 +858,17 @@
           </a:ln>
         </p:spPr>
         <p:txBody>
-          <a:bodyPr lIns="0" tIns="0" rIns="0" bIns="0" anchor="ctr"/>
-          <a:lstStyle/>
-          <a:p>
-            <a:pPr defTabSz="415431">
+          <a:bodyPr lIns="50800" tIns="50800" rIns="50800" bIns="50800" anchor="ctr"/>
+          <a:lstStyle/>
+          <a:p>
+            <a:pPr defTabSz="415430">
               <a:lnSpc>
                 <a:spcPct val="120000"/>
               </a:lnSpc>
               <a:spcBef>
                 <a:spcPts val="0"/>
               </a:spcBef>
-              <a:defRPr sz="3000" spc="-59">
+              <a:defRPr spc="-58" sz="3000">
                 <a:solidFill>
                   <a:srgbClr val="FFFFFF"/>
                 </a:solidFill>
@@ -859,24 +878,21 @@
                 <a:sym typeface="Canela Deck Bold"/>
               </a:defRPr>
             </a:pPr>
-            <a:endParaRPr/>
-          </a:p>
-        </p:txBody>
-      </p:sp>
-      <p:sp>
-        <p:nvSpPr>
-          <p:cNvPr id="115" name="Dettagli informazione"/>
-          <p:cNvSpPr txBox="1">
-            <a:spLocks noGrp="1"/>
-          </p:cNvSpPr>
-          <p:nvPr>
-            <p:ph type="body" sz="quarter" idx="21" hasCustomPrompt="1"/>
+          </a:p>
+        </p:txBody>
+      </p:sp>
+      <p:sp>
+        <p:nvSpPr>
+          <p:cNvPr id="115" name="Corpo livello uno…"/>
+          <p:cNvSpPr txBox="1"/>
+          <p:nvPr>
+            <p:ph type="body" sz="quarter" idx="1" hasCustomPrompt="1"/>
           </p:nvPr>
         </p:nvSpPr>
         <p:spPr>
           <a:xfrm>
-            <a:off x="2057400" y="8113450"/>
-            <a:ext cx="20269200" cy="845948"/>
+            <a:off x="2057400" y="8113449"/>
+            <a:ext cx="20269200" cy="845949"/>
           </a:xfrm>
           <a:prstGeom prst="rect">
             <a:avLst/>
@@ -886,26 +902,49 @@
           <a:bodyPr anchor="t"/>
           <a:lstStyle/>
           <a:p>
+            <a:pPr/>
             <a:r>
               <a:t>Dettagli informazione</a:t>
             </a:r>
           </a:p>
+          <a:p>
+            <a:pPr lvl="1"/>
+            <a:r>
+              <a:t/>
+            </a:r>
+          </a:p>
+          <a:p>
+            <a:pPr lvl="2"/>
+            <a:r>
+              <a:t/>
+            </a:r>
+          </a:p>
+          <a:p>
+            <a:pPr lvl="3"/>
+            <a:r>
+              <a:t/>
+            </a:r>
+          </a:p>
+          <a:p>
+            <a:pPr lvl="4"/>
+            <a:r>
+              <a:t/>
+            </a:r>
+          </a:p>
         </p:txBody>
       </p:sp>
       <p:sp>
         <p:nvSpPr>
           <p:cNvPr id="116" name="Corpo livello uno…"/>
-          <p:cNvSpPr txBox="1">
-            <a:spLocks noGrp="1"/>
-          </p:cNvSpPr>
-          <p:nvPr>
-            <p:ph type="body" sz="half" idx="1" hasCustomPrompt="1"/>
+          <p:cNvSpPr txBox="1"/>
+          <p:nvPr>
+            <p:ph type="body" sz="half" idx="21" hasCustomPrompt="1"/>
           </p:nvPr>
         </p:nvSpPr>
         <p:spPr>
           <a:xfrm>
-            <a:off x="2057400" y="3498790"/>
-            <a:ext cx="20269200" cy="4814114"/>
+            <a:off x="2057400" y="3498789"/>
+            <a:ext cx="20269200" cy="4814115"/>
           </a:xfrm>
           <a:prstGeom prst="rect">
             <a:avLst/>
@@ -913,92 +952,30 @@
         </p:spPr>
         <p:txBody>
           <a:bodyPr anchor="b"/>
-          <a:lstStyle>
-            <a:lvl1pPr defTabSz="2438338">
+          <a:lstStyle/>
+          <a:p>
+            <a:pPr lvl="4" indent="1097280" defTabSz="975335">
               <a:lnSpc>
                 <a:spcPct val="80000"/>
               </a:lnSpc>
-              <a:defRPr sz="25000" b="0" spc="-500">
-                <a:latin typeface="+mn-lt"/>
-                <a:ea typeface="+mn-ea"/>
-                <a:cs typeface="+mn-cs"/>
+              <a:defRPr b="0" spc="-200" sz="10000">
+                <a:latin typeface="Canela Bold"/>
+                <a:ea typeface="Canela Bold"/>
+                <a:cs typeface="Canela Bold"/>
                 <a:sym typeface="Canela Bold"/>
               </a:defRPr>
-            </a:lvl1pPr>
-            <a:lvl2pPr defTabSz="2438338">
-              <a:lnSpc>
-                <a:spcPct val="80000"/>
-              </a:lnSpc>
-              <a:defRPr sz="25000" b="0" spc="-500">
-                <a:latin typeface="+mn-lt"/>
-                <a:ea typeface="+mn-ea"/>
-                <a:cs typeface="+mn-cs"/>
-                <a:sym typeface="Canela Bold"/>
-              </a:defRPr>
-            </a:lvl2pPr>
-            <a:lvl3pPr defTabSz="2438338">
-              <a:lnSpc>
-                <a:spcPct val="80000"/>
-              </a:lnSpc>
-              <a:defRPr sz="25000" b="0" spc="-500">
-                <a:latin typeface="+mn-lt"/>
-                <a:ea typeface="+mn-ea"/>
-                <a:cs typeface="+mn-cs"/>
-                <a:sym typeface="Canela Bold"/>
-              </a:defRPr>
-            </a:lvl3pPr>
-            <a:lvl4pPr defTabSz="2438338">
-              <a:lnSpc>
-                <a:spcPct val="80000"/>
-              </a:lnSpc>
-              <a:defRPr sz="25000" b="0" spc="-500">
-                <a:latin typeface="+mn-lt"/>
-                <a:ea typeface="+mn-ea"/>
-                <a:cs typeface="+mn-cs"/>
-                <a:sym typeface="Canela Bold"/>
-              </a:defRPr>
-            </a:lvl4pPr>
-            <a:lvl5pPr defTabSz="2438338">
-              <a:lnSpc>
-                <a:spcPct val="80000"/>
-              </a:lnSpc>
-              <a:defRPr sz="25000" b="0" spc="-500">
-                <a:latin typeface="+mn-lt"/>
-                <a:ea typeface="+mn-ea"/>
-                <a:cs typeface="+mn-cs"/>
-                <a:sym typeface="Canela Bold"/>
-              </a:defRPr>
-            </a:lvl5pPr>
-          </a:lstStyle>
-          <a:p>
-            <a:r>
-              <a:t>100%</a:t>
-            </a:r>
-          </a:p>
-          <a:p>
-            <a:pPr lvl="1"/>
-            <a:endParaRPr/>
-          </a:p>
-          <a:p>
-            <a:pPr lvl="2"/>
-            <a:endParaRPr/>
-          </a:p>
-          <a:p>
-            <a:pPr lvl="3"/>
-            <a:endParaRPr/>
-          </a:p>
-          <a:p>
-            <a:pPr lvl="4"/>
-            <a:endParaRPr/>
+            </a:pPr>
+            <a:r>
+              <a:t>100%
+</a:t>
+            </a:r>
           </a:p>
         </p:txBody>
       </p:sp>
       <p:sp>
         <p:nvSpPr>
           <p:cNvPr id="117" name="Numero diapositiva"/>
-          <p:cNvSpPr txBox="1">
-            <a:spLocks noGrp="1"/>
-          </p:cNvSpPr>
+          <p:cNvSpPr txBox="1"/>
           <p:nvPr>
             <p:ph type="sldNum" sz="quarter" idx="2"/>
           </p:nvPr>
@@ -1012,10 +989,8 @@
           <a:bodyPr/>
           <a:lstStyle/>
           <a:p>
-            <a:fld id="{86CB4B4D-7CA3-9044-876B-883B54F8677D}" type="slidenum">
-              <a:t>‹N›</a:t>
-            </a:fld>
-            <a:endParaRPr/>
+            <a:pPr/>
+            <a:fld id="{86CB4B4D-7CA3-9044-876B-883B54F8677D}" type="slidenum"/>
           </a:p>
         </p:txBody>
       </p:sp>
@@ -1024,12 +999,12 @@
   <p:clrMapOvr>
     <a:masterClrMapping/>
   </p:clrMapOvr>
-  <p:transition spd="med"/>
+  <p:transition xmlns:p14="http://schemas.microsoft.com/office/powerpoint/2010/main" spd="med" advClick="1"/>
 </p:sldLayout>
 </file>
 
 <file path=ppt/slideLayouts/slideLayout12.xml><?xml version="1.0" encoding="utf-8"?>
-<p:sldLayout xmlns:a="http://schemas.openxmlformats.org/drawingml/2006/main" xmlns:r="http://schemas.openxmlformats.org/officeDocument/2006/relationships" xmlns:p="http://schemas.openxmlformats.org/presentationml/2006/main" showMasterSp="0" type="tx">
+<p:sldLayout xmlns:a="http://schemas.openxmlformats.org/drawingml/2006/main" xmlns:r="http://schemas.openxmlformats.org/officeDocument/2006/relationships" xmlns:p="http://schemas.openxmlformats.org/presentationml/2006/main" xmlns:m="http://schemas.openxmlformats.org/officeDocument/2006/math" xmlns:a14="http://schemas.microsoft.com/office/drawing/2010/main" type="tx" showMasterSp="0" showMasterPhAnim="1">
   <p:cSld name="Citazione">
     <p:spTree>
       <p:nvGrpSpPr>
@@ -1053,8 +1028,8 @@
         </p:nvSpPr>
         <p:spPr>
           <a:xfrm>
-            <a:off x="1008907" y="1064171"/>
-            <a:ext cx="22378886" cy="11587658"/>
+            <a:off x="1008906" y="1064171"/>
+            <a:ext cx="22378888" cy="11587658"/>
           </a:xfrm>
           <a:prstGeom prst="rect">
             <a:avLst/>
@@ -1067,17 +1042,17 @@
           </a:ln>
         </p:spPr>
         <p:txBody>
-          <a:bodyPr lIns="0" tIns="0" rIns="0" bIns="0" anchor="ctr"/>
-          <a:lstStyle/>
-          <a:p>
-            <a:pPr defTabSz="415431">
+          <a:bodyPr lIns="50800" tIns="50800" rIns="50800" bIns="50800" anchor="ctr"/>
+          <a:lstStyle/>
+          <a:p>
+            <a:pPr defTabSz="415430">
               <a:lnSpc>
                 <a:spcPct val="120000"/>
               </a:lnSpc>
               <a:spcBef>
                 <a:spcPts val="0"/>
               </a:spcBef>
-              <a:defRPr sz="3000" spc="-59">
+              <a:defRPr spc="-58" sz="3000">
                 <a:solidFill>
                   <a:srgbClr val="FFFFFF"/>
                 </a:solidFill>
@@ -1087,16 +1062,13 @@
                 <a:sym typeface="Canela Deck Bold"/>
               </a:defRPr>
             </a:pPr>
-            <a:endParaRPr/>
           </a:p>
         </p:txBody>
       </p:sp>
       <p:sp>
         <p:nvSpPr>
           <p:cNvPr id="125" name="Corpo livello uno…"/>
-          <p:cNvSpPr txBox="1">
-            <a:spLocks noGrp="1"/>
-          </p:cNvSpPr>
+          <p:cNvSpPr txBox="1"/>
           <p:nvPr>
             <p:ph type="body" sz="quarter" idx="1" hasCustomPrompt="1"/>
           </p:nvPr>
@@ -1117,51 +1089,51 @@
               <a:lnSpc>
                 <a:spcPct val="80000"/>
               </a:lnSpc>
-              <a:defRPr sz="7000" b="0">
+              <a:defRPr b="0" sz="7000">
                 <a:latin typeface="Canela Deck Regular"/>
                 <a:ea typeface="Canela Deck Regular"/>
                 <a:cs typeface="Canela Deck Regular"/>
                 <a:sym typeface="Canela Deck Regular"/>
               </a:defRPr>
             </a:lvl1pPr>
-            <a:lvl2pPr marL="320204" indent="136995" algn="l" defTabSz="355600">
+            <a:lvl2pPr marL="320204" algn="l" defTabSz="355600">
               <a:lnSpc>
                 <a:spcPct val="80000"/>
               </a:lnSpc>
-              <a:defRPr sz="7000" b="0">
+              <a:defRPr b="0" sz="7000">
                 <a:latin typeface="Canela Deck Regular"/>
                 <a:ea typeface="Canela Deck Regular"/>
                 <a:cs typeface="Canela Deck Regular"/>
                 <a:sym typeface="Canela Deck Regular"/>
               </a:defRPr>
             </a:lvl2pPr>
-            <a:lvl3pPr marL="320204" indent="594195" algn="l" defTabSz="355600">
+            <a:lvl3pPr marL="320204" algn="l" defTabSz="355600">
               <a:lnSpc>
                 <a:spcPct val="80000"/>
               </a:lnSpc>
-              <a:defRPr sz="7000" b="0">
+              <a:defRPr b="0" sz="7000">
                 <a:latin typeface="Canela Deck Regular"/>
                 <a:ea typeface="Canela Deck Regular"/>
                 <a:cs typeface="Canela Deck Regular"/>
                 <a:sym typeface="Canela Deck Regular"/>
               </a:defRPr>
             </a:lvl3pPr>
-            <a:lvl4pPr marL="320204" indent="1051395" algn="l" defTabSz="355600">
+            <a:lvl4pPr marL="320204" algn="l" defTabSz="355600">
               <a:lnSpc>
                 <a:spcPct val="80000"/>
               </a:lnSpc>
-              <a:defRPr sz="7000" b="0">
+              <a:defRPr b="0" sz="7000">
                 <a:latin typeface="Canela Deck Regular"/>
                 <a:ea typeface="Canela Deck Regular"/>
                 <a:cs typeface="Canela Deck Regular"/>
                 <a:sym typeface="Canela Deck Regular"/>
               </a:defRPr>
             </a:lvl4pPr>
-            <a:lvl5pPr marL="320204" indent="1508595" algn="l" defTabSz="355600">
+            <a:lvl5pPr marL="320204" algn="l" defTabSz="355600">
               <a:lnSpc>
                 <a:spcPct val="80000"/>
               </a:lnSpc>
-              <a:defRPr sz="7000" b="0">
+              <a:defRPr b="0" sz="7000">
                 <a:latin typeface="Canela Deck Regular"/>
                 <a:ea typeface="Canela Deck Regular"/>
                 <a:cs typeface="Canela Deck Regular"/>
@@ -1170,34 +1142,41 @@
             </a:lvl5pPr>
           </a:lstStyle>
           <a:p>
+            <a:pPr/>
             <a:r>
               <a:t>“Citazione degna di nota”</a:t>
             </a:r>
           </a:p>
           <a:p>
             <a:pPr lvl="1"/>
-            <a:endParaRPr/>
+            <a:r>
+              <a:t/>
+            </a:r>
           </a:p>
           <a:p>
             <a:pPr lvl="2"/>
-            <a:endParaRPr/>
+            <a:r>
+              <a:t/>
+            </a:r>
           </a:p>
           <a:p>
             <a:pPr lvl="3"/>
-            <a:endParaRPr/>
+            <a:r>
+              <a:t/>
+            </a:r>
           </a:p>
           <a:p>
             <a:pPr lvl="4"/>
-            <a:endParaRPr/>
+            <a:r>
+              <a:t/>
+            </a:r>
           </a:p>
         </p:txBody>
       </p:sp>
       <p:sp>
         <p:nvSpPr>
           <p:cNvPr id="126" name="Attribuzione"/>
-          <p:cNvSpPr txBox="1">
-            <a:spLocks noGrp="1"/>
-          </p:cNvSpPr>
+          <p:cNvSpPr txBox="1"/>
           <p:nvPr>
             <p:ph type="body" sz="quarter" idx="21" hasCustomPrompt="1"/>
           </p:nvPr>
@@ -1205,7 +1184,7 @@
         <p:spPr>
           <a:xfrm>
             <a:off x="6100233" y="9999201"/>
-            <a:ext cx="12546022" cy="508001"/>
+            <a:ext cx="12546022" cy="508002"/>
           </a:xfrm>
           <a:prstGeom prst="rect">
             <a:avLst/>
@@ -1218,10 +1197,11 @@
               <a:lnSpc>
                 <a:spcPct val="140000"/>
               </a:lnSpc>
-              <a:defRPr sz="2700" spc="26"/>
+              <a:defRPr sz="2700"/>
             </a:lvl1pPr>
           </a:lstStyle>
           <a:p>
+            <a:pPr/>
             <a:r>
               <a:t>Attribuzione</a:t>
             </a:r>
@@ -1231,9 +1211,7 @@
       <p:sp>
         <p:nvSpPr>
           <p:cNvPr id="127" name="Numero diapositiva"/>
-          <p:cNvSpPr txBox="1">
-            <a:spLocks noGrp="1"/>
-          </p:cNvSpPr>
+          <p:cNvSpPr txBox="1"/>
           <p:nvPr>
             <p:ph type="sldNum" sz="quarter" idx="2"/>
           </p:nvPr>
@@ -1247,10 +1225,8 @@
           <a:bodyPr/>
           <a:lstStyle/>
           <a:p>
-            <a:fld id="{86CB4B4D-7CA3-9044-876B-883B54F8677D}" type="slidenum">
-              <a:t>‹N›</a:t>
-            </a:fld>
-            <a:endParaRPr/>
+            <a:pPr/>
+            <a:fld id="{86CB4B4D-7CA3-9044-876B-883B54F8677D}" type="slidenum"/>
           </a:p>
         </p:txBody>
       </p:sp>
@@ -1259,12 +1235,12 @@
   <p:clrMapOvr>
     <a:masterClrMapping/>
   </p:clrMapOvr>
-  <p:transition spd="med"/>
+  <p:transition xmlns:p14="http://schemas.microsoft.com/office/powerpoint/2010/main" spd="med" advClick="1"/>
 </p:sldLayout>
 </file>
 
 <file path=ppt/slideLayouts/slideLayout13.xml><?xml version="1.0" encoding="utf-8"?>
-<p:sldLayout xmlns:a="http://schemas.openxmlformats.org/drawingml/2006/main" xmlns:r="http://schemas.openxmlformats.org/officeDocument/2006/relationships" xmlns:p="http://schemas.openxmlformats.org/presentationml/2006/main" showMasterSp="0" type="tx">
+<p:sldLayout xmlns:a="http://schemas.openxmlformats.org/drawingml/2006/main" xmlns:r="http://schemas.openxmlformats.org/officeDocument/2006/relationships" xmlns:p="http://schemas.openxmlformats.org/presentationml/2006/main" xmlns:m="http://schemas.openxmlformats.org/officeDocument/2006/math" xmlns:a14="http://schemas.microsoft.com/office/drawing/2010/main" type="tx" showMasterSp="0" showMasterPhAnim="1">
   <p:cSld name="Foto - 3 per pagina">
     <p:spTree>
       <p:nvGrpSpPr>
@@ -1283,9 +1259,7 @@
       <p:sp>
         <p:nvSpPr>
           <p:cNvPr id="134" name="Trucco polverizzato di diversi colori su sfondo grigio"/>
-          <p:cNvSpPr>
-            <a:spLocks noGrp="1"/>
-          </p:cNvSpPr>
+          <p:cNvSpPr/>
           <p:nvPr>
             <p:ph type="pic" idx="21"/>
           </p:nvPr>
@@ -1305,16 +1279,14 @@
           </a:bodyPr>
           <a:lstStyle/>
           <a:p>
-            <a:endParaRPr/>
+            <a:pPr/>
           </a:p>
         </p:txBody>
       </p:sp>
       <p:sp>
         <p:nvSpPr>
           <p:cNvPr id="135" name="Primo piano di una palette da trucco "/>
-          <p:cNvSpPr>
-            <a:spLocks noGrp="1"/>
-          </p:cNvSpPr>
+          <p:cNvSpPr/>
           <p:nvPr>
             <p:ph type="pic" idx="22"/>
           </p:nvPr>
@@ -1334,24 +1306,22 @@
           </a:bodyPr>
           <a:lstStyle/>
           <a:p>
-            <a:endParaRPr/>
+            <a:pPr/>
           </a:p>
         </p:txBody>
       </p:sp>
       <p:sp>
         <p:nvSpPr>
           <p:cNvPr id="136" name="Primo piano con ombretti e ciprie polverizzati"/>
-          <p:cNvSpPr>
-            <a:spLocks noGrp="1"/>
-          </p:cNvSpPr>
+          <p:cNvSpPr/>
           <p:nvPr>
             <p:ph type="pic" idx="23"/>
           </p:nvPr>
         </p:nvSpPr>
         <p:spPr>
           <a:xfrm>
-            <a:off x="1003300" y="1344083"/>
-            <a:ext cx="11201400" cy="16806333"/>
+            <a:off x="1003300" y="1344082"/>
+            <a:ext cx="11201400" cy="16806334"/>
           </a:xfrm>
           <a:prstGeom prst="rect">
             <a:avLst/>
@@ -1363,24 +1333,22 @@
           </a:bodyPr>
           <a:lstStyle/>
           <a:p>
-            <a:endParaRPr/>
+            <a:pPr/>
           </a:p>
         </p:txBody>
       </p:sp>
       <p:sp>
         <p:nvSpPr>
           <p:cNvPr id="137" name="Numero diapositiva"/>
-          <p:cNvSpPr txBox="1">
-            <a:spLocks noGrp="1"/>
-          </p:cNvSpPr>
+          <p:cNvSpPr txBox="1"/>
           <p:nvPr>
             <p:ph type="sldNum" sz="quarter" idx="2"/>
           </p:nvPr>
         </p:nvSpPr>
         <p:spPr>
           <a:xfrm>
-            <a:off x="12043207" y="13131800"/>
-            <a:ext cx="307544" cy="342900"/>
+            <a:off x="12043207" y="13131799"/>
+            <a:ext cx="307544" cy="342901"/>
           </a:xfrm>
           <a:prstGeom prst="rect">
             <a:avLst/>
@@ -1390,10 +1358,8 @@
           <a:bodyPr/>
           <a:lstStyle/>
           <a:p>
-            <a:fld id="{86CB4B4D-7CA3-9044-876B-883B54F8677D}" type="slidenum">
-              <a:t>‹N›</a:t>
-            </a:fld>
-            <a:endParaRPr/>
+            <a:pPr/>
+            <a:fld id="{86CB4B4D-7CA3-9044-876B-883B54F8677D}" type="slidenum"/>
           </a:p>
         </p:txBody>
       </p:sp>
@@ -1402,12 +1368,12 @@
   <p:clrMapOvr>
     <a:masterClrMapping/>
   </p:clrMapOvr>
-  <p:transition spd="med"/>
+  <p:transition xmlns:p14="http://schemas.microsoft.com/office/powerpoint/2010/main" spd="med" advClick="1"/>
 </p:sldLayout>
 </file>
 
 <file path=ppt/slideLayouts/slideLayout14.xml><?xml version="1.0" encoding="utf-8"?>
-<p:sldLayout xmlns:a="http://schemas.openxmlformats.org/drawingml/2006/main" xmlns:r="http://schemas.openxmlformats.org/officeDocument/2006/relationships" xmlns:p="http://schemas.openxmlformats.org/presentationml/2006/main" showMasterSp="0" type="tx">
+<p:sldLayout xmlns:a="http://schemas.openxmlformats.org/drawingml/2006/main" xmlns:r="http://schemas.openxmlformats.org/officeDocument/2006/relationships" xmlns:p="http://schemas.openxmlformats.org/presentationml/2006/main" xmlns:m="http://schemas.openxmlformats.org/officeDocument/2006/math" xmlns:a14="http://schemas.microsoft.com/office/drawing/2010/main" type="tx" showMasterSp="0" showMasterPhAnim="1">
   <p:cSld name="Foto">
     <p:spTree>
       <p:nvGrpSpPr>
@@ -1426,9 +1392,7 @@
       <p:sp>
         <p:nvSpPr>
           <p:cNvPr id="144" name="Rossetti di vari colori disposti in file"/>
-          <p:cNvSpPr>
-            <a:spLocks noGrp="1"/>
-          </p:cNvSpPr>
+          <p:cNvSpPr/>
           <p:nvPr>
             <p:ph type="pic" idx="21"/>
           </p:nvPr>
@@ -1436,7 +1400,7 @@
         <p:spPr>
           <a:xfrm>
             <a:off x="800100" y="253554"/>
-            <a:ext cx="22783800" cy="15239310"/>
+            <a:ext cx="22783800" cy="15239311"/>
           </a:xfrm>
           <a:prstGeom prst="rect">
             <a:avLst/>
@@ -1448,16 +1412,14 @@
           </a:bodyPr>
           <a:lstStyle/>
           <a:p>
-            <a:endParaRPr/>
+            <a:pPr/>
           </a:p>
         </p:txBody>
       </p:sp>
       <p:sp>
         <p:nvSpPr>
           <p:cNvPr id="145" name="Numero diapositiva"/>
-          <p:cNvSpPr txBox="1">
-            <a:spLocks noGrp="1"/>
-          </p:cNvSpPr>
+          <p:cNvSpPr txBox="1"/>
           <p:nvPr>
             <p:ph type="sldNum" sz="quarter" idx="2"/>
           </p:nvPr>
@@ -1471,10 +1433,8 @@
           <a:bodyPr/>
           <a:lstStyle/>
           <a:p>
-            <a:fld id="{86CB4B4D-7CA3-9044-876B-883B54F8677D}" type="slidenum">
-              <a:t>‹N›</a:t>
-            </a:fld>
-            <a:endParaRPr/>
+            <a:pPr/>
+            <a:fld id="{86CB4B4D-7CA3-9044-876B-883B54F8677D}" type="slidenum"/>
           </a:p>
         </p:txBody>
       </p:sp>
@@ -1483,12 +1443,12 @@
   <p:clrMapOvr>
     <a:masterClrMapping/>
   </p:clrMapOvr>
-  <p:transition spd="med"/>
+  <p:transition xmlns:p14="http://schemas.microsoft.com/office/powerpoint/2010/main" spd="med" advClick="1"/>
 </p:sldLayout>
 </file>
 
 <file path=ppt/slideLayouts/slideLayout15.xml><?xml version="1.0" encoding="utf-8"?>
-<p:sldLayout xmlns:a="http://schemas.openxmlformats.org/drawingml/2006/main" xmlns:r="http://schemas.openxmlformats.org/officeDocument/2006/relationships" xmlns:p="http://schemas.openxmlformats.org/presentationml/2006/main" showMasterSp="0" type="tx">
+<p:sldLayout xmlns:a="http://schemas.openxmlformats.org/drawingml/2006/main" xmlns:r="http://schemas.openxmlformats.org/officeDocument/2006/relationships" xmlns:p="http://schemas.openxmlformats.org/presentationml/2006/main" xmlns:m="http://schemas.openxmlformats.org/officeDocument/2006/math" xmlns:a14="http://schemas.microsoft.com/office/drawing/2010/main" type="tx" showMasterSp="0" showMasterPhAnim="1">
   <p:cSld name="Vuota">
     <p:spTree>
       <p:nvGrpSpPr>
@@ -1507,9 +1467,7 @@
       <p:sp>
         <p:nvSpPr>
           <p:cNvPr id="152" name="Numero diapositiva"/>
-          <p:cNvSpPr txBox="1">
-            <a:spLocks noGrp="1"/>
-          </p:cNvSpPr>
+          <p:cNvSpPr txBox="1"/>
           <p:nvPr>
             <p:ph type="sldNum" sz="quarter" idx="2"/>
           </p:nvPr>
@@ -1523,10 +1481,8 @@
           <a:bodyPr/>
           <a:lstStyle/>
           <a:p>
-            <a:fld id="{86CB4B4D-7CA3-9044-876B-883B54F8677D}" type="slidenum">
-              <a:t>‹N›</a:t>
-            </a:fld>
-            <a:endParaRPr/>
+            <a:pPr/>
+            <a:fld id="{86CB4B4D-7CA3-9044-876B-883B54F8677D}" type="slidenum"/>
           </a:p>
         </p:txBody>
       </p:sp>
@@ -1535,12 +1491,12 @@
   <p:clrMapOvr>
     <a:masterClrMapping/>
   </p:clrMapOvr>
-  <p:transition spd="med"/>
+  <p:transition xmlns:p14="http://schemas.microsoft.com/office/powerpoint/2010/main" spd="med" advClick="1"/>
 </p:sldLayout>
 </file>
 
 <file path=ppt/slideLayouts/slideLayout2.xml><?xml version="1.0" encoding="utf-8"?>
-<p:sldLayout xmlns:a="http://schemas.openxmlformats.org/drawingml/2006/main" xmlns:r="http://schemas.openxmlformats.org/officeDocument/2006/relationships" xmlns:p="http://schemas.openxmlformats.org/presentationml/2006/main" showMasterSp="0" type="tx">
+<p:sldLayout xmlns:a="http://schemas.openxmlformats.org/drawingml/2006/main" xmlns:r="http://schemas.openxmlformats.org/officeDocument/2006/relationships" xmlns:p="http://schemas.openxmlformats.org/presentationml/2006/main" xmlns:m="http://schemas.openxmlformats.org/officeDocument/2006/math" xmlns:a14="http://schemas.microsoft.com/office/drawing/2010/main" type="tx" showMasterSp="0" showMasterPhAnim="1">
   <p:cSld name="Titolo e foto">
     <p:spTree>
       <p:nvGrpSpPr>
@@ -1559,17 +1515,15 @@
       <p:sp>
         <p:nvSpPr>
           <p:cNvPr id="21" name="Otto rossetti di diversi colori ridotti in pezzi su sfondo nero"/>
-          <p:cNvSpPr>
-            <a:spLocks noGrp="1"/>
-          </p:cNvSpPr>
+          <p:cNvSpPr/>
           <p:nvPr>
             <p:ph type="pic" idx="21"/>
           </p:nvPr>
         </p:nvSpPr>
         <p:spPr>
           <a:xfrm>
-            <a:off x="1003300" y="-606362"/>
-            <a:ext cx="22364700" cy="14890652"/>
+            <a:off x="1003300" y="-606363"/>
+            <a:ext cx="22364700" cy="14890654"/>
           </a:xfrm>
           <a:prstGeom prst="rect">
             <a:avLst/>
@@ -1581,24 +1535,106 @@
           </a:bodyPr>
           <a:lstStyle/>
           <a:p>
-            <a:endParaRPr/>
-          </a:p>
-        </p:txBody>
-      </p:sp>
-      <p:sp>
-        <p:nvSpPr>
-          <p:cNvPr id="22" name="Autore e data"/>
-          <p:cNvSpPr txBox="1">
-            <a:spLocks noGrp="1"/>
-          </p:cNvSpPr>
-          <p:nvPr>
-            <p:ph type="body" sz="quarter" idx="22" hasCustomPrompt="1"/>
+            <a:pPr/>
+          </a:p>
+        </p:txBody>
+      </p:sp>
+      <p:sp>
+        <p:nvSpPr>
+          <p:cNvPr id="22" name="Corpo livello uno…"/>
+          <p:cNvSpPr txBox="1"/>
+          <p:nvPr>
+            <p:ph type="body" sz="quarter" idx="1" hasCustomPrompt="1"/>
+          </p:nvPr>
+        </p:nvSpPr>
+        <p:spPr>
+          <a:prstGeom prst="rect">
+            <a:avLst/>
+          </a:prstGeom>
+        </p:spPr>
+        <p:txBody>
+          <a:bodyPr/>
+          <a:lstStyle>
+            <a:lvl1pPr>
+              <a:defRPr>
+                <a:solidFill>
+                  <a:srgbClr val="FFFFFF"/>
+                </a:solidFill>
+              </a:defRPr>
+            </a:lvl1pPr>
+            <a:lvl2pPr>
+              <a:defRPr>
+                <a:solidFill>
+                  <a:srgbClr val="FFFFFF"/>
+                </a:solidFill>
+              </a:defRPr>
+            </a:lvl2pPr>
+            <a:lvl3pPr>
+              <a:defRPr>
+                <a:solidFill>
+                  <a:srgbClr val="FFFFFF"/>
+                </a:solidFill>
+              </a:defRPr>
+            </a:lvl3pPr>
+            <a:lvl4pPr>
+              <a:defRPr>
+                <a:solidFill>
+                  <a:srgbClr val="FFFFFF"/>
+                </a:solidFill>
+              </a:defRPr>
+            </a:lvl4pPr>
+            <a:lvl5pPr>
+              <a:defRPr>
+                <a:solidFill>
+                  <a:srgbClr val="FFFFFF"/>
+                </a:solidFill>
+              </a:defRPr>
+            </a:lvl5pPr>
+          </a:lstStyle>
+          <a:p>
+            <a:pPr/>
+            <a:r>
+              <a:t>Autore e data</a:t>
+            </a:r>
+          </a:p>
+          <a:p>
+            <a:pPr lvl="1"/>
+            <a:r>
+              <a:t/>
+            </a:r>
+          </a:p>
+          <a:p>
+            <a:pPr lvl="2"/>
+            <a:r>
+              <a:t/>
+            </a:r>
+          </a:p>
+          <a:p>
+            <a:pPr lvl="3"/>
+            <a:r>
+              <a:t/>
+            </a:r>
+          </a:p>
+          <a:p>
+            <a:pPr lvl="4"/>
+            <a:r>
+              <a:t/>
+            </a:r>
+          </a:p>
+        </p:txBody>
+      </p:sp>
+      <p:sp>
+        <p:nvSpPr>
+          <p:cNvPr id="23" name="Titolo presentazione"/>
+          <p:cNvSpPr txBox="1"/>
+          <p:nvPr>
+            <p:ph type="title" hasCustomPrompt="1"/>
           </p:nvPr>
         </p:nvSpPr>
         <p:spPr>
           <a:xfrm>
-            <a:off x="2057400" y="11229761"/>
-            <a:ext cx="20269200" cy="845948"/>
+            <a:off x="2057400" y="2865467"/>
+            <a:ext cx="20269200" cy="5359403"/>
           </a:xfrm>
           <a:prstGeom prst="rect">
             <a:avLst/>
@@ -1616,26 +1652,25 @@
             </a:lvl1pPr>
           </a:lstStyle>
           <a:p>
-            <a:r>
-              <a:t>Autore e data</a:t>
-            </a:r>
-          </a:p>
-        </p:txBody>
-      </p:sp>
-      <p:sp>
-        <p:nvSpPr>
-          <p:cNvPr id="23" name="Titolo presentazione"/>
-          <p:cNvSpPr txBox="1">
-            <a:spLocks noGrp="1"/>
-          </p:cNvSpPr>
-          <p:nvPr>
-            <p:ph type="title" hasCustomPrompt="1"/>
+            <a:pPr/>
+            <a:r>
+              <a:t>Titolo presentazione</a:t>
+            </a:r>
+          </a:p>
+        </p:txBody>
+      </p:sp>
+      <p:sp>
+        <p:nvSpPr>
+          <p:cNvPr id="24" name="Numero diapositiva"/>
+          <p:cNvSpPr txBox="1"/>
+          <p:nvPr>
+            <p:ph type="sldNum" sz="quarter" idx="2"/>
           </p:nvPr>
         </p:nvSpPr>
         <p:spPr>
           <a:xfrm>
-            <a:off x="2057400" y="2865468"/>
-            <a:ext cx="20269200" cy="5359401"/>
+            <a:off x="12039599" y="13131799"/>
+            <a:ext cx="307544" cy="342901"/>
           </a:xfrm>
           <a:prstGeom prst="rect">
             <a:avLst/>
@@ -1643,49 +1678,10 @@
         </p:spPr>
         <p:txBody>
           <a:bodyPr/>
-          <a:lstStyle>
-            <a:lvl1pPr>
-              <a:defRPr>
-                <a:solidFill>
-                  <a:srgbClr val="FFFFFF"/>
-                </a:solidFill>
-              </a:defRPr>
-            </a:lvl1pPr>
-          </a:lstStyle>
-          <a:p>
-            <a:r>
-              <a:t>Titolo presentazione</a:t>
-            </a:r>
-          </a:p>
-        </p:txBody>
-      </p:sp>
-      <p:sp>
-        <p:nvSpPr>
-          <p:cNvPr id="24" name="Numero diapositiva"/>
-          <p:cNvSpPr txBox="1">
-            <a:spLocks noGrp="1"/>
-          </p:cNvSpPr>
-          <p:nvPr>
-            <p:ph type="sldNum" sz="quarter" idx="2"/>
-          </p:nvPr>
-        </p:nvSpPr>
-        <p:spPr>
-          <a:xfrm>
-            <a:off x="12039599" y="13131800"/>
-            <a:ext cx="307544" cy="342900"/>
-          </a:xfrm>
-          <a:prstGeom prst="rect">
-            <a:avLst/>
-          </a:prstGeom>
-        </p:spPr>
-        <p:txBody>
-          <a:bodyPr/>
-          <a:lstStyle/>
-          <a:p>
-            <a:fld id="{86CB4B4D-7CA3-9044-876B-883B54F8677D}" type="slidenum">
-              <a:t>‹N›</a:t>
-            </a:fld>
-            <a:endParaRPr/>
+          <a:lstStyle/>
+          <a:p>
+            <a:pPr/>
+            <a:fld id="{86CB4B4D-7CA3-9044-876B-883B54F8677D}" type="slidenum"/>
           </a:p>
         </p:txBody>
       </p:sp>
@@ -1694,12 +1690,12 @@
   <p:clrMapOvr>
     <a:masterClrMapping/>
   </p:clrMapOvr>
-  <p:transition spd="med"/>
+  <p:transition xmlns:p14="http://schemas.microsoft.com/office/powerpoint/2010/main" spd="med" advClick="1"/>
 </p:sldLayout>
 </file>
 
 <file path=ppt/slideLayouts/slideLayout3.xml><?xml version="1.0" encoding="utf-8"?>
-<p:sldLayout xmlns:a="http://schemas.openxmlformats.org/drawingml/2006/main" xmlns:r="http://schemas.openxmlformats.org/officeDocument/2006/relationships" xmlns:p="http://schemas.openxmlformats.org/presentationml/2006/main" showMasterSp="0" type="tx">
+<p:sldLayout xmlns:a="http://schemas.openxmlformats.org/drawingml/2006/main" xmlns:r="http://schemas.openxmlformats.org/officeDocument/2006/relationships" xmlns:p="http://schemas.openxmlformats.org/presentationml/2006/main" xmlns:m="http://schemas.openxmlformats.org/officeDocument/2006/math" xmlns:a14="http://schemas.microsoft.com/office/drawing/2010/main" type="tx" showMasterSp="0" showMasterPhAnim="1">
   <p:cSld name="Titolo e foto 2">
     <p:spTree>
       <p:nvGrpSpPr>
@@ -1718,9 +1714,7 @@
       <p:sp>
         <p:nvSpPr>
           <p:cNvPr id="31" name="Trucco polverizzato di diversi colori su sfondo grigio"/>
-          <p:cNvSpPr>
-            <a:spLocks noGrp="1"/>
-          </p:cNvSpPr>
+          <p:cNvSpPr/>
           <p:nvPr>
             <p:ph type="pic" idx="21"/>
           </p:nvPr>
@@ -1728,7 +1722,7 @@
         <p:spPr>
           <a:xfrm>
             <a:off x="12192000" y="-1540805"/>
-            <a:ext cx="11188700" cy="16783051"/>
+            <a:ext cx="11188700" cy="16783052"/>
           </a:xfrm>
           <a:prstGeom prst="rect">
             <a:avLst/>
@@ -1740,7 +1734,7 @@
           </a:bodyPr>
           <a:lstStyle/>
           <a:p>
-            <a:endParaRPr/>
+            <a:pPr/>
           </a:p>
         </p:txBody>
       </p:sp>
@@ -1752,8 +1746,8 @@
         </p:nvSpPr>
         <p:spPr>
           <a:xfrm>
-            <a:off x="1008955" y="1064815"/>
-            <a:ext cx="11190189" cy="11586370"/>
+            <a:off x="1008954" y="1064814"/>
+            <a:ext cx="11190191" cy="11586372"/>
           </a:xfrm>
           <a:prstGeom prst="rect">
             <a:avLst/>
@@ -1766,17 +1760,17 @@
           </a:ln>
         </p:spPr>
         <p:txBody>
-          <a:bodyPr lIns="0" tIns="0" rIns="0" bIns="0" anchor="ctr"/>
-          <a:lstStyle/>
-          <a:p>
-            <a:pPr defTabSz="415431">
+          <a:bodyPr lIns="50800" tIns="50800" rIns="50800" bIns="50800" anchor="ctr"/>
+          <a:lstStyle/>
+          <a:p>
+            <a:pPr defTabSz="415430">
               <a:lnSpc>
                 <a:spcPct val="120000"/>
               </a:lnSpc>
               <a:spcBef>
                 <a:spcPts val="0"/>
               </a:spcBef>
-              <a:defRPr sz="3000" spc="-59">
+              <a:defRPr spc="-58" sz="3000">
                 <a:solidFill>
                   <a:srgbClr val="FFFFFF"/>
                 </a:solidFill>
@@ -1786,24 +1780,21 @@
                 <a:sym typeface="Canela Deck Bold"/>
               </a:defRPr>
             </a:pPr>
-            <a:endParaRPr/>
-          </a:p>
-        </p:txBody>
-      </p:sp>
-      <p:sp>
-        <p:nvSpPr>
-          <p:cNvPr id="33" name="Autore e data"/>
-          <p:cNvSpPr txBox="1">
-            <a:spLocks noGrp="1"/>
-          </p:cNvSpPr>
-          <p:nvPr>
-            <p:ph type="body" sz="quarter" idx="22" hasCustomPrompt="1"/>
+          </a:p>
+        </p:txBody>
+      </p:sp>
+      <p:sp>
+        <p:nvSpPr>
+          <p:cNvPr id="33" name="Corpo livello uno…"/>
+          <p:cNvSpPr txBox="1"/>
+          <p:nvPr>
+            <p:ph type="body" sz="quarter" idx="1" hasCustomPrompt="1"/>
           </p:nvPr>
         </p:nvSpPr>
         <p:spPr>
           <a:xfrm>
             <a:off x="1803400" y="11229761"/>
-            <a:ext cx="9601200" cy="845948"/>
+            <a:ext cx="9601200" cy="845949"/>
           </a:xfrm>
           <a:prstGeom prst="rect">
             <a:avLst/>
@@ -1813,18 +1804,41 @@
           <a:bodyPr/>
           <a:lstStyle/>
           <a:p>
+            <a:pPr/>
             <a:r>
               <a:t>Autore e data</a:t>
             </a:r>
           </a:p>
+          <a:p>
+            <a:pPr lvl="1"/>
+            <a:r>
+              <a:t/>
+            </a:r>
+          </a:p>
+          <a:p>
+            <a:pPr lvl="2"/>
+            <a:r>
+              <a:t/>
+            </a:r>
+          </a:p>
+          <a:p>
+            <a:pPr lvl="3"/>
+            <a:r>
+              <a:t/>
+            </a:r>
+          </a:p>
+          <a:p>
+            <a:pPr lvl="4"/>
+            <a:r>
+              <a:t/>
+            </a:r>
+          </a:p>
         </p:txBody>
       </p:sp>
       <p:sp>
         <p:nvSpPr>
           <p:cNvPr id="34" name="Titolo"/>
-          <p:cNvSpPr txBox="1">
-            <a:spLocks noGrp="1"/>
-          </p:cNvSpPr>
+          <p:cNvSpPr txBox="1"/>
           <p:nvPr>
             <p:ph type="title" hasCustomPrompt="1"/>
           </p:nvPr>
@@ -1849,6 +1863,7 @@
             </a:lvl1pPr>
           </a:lstStyle>
           <a:p>
+            <a:pPr/>
             <a:r>
               <a:t>Titolo</a:t>
             </a:r>
@@ -1858,17 +1873,15 @@
       <p:sp>
         <p:nvSpPr>
           <p:cNvPr id="35" name="Numero diapositiva"/>
-          <p:cNvSpPr txBox="1">
-            <a:spLocks noGrp="1"/>
-          </p:cNvSpPr>
+          <p:cNvSpPr txBox="1"/>
           <p:nvPr>
             <p:ph type="sldNum" sz="quarter" idx="2"/>
           </p:nvPr>
         </p:nvSpPr>
         <p:spPr>
           <a:xfrm>
-            <a:off x="12039599" y="13131800"/>
-            <a:ext cx="307544" cy="342900"/>
+            <a:off x="12039599" y="13131799"/>
+            <a:ext cx="307544" cy="342901"/>
           </a:xfrm>
           <a:prstGeom prst="rect">
             <a:avLst/>
@@ -1878,10 +1891,8 @@
           <a:bodyPr/>
           <a:lstStyle/>
           <a:p>
-            <a:fld id="{86CB4B4D-7CA3-9044-876B-883B54F8677D}" type="slidenum">
-              <a:t>‹N›</a:t>
-            </a:fld>
-            <a:endParaRPr/>
+            <a:pPr/>
+            <a:fld id="{86CB4B4D-7CA3-9044-876B-883B54F8677D}" type="slidenum"/>
           </a:p>
         </p:txBody>
       </p:sp>
@@ -1890,12 +1901,12 @@
   <p:clrMapOvr>
     <a:masterClrMapping/>
   </p:clrMapOvr>
-  <p:transition spd="med"/>
+  <p:transition xmlns:p14="http://schemas.microsoft.com/office/powerpoint/2010/main" spd="med" advClick="1"/>
 </p:sldLayout>
 </file>
 
 <file path=ppt/slideLayouts/slideLayout4.xml><?xml version="1.0" encoding="utf-8"?>
-<p:sldLayout xmlns:a="http://schemas.openxmlformats.org/drawingml/2006/main" xmlns:r="http://schemas.openxmlformats.org/officeDocument/2006/relationships" xmlns:p="http://schemas.openxmlformats.org/presentationml/2006/main" showMasterSp="0" type="tx">
+<p:sldLayout xmlns:a="http://schemas.openxmlformats.org/drawingml/2006/main" xmlns:r="http://schemas.openxmlformats.org/officeDocument/2006/relationships" xmlns:p="http://schemas.openxmlformats.org/presentationml/2006/main" xmlns:m="http://schemas.openxmlformats.org/officeDocument/2006/math" xmlns:a14="http://schemas.microsoft.com/office/drawing/2010/main" type="tx" showMasterSp="0" showMasterPhAnim="1">
   <p:cSld name="Titolo e punti elenco">
     <p:spTree>
       <p:nvGrpSpPr>
@@ -1919,35 +1930,31 @@
         </p:nvSpPr>
         <p:spPr>
           <a:xfrm>
-            <a:off x="1008907" y="1067048"/>
-            <a:ext cx="22378886" cy="11581904"/>
+            <a:off x="1008906" y="1067048"/>
+            <a:ext cx="22378888" cy="11581904"/>
           </a:xfrm>
           <a:prstGeom prst="rect">
             <a:avLst/>
           </a:prstGeom>
           <a:solidFill>
-            <a:schemeClr val="accent5">
-              <a:hueOff val="-246905"/>
-              <a:satOff val="-77181"/>
-              <a:lumOff val="20457"/>
-            </a:schemeClr>
+            <a:srgbClr val="EFE7E6"/>
           </a:solidFill>
           <a:ln w="12700">
             <a:miter lim="400000"/>
           </a:ln>
         </p:spPr>
         <p:txBody>
-          <a:bodyPr lIns="0" tIns="0" rIns="0" bIns="0" anchor="ctr"/>
-          <a:lstStyle/>
-          <a:p>
-            <a:pPr defTabSz="415431">
+          <a:bodyPr lIns="50800" tIns="50800" rIns="50800" bIns="50800" anchor="ctr"/>
+          <a:lstStyle/>
+          <a:p>
+            <a:pPr defTabSz="415430">
               <a:lnSpc>
                 <a:spcPct val="120000"/>
               </a:lnSpc>
               <a:spcBef>
                 <a:spcPts val="0"/>
               </a:spcBef>
-              <a:defRPr sz="3000" spc="-59">
+              <a:defRPr spc="-58" sz="3000">
                 <a:solidFill>
                   <a:srgbClr val="FFFFFF"/>
                 </a:solidFill>
@@ -1957,24 +1964,21 @@
                 <a:sym typeface="Canela Deck Bold"/>
               </a:defRPr>
             </a:pPr>
-            <a:endParaRPr/>
-          </a:p>
-        </p:txBody>
-      </p:sp>
-      <p:sp>
-        <p:nvSpPr>
-          <p:cNvPr id="43" name="Sottotitolo diapositiva"/>
-          <p:cNvSpPr txBox="1">
-            <a:spLocks noGrp="1"/>
-          </p:cNvSpPr>
-          <p:nvPr>
-            <p:ph type="body" sz="quarter" idx="21" hasCustomPrompt="1"/>
+          </a:p>
+        </p:txBody>
+      </p:sp>
+      <p:sp>
+        <p:nvSpPr>
+          <p:cNvPr id="43" name="Corpo livello uno…"/>
+          <p:cNvSpPr txBox="1"/>
+          <p:nvPr>
+            <p:ph type="body" sz="quarter" idx="1" hasCustomPrompt="1"/>
           </p:nvPr>
         </p:nvSpPr>
         <p:spPr>
           <a:xfrm>
             <a:off x="2057400" y="3232086"/>
-            <a:ext cx="20269200" cy="845948"/>
+            <a:ext cx="20269200" cy="845949"/>
           </a:xfrm>
           <a:prstGeom prst="rect">
             <a:avLst/>
@@ -1984,18 +1988,41 @@
           <a:bodyPr/>
           <a:lstStyle/>
           <a:p>
+            <a:pPr/>
             <a:r>
               <a:t>Sottotitolo diapositiva</a:t>
             </a:r>
           </a:p>
+          <a:p>
+            <a:pPr lvl="1"/>
+            <a:r>
+              <a:t/>
+            </a:r>
+          </a:p>
+          <a:p>
+            <a:pPr lvl="2"/>
+            <a:r>
+              <a:t/>
+            </a:r>
+          </a:p>
+          <a:p>
+            <a:pPr lvl="3"/>
+            <a:r>
+              <a:t/>
+            </a:r>
+          </a:p>
+          <a:p>
+            <a:pPr lvl="4"/>
+            <a:r>
+              <a:t/>
+            </a:r>
+          </a:p>
         </p:txBody>
       </p:sp>
       <p:sp>
         <p:nvSpPr>
           <p:cNvPr id="44" name="Titolo"/>
-          <p:cNvSpPr txBox="1">
-            <a:spLocks noGrp="1"/>
-          </p:cNvSpPr>
+          <p:cNvSpPr txBox="1"/>
           <p:nvPr>
             <p:ph type="title" hasCustomPrompt="1"/>
           </p:nvPr>
@@ -2020,6 +2047,7 @@
             </a:lvl1pPr>
           </a:lstStyle>
           <a:p>
+            <a:pPr/>
             <a:r>
               <a:t>Titolo</a:t>
             </a:r>
@@ -2029,17 +2057,15 @@
       <p:sp>
         <p:nvSpPr>
           <p:cNvPr id="45" name="Corpo livello uno…"/>
-          <p:cNvSpPr txBox="1">
-            <a:spLocks noGrp="1"/>
-          </p:cNvSpPr>
-          <p:nvPr>
-            <p:ph type="body" idx="1" hasCustomPrompt="1"/>
+          <p:cNvSpPr txBox="1"/>
+          <p:nvPr>
+            <p:ph type="body" idx="21" hasCustomPrompt="1"/>
           </p:nvPr>
         </p:nvSpPr>
         <p:spPr>
           <a:xfrm>
-            <a:off x="2056037" y="4647009"/>
-            <a:ext cx="20271926" cy="6957368"/>
+            <a:off x="2056036" y="4647008"/>
+            <a:ext cx="20271928" cy="6957370"/>
           </a:xfrm>
           <a:prstGeom prst="rect">
             <a:avLst/>
@@ -2048,7 +2074,7 @@
         <p:txBody>
           <a:bodyPr anchor="t"/>
           <a:lstStyle>
-            <a:lvl1pPr marL="444500" indent="-444500" algn="l" defTabSz="2438338">
+            <a:lvl1pPr marL="444500" indent="-444500" algn="l" defTabSz="2438337">
               <a:lnSpc>
                 <a:spcPct val="80000"/>
               </a:lnSpc>
@@ -2057,107 +2083,26 @@
               </a:spcBef>
               <a:buSzPct val="100000"/>
               <a:buChar char="•"/>
-              <a:defRPr sz="4000" b="0">
+              <a:defRPr b="0" sz="4000">
                 <a:latin typeface="Proxima Nova Medium"/>
                 <a:ea typeface="Proxima Nova Medium"/>
                 <a:cs typeface="Proxima Nova Medium"/>
                 <a:sym typeface="Proxima Nova Medium"/>
               </a:defRPr>
             </a:lvl1pPr>
-            <a:lvl2pPr marL="889000" indent="-444500" algn="l" defTabSz="2438338">
-              <a:lnSpc>
-                <a:spcPct val="80000"/>
-              </a:lnSpc>
-              <a:spcBef>
-                <a:spcPts val="4200"/>
-              </a:spcBef>
-              <a:buSzPct val="100000"/>
-              <a:buChar char="•"/>
-              <a:defRPr sz="4000" b="0">
-                <a:latin typeface="Proxima Nova Medium"/>
-                <a:ea typeface="Proxima Nova Medium"/>
-                <a:cs typeface="Proxima Nova Medium"/>
-                <a:sym typeface="Proxima Nova Medium"/>
-              </a:defRPr>
-            </a:lvl2pPr>
-            <a:lvl3pPr marL="1333500" indent="-444500" algn="l" defTabSz="2438338">
-              <a:lnSpc>
-                <a:spcPct val="80000"/>
-              </a:lnSpc>
-              <a:spcBef>
-                <a:spcPts val="4200"/>
-              </a:spcBef>
-              <a:buSzPct val="100000"/>
-              <a:buChar char="•"/>
-              <a:defRPr sz="4000" b="0">
-                <a:latin typeface="Proxima Nova Medium"/>
-                <a:ea typeface="Proxima Nova Medium"/>
-                <a:cs typeface="Proxima Nova Medium"/>
-                <a:sym typeface="Proxima Nova Medium"/>
-              </a:defRPr>
-            </a:lvl3pPr>
-            <a:lvl4pPr marL="1778000" indent="-444500" algn="l" defTabSz="2438338">
-              <a:lnSpc>
-                <a:spcPct val="80000"/>
-              </a:lnSpc>
-              <a:spcBef>
-                <a:spcPts val="4200"/>
-              </a:spcBef>
-              <a:buSzPct val="100000"/>
-              <a:buChar char="•"/>
-              <a:defRPr sz="4000" b="0">
-                <a:latin typeface="Proxima Nova Medium"/>
-                <a:ea typeface="Proxima Nova Medium"/>
-                <a:cs typeface="Proxima Nova Medium"/>
-                <a:sym typeface="Proxima Nova Medium"/>
-              </a:defRPr>
-            </a:lvl4pPr>
-            <a:lvl5pPr marL="2222500" indent="-444500" algn="l" defTabSz="2438338">
-              <a:lnSpc>
-                <a:spcPct val="80000"/>
-              </a:lnSpc>
-              <a:spcBef>
-                <a:spcPts val="4200"/>
-              </a:spcBef>
-              <a:buSzPct val="100000"/>
-              <a:buChar char="•"/>
-              <a:defRPr sz="4000" b="0">
-                <a:latin typeface="Proxima Nova Medium"/>
-                <a:ea typeface="Proxima Nova Medium"/>
-                <a:cs typeface="Proxima Nova Medium"/>
-                <a:sym typeface="Proxima Nova Medium"/>
-              </a:defRPr>
-            </a:lvl5pPr>
           </a:lstStyle>
           <a:p>
+            <a:pPr/>
             <a:r>
               <a:t>Testo elenco puntato diapositiva</a:t>
             </a:r>
           </a:p>
-          <a:p>
-            <a:pPr lvl="1"/>
-            <a:endParaRPr/>
-          </a:p>
-          <a:p>
-            <a:pPr lvl="2"/>
-            <a:endParaRPr/>
-          </a:p>
-          <a:p>
-            <a:pPr lvl="3"/>
-            <a:endParaRPr/>
-          </a:p>
-          <a:p>
-            <a:pPr lvl="4"/>
-            <a:endParaRPr/>
-          </a:p>
         </p:txBody>
       </p:sp>
       <p:sp>
         <p:nvSpPr>
           <p:cNvPr id="46" name="Numero diapositiva"/>
-          <p:cNvSpPr txBox="1">
-            <a:spLocks noGrp="1"/>
-          </p:cNvSpPr>
+          <p:cNvSpPr txBox="1"/>
           <p:nvPr>
             <p:ph type="sldNum" sz="quarter" idx="2"/>
           </p:nvPr>
@@ -2171,10 +2116,8 @@
           <a:bodyPr/>
           <a:lstStyle/>
           <a:p>
-            <a:fld id="{86CB4B4D-7CA3-9044-876B-883B54F8677D}" type="slidenum">
-              <a:t>‹N›</a:t>
-            </a:fld>
-            <a:endParaRPr/>
+            <a:pPr/>
+            <a:fld id="{86CB4B4D-7CA3-9044-876B-883B54F8677D}" type="slidenum"/>
           </a:p>
         </p:txBody>
       </p:sp>
@@ -2183,12 +2126,12 @@
   <p:clrMapOvr>
     <a:masterClrMapping/>
   </p:clrMapOvr>
-  <p:transition spd="med"/>
+  <p:transition xmlns:p14="http://schemas.microsoft.com/office/powerpoint/2010/main" spd="med" advClick="1"/>
 </p:sldLayout>
 </file>
 
 <file path=ppt/slideLayouts/slideLayout5.xml><?xml version="1.0" encoding="utf-8"?>
-<p:sldLayout xmlns:a="http://schemas.openxmlformats.org/drawingml/2006/main" xmlns:r="http://schemas.openxmlformats.org/officeDocument/2006/relationships" xmlns:p="http://schemas.openxmlformats.org/presentationml/2006/main" showMasterSp="0" type="tx">
+<p:sldLayout xmlns:a="http://schemas.openxmlformats.org/drawingml/2006/main" xmlns:r="http://schemas.openxmlformats.org/officeDocument/2006/relationships" xmlns:p="http://schemas.openxmlformats.org/presentationml/2006/main" xmlns:m="http://schemas.openxmlformats.org/officeDocument/2006/math" xmlns:a14="http://schemas.microsoft.com/office/drawing/2010/main" type="tx" showMasterSp="0" showMasterPhAnim="1">
   <p:cSld name="Punti elenco">
     <p:spTree>
       <p:nvGrpSpPr>
@@ -2226,17 +2169,17 @@
           </a:ln>
         </p:spPr>
         <p:txBody>
-          <a:bodyPr lIns="0" tIns="0" rIns="0" bIns="0" anchor="ctr"/>
-          <a:lstStyle/>
-          <a:p>
-            <a:pPr defTabSz="415431">
+          <a:bodyPr lIns="50800" tIns="50800" rIns="50800" bIns="50800" anchor="ctr"/>
+          <a:lstStyle/>
+          <a:p>
+            <a:pPr defTabSz="415430">
               <a:lnSpc>
                 <a:spcPct val="120000"/>
               </a:lnSpc>
               <a:spcBef>
                 <a:spcPts val="0"/>
               </a:spcBef>
-              <a:defRPr sz="3000" spc="-59">
+              <a:defRPr spc="-58" sz="3000">
                 <a:solidFill>
                   <a:srgbClr val="FFFFFF"/>
                 </a:solidFill>
@@ -2246,7 +2189,6 @@
                 <a:sym typeface="Canela Deck Bold"/>
               </a:defRPr>
             </a:pPr>
-            <a:endParaRPr/>
           </a:p>
         </p:txBody>
       </p:sp>
@@ -2258,35 +2200,31 @@
         </p:nvSpPr>
         <p:spPr>
           <a:xfrm>
-            <a:off x="1008906" y="1067048"/>
-            <a:ext cx="11190188" cy="11581904"/>
+            <a:off x="1008905" y="1067048"/>
+            <a:ext cx="11190190" cy="11581904"/>
           </a:xfrm>
           <a:prstGeom prst="rect">
             <a:avLst/>
           </a:prstGeom>
           <a:solidFill>
-            <a:schemeClr val="accent5">
-              <a:hueOff val="-246905"/>
-              <a:satOff val="-77181"/>
-              <a:lumOff val="20457"/>
-            </a:schemeClr>
+            <a:srgbClr val="EFE7E6"/>
           </a:solidFill>
           <a:ln w="12700">
             <a:miter lim="400000"/>
           </a:ln>
         </p:spPr>
         <p:txBody>
-          <a:bodyPr lIns="0" tIns="0" rIns="0" bIns="0" anchor="ctr"/>
-          <a:lstStyle/>
-          <a:p>
-            <a:pPr defTabSz="415431">
+          <a:bodyPr lIns="50800" tIns="50800" rIns="50800" bIns="50800" anchor="ctr"/>
+          <a:lstStyle/>
+          <a:p>
+            <a:pPr defTabSz="415430">
               <a:lnSpc>
                 <a:spcPct val="120000"/>
               </a:lnSpc>
               <a:spcBef>
                 <a:spcPts val="0"/>
               </a:spcBef>
-              <a:defRPr sz="3000" spc="-59">
+              <a:defRPr spc="-58" sz="3000">
                 <a:solidFill>
                   <a:srgbClr val="FFFFFF"/>
                 </a:solidFill>
@@ -2296,16 +2234,13 @@
                 <a:sym typeface="Canela Deck Bold"/>
               </a:defRPr>
             </a:pPr>
-            <a:endParaRPr/>
           </a:p>
         </p:txBody>
       </p:sp>
       <p:sp>
         <p:nvSpPr>
           <p:cNvPr id="55" name="Corpo livello uno…"/>
-          <p:cNvSpPr txBox="1">
-            <a:spLocks noGrp="1"/>
-          </p:cNvSpPr>
+          <p:cNvSpPr txBox="1"/>
           <p:nvPr>
             <p:ph type="body" idx="1" hasCustomPrompt="1"/>
           </p:nvPr>
@@ -2320,9 +2255,9 @@
           </a:prstGeom>
         </p:spPr>
         <p:txBody>
-          <a:bodyPr numCol="2" spcCol="2314058" anchor="t"/>
+          <a:bodyPr numCol="2" spcCol="2314057" anchor="t"/>
           <a:lstStyle>
-            <a:lvl1pPr marL="444500" indent="-444500" algn="l" defTabSz="2438338">
+            <a:lvl1pPr marL="444500" indent="-444500" algn="l" defTabSz="2438337">
               <a:lnSpc>
                 <a:spcPct val="80000"/>
               </a:lnSpc>
@@ -2331,14 +2266,14 @@
               </a:spcBef>
               <a:buSzPct val="100000"/>
               <a:buChar char="•"/>
-              <a:defRPr sz="4000" b="0">
+              <a:defRPr b="0" sz="4000">
                 <a:latin typeface="Proxima Nova Medium"/>
                 <a:ea typeface="Proxima Nova Medium"/>
                 <a:cs typeface="Proxima Nova Medium"/>
                 <a:sym typeface="Proxima Nova Medium"/>
               </a:defRPr>
             </a:lvl1pPr>
-            <a:lvl2pPr marL="889000" indent="-444500" algn="l" defTabSz="2438338">
+            <a:lvl2pPr marL="889000" indent="-444500" algn="l" defTabSz="2438337">
               <a:lnSpc>
                 <a:spcPct val="80000"/>
               </a:lnSpc>
@@ -2347,14 +2282,14 @@
               </a:spcBef>
               <a:buSzPct val="100000"/>
               <a:buChar char="•"/>
-              <a:defRPr sz="4000" b="0">
+              <a:defRPr b="0" sz="4000">
                 <a:latin typeface="Proxima Nova Medium"/>
                 <a:ea typeface="Proxima Nova Medium"/>
                 <a:cs typeface="Proxima Nova Medium"/>
                 <a:sym typeface="Proxima Nova Medium"/>
               </a:defRPr>
             </a:lvl2pPr>
-            <a:lvl3pPr marL="1333500" indent="-444500" algn="l" defTabSz="2438338">
+            <a:lvl3pPr marL="1333500" indent="-444500" algn="l" defTabSz="2438337">
               <a:lnSpc>
                 <a:spcPct val="80000"/>
               </a:lnSpc>
@@ -2363,14 +2298,14 @@
               </a:spcBef>
               <a:buSzPct val="100000"/>
               <a:buChar char="•"/>
-              <a:defRPr sz="4000" b="0">
+              <a:defRPr b="0" sz="4000">
                 <a:latin typeface="Proxima Nova Medium"/>
                 <a:ea typeface="Proxima Nova Medium"/>
                 <a:cs typeface="Proxima Nova Medium"/>
                 <a:sym typeface="Proxima Nova Medium"/>
               </a:defRPr>
             </a:lvl3pPr>
-            <a:lvl4pPr marL="1778000" indent="-444500" algn="l" defTabSz="2438338">
+            <a:lvl4pPr marL="1778000" indent="-444500" algn="l" defTabSz="2438337">
               <a:lnSpc>
                 <a:spcPct val="80000"/>
               </a:lnSpc>
@@ -2379,14 +2314,14 @@
               </a:spcBef>
               <a:buSzPct val="100000"/>
               <a:buChar char="•"/>
-              <a:defRPr sz="4000" b="0">
+              <a:defRPr b="0" sz="4000">
                 <a:latin typeface="Proxima Nova Medium"/>
                 <a:ea typeface="Proxima Nova Medium"/>
                 <a:cs typeface="Proxima Nova Medium"/>
                 <a:sym typeface="Proxima Nova Medium"/>
               </a:defRPr>
             </a:lvl4pPr>
-            <a:lvl5pPr marL="2222500" indent="-444500" algn="l" defTabSz="2438338">
+            <a:lvl5pPr marL="2222500" indent="-444500" algn="l" defTabSz="2438337">
               <a:lnSpc>
                 <a:spcPct val="80000"/>
               </a:lnSpc>
@@ -2395,7 +2330,7 @@
               </a:spcBef>
               <a:buSzPct val="100000"/>
               <a:buChar char="•"/>
-              <a:defRPr sz="4000" b="0">
+              <a:defRPr b="0" sz="4000">
                 <a:latin typeface="Proxima Nova Medium"/>
                 <a:ea typeface="Proxima Nova Medium"/>
                 <a:cs typeface="Proxima Nova Medium"/>
@@ -2404,42 +2339,49 @@
             </a:lvl5pPr>
           </a:lstStyle>
           <a:p>
+            <a:pPr/>
             <a:r>
               <a:t>Testo elenco puntato diapositiva</a:t>
             </a:r>
           </a:p>
           <a:p>
             <a:pPr lvl="1"/>
-            <a:endParaRPr/>
+            <a:r>
+              <a:t/>
+            </a:r>
           </a:p>
           <a:p>
             <a:pPr lvl="2"/>
-            <a:endParaRPr/>
+            <a:r>
+              <a:t/>
+            </a:r>
           </a:p>
           <a:p>
             <a:pPr lvl="3"/>
-            <a:endParaRPr/>
+            <a:r>
+              <a:t/>
+            </a:r>
           </a:p>
           <a:p>
             <a:pPr lvl="4"/>
-            <a:endParaRPr/>
+            <a:r>
+              <a:t/>
+            </a:r>
           </a:p>
         </p:txBody>
       </p:sp>
       <p:sp>
         <p:nvSpPr>
           <p:cNvPr id="56" name="Numero diapositiva"/>
-          <p:cNvSpPr txBox="1">
-            <a:spLocks noGrp="1"/>
-          </p:cNvSpPr>
+          <p:cNvSpPr txBox="1"/>
           <p:nvPr>
             <p:ph type="sldNum" sz="quarter" idx="2"/>
           </p:nvPr>
         </p:nvSpPr>
         <p:spPr>
           <a:xfrm>
-            <a:off x="12044578" y="13131800"/>
-            <a:ext cx="307544" cy="342900"/>
+            <a:off x="12044578" y="13131799"/>
+            <a:ext cx="307544" cy="342901"/>
           </a:xfrm>
           <a:prstGeom prst="rect">
             <a:avLst/>
@@ -2449,10 +2391,8 @@
           <a:bodyPr/>
           <a:lstStyle/>
           <a:p>
-            <a:fld id="{86CB4B4D-7CA3-9044-876B-883B54F8677D}" type="slidenum">
-              <a:t>‹N›</a:t>
-            </a:fld>
-            <a:endParaRPr/>
+            <a:pPr/>
+            <a:fld id="{86CB4B4D-7CA3-9044-876B-883B54F8677D}" type="slidenum"/>
           </a:p>
         </p:txBody>
       </p:sp>
@@ -2461,12 +2401,12 @@
   <p:clrMapOvr>
     <a:masterClrMapping/>
   </p:clrMapOvr>
-  <p:transition spd="med"/>
+  <p:transition xmlns:p14="http://schemas.microsoft.com/office/powerpoint/2010/main" spd="med" advClick="1"/>
 </p:sldLayout>
 </file>
 
 <file path=ppt/slideLayouts/slideLayout6.xml><?xml version="1.0" encoding="utf-8"?>
-<p:sldLayout xmlns:a="http://schemas.openxmlformats.org/drawingml/2006/main" xmlns:r="http://schemas.openxmlformats.org/officeDocument/2006/relationships" xmlns:p="http://schemas.openxmlformats.org/presentationml/2006/main" showMasterSp="0" type="tx">
+<p:sldLayout xmlns:a="http://schemas.openxmlformats.org/drawingml/2006/main" xmlns:r="http://schemas.openxmlformats.org/officeDocument/2006/relationships" xmlns:p="http://schemas.openxmlformats.org/presentationml/2006/main" xmlns:m="http://schemas.openxmlformats.org/officeDocument/2006/math" xmlns:a14="http://schemas.microsoft.com/office/drawing/2010/main" type="tx" showMasterSp="0" showMasterPhAnim="1">
   <p:cSld name="Titolo, punti elenco e foto">
     <p:spTree>
       <p:nvGrpSpPr>
@@ -2485,17 +2425,15 @@
       <p:sp>
         <p:nvSpPr>
           <p:cNvPr id="63" name="Diversi prodotto per il trucco su uno sfondo rosa"/>
-          <p:cNvSpPr>
-            <a:spLocks noGrp="1"/>
-          </p:cNvSpPr>
+          <p:cNvSpPr/>
           <p:nvPr>
             <p:ph type="pic" idx="21"/>
           </p:nvPr>
         </p:nvSpPr>
         <p:spPr>
           <a:xfrm>
-            <a:off x="11700889" y="-1027620"/>
-            <a:ext cx="12288856" cy="15023089"/>
+            <a:off x="11700888" y="-1027621"/>
+            <a:ext cx="12288857" cy="15023091"/>
           </a:xfrm>
           <a:prstGeom prst="rect">
             <a:avLst/>
@@ -2507,7 +2445,7 @@
           </a:bodyPr>
           <a:lstStyle/>
           <a:p>
-            <a:endParaRPr/>
+            <a:pPr/>
           </a:p>
         </p:txBody>
       </p:sp>
@@ -2519,35 +2457,31 @@
         </p:nvSpPr>
         <p:spPr>
           <a:xfrm>
-            <a:off x="1008906" y="1067048"/>
-            <a:ext cx="11190188" cy="11581904"/>
+            <a:off x="1008905" y="1067048"/>
+            <a:ext cx="11190190" cy="11581904"/>
           </a:xfrm>
           <a:prstGeom prst="rect">
             <a:avLst/>
           </a:prstGeom>
           <a:solidFill>
-            <a:schemeClr val="accent5">
-              <a:hueOff val="-246905"/>
-              <a:satOff val="-77181"/>
-              <a:lumOff val="20457"/>
-            </a:schemeClr>
+            <a:srgbClr val="EFE7E6"/>
           </a:solidFill>
           <a:ln w="12700">
             <a:miter lim="400000"/>
           </a:ln>
         </p:spPr>
         <p:txBody>
-          <a:bodyPr lIns="0" tIns="0" rIns="0" bIns="0" anchor="ctr"/>
-          <a:lstStyle/>
-          <a:p>
-            <a:pPr defTabSz="415431">
+          <a:bodyPr lIns="50800" tIns="50800" rIns="50800" bIns="50800" anchor="ctr"/>
+          <a:lstStyle/>
+          <a:p>
+            <a:pPr defTabSz="415430">
               <a:lnSpc>
                 <a:spcPct val="120000"/>
               </a:lnSpc>
               <a:spcBef>
                 <a:spcPts val="0"/>
               </a:spcBef>
-              <a:defRPr sz="3000" spc="-59">
+              <a:defRPr spc="-58" sz="3000">
                 <a:solidFill>
                   <a:srgbClr val="FFFFFF"/>
                 </a:solidFill>
@@ -2557,24 +2491,21 @@
                 <a:sym typeface="Canela Deck Bold"/>
               </a:defRPr>
             </a:pPr>
-            <a:endParaRPr/>
-          </a:p>
-        </p:txBody>
-      </p:sp>
-      <p:sp>
-        <p:nvSpPr>
-          <p:cNvPr id="65" name="Sottotitolo diapositiva"/>
-          <p:cNvSpPr txBox="1">
-            <a:spLocks noGrp="1"/>
-          </p:cNvSpPr>
-          <p:nvPr>
-            <p:ph type="body" sz="quarter" idx="22" hasCustomPrompt="1"/>
+          </a:p>
+        </p:txBody>
+      </p:sp>
+      <p:sp>
+        <p:nvSpPr>
+          <p:cNvPr id="65" name="Corpo livello uno…"/>
+          <p:cNvSpPr txBox="1"/>
+          <p:nvPr>
+            <p:ph type="body" sz="quarter" idx="1" hasCustomPrompt="1"/>
           </p:nvPr>
         </p:nvSpPr>
         <p:spPr>
           <a:xfrm>
-            <a:off x="1802037" y="4375086"/>
-            <a:ext cx="9603926" cy="845948"/>
+            <a:off x="1802036" y="4375086"/>
+            <a:ext cx="9603928" cy="845949"/>
           </a:xfrm>
           <a:prstGeom prst="rect">
             <a:avLst/>
@@ -2584,26 +2515,49 @@
           <a:bodyPr/>
           <a:lstStyle/>
           <a:p>
+            <a:pPr/>
             <a:r>
               <a:t>Sottotitolo diapositiva</a:t>
             </a:r>
           </a:p>
+          <a:p>
+            <a:pPr lvl="1"/>
+            <a:r>
+              <a:t/>
+            </a:r>
+          </a:p>
+          <a:p>
+            <a:pPr lvl="2"/>
+            <a:r>
+              <a:t/>
+            </a:r>
+          </a:p>
+          <a:p>
+            <a:pPr lvl="3"/>
+            <a:r>
+              <a:t/>
+            </a:r>
+          </a:p>
+          <a:p>
+            <a:pPr lvl="4"/>
+            <a:r>
+              <a:t/>
+            </a:r>
+          </a:p>
         </p:txBody>
       </p:sp>
       <p:sp>
         <p:nvSpPr>
           <p:cNvPr id="66" name="Titolo"/>
-          <p:cNvSpPr txBox="1">
-            <a:spLocks noGrp="1"/>
-          </p:cNvSpPr>
+          <p:cNvSpPr txBox="1"/>
           <p:nvPr>
             <p:ph type="title" hasCustomPrompt="1"/>
           </p:nvPr>
         </p:nvSpPr>
         <p:spPr>
           <a:xfrm>
-            <a:off x="1802060" y="1640061"/>
-            <a:ext cx="9601348" cy="2798379"/>
+            <a:off x="1802059" y="1640060"/>
+            <a:ext cx="9601350" cy="2798380"/>
           </a:xfrm>
           <a:prstGeom prst="rect">
             <a:avLst/>
@@ -2620,6 +2574,7 @@
             </a:lvl1pPr>
           </a:lstStyle>
           <a:p>
+            <a:pPr/>
             <a:r>
               <a:t>Titolo</a:t>
             </a:r>
@@ -2629,17 +2584,15 @@
       <p:sp>
         <p:nvSpPr>
           <p:cNvPr id="67" name="Corpo livello uno…"/>
-          <p:cNvSpPr txBox="1">
-            <a:spLocks noGrp="1"/>
-          </p:cNvSpPr>
-          <p:nvPr>
-            <p:ph type="body" sz="quarter" idx="1" hasCustomPrompt="1"/>
+          <p:cNvSpPr txBox="1"/>
+          <p:nvPr>
+            <p:ph type="body" sz="quarter" idx="22" hasCustomPrompt="1"/>
           </p:nvPr>
         </p:nvSpPr>
         <p:spPr>
           <a:xfrm>
-            <a:off x="1802037" y="5778500"/>
-            <a:ext cx="9596832" cy="6110784"/>
+            <a:off x="1802036" y="5778500"/>
+            <a:ext cx="9596833" cy="6110784"/>
           </a:xfrm>
           <a:prstGeom prst="rect">
             <a:avLst/>
@@ -2648,7 +2601,7 @@
         <p:txBody>
           <a:bodyPr anchor="t"/>
           <a:lstStyle>
-            <a:lvl1pPr marL="444500" indent="-444500" algn="l" defTabSz="2438338">
+            <a:lvl1pPr marL="444500" indent="-444500" algn="l" defTabSz="2438337">
               <a:lnSpc>
                 <a:spcPct val="80000"/>
               </a:lnSpc>
@@ -2657,115 +2610,34 @@
               </a:spcBef>
               <a:buSzPct val="100000"/>
               <a:buChar char="•"/>
-              <a:defRPr sz="4000" b="0">
+              <a:defRPr b="0" sz="4000">
                 <a:latin typeface="Proxima Nova Medium"/>
                 <a:ea typeface="Proxima Nova Medium"/>
                 <a:cs typeface="Proxima Nova Medium"/>
                 <a:sym typeface="Proxima Nova Medium"/>
               </a:defRPr>
             </a:lvl1pPr>
-            <a:lvl2pPr marL="889000" indent="-444500" algn="l" defTabSz="2438338">
-              <a:lnSpc>
-                <a:spcPct val="80000"/>
-              </a:lnSpc>
-              <a:spcBef>
-                <a:spcPts val="4200"/>
-              </a:spcBef>
-              <a:buSzPct val="100000"/>
-              <a:buChar char="•"/>
-              <a:defRPr sz="4000" b="0">
-                <a:latin typeface="Proxima Nova Medium"/>
-                <a:ea typeface="Proxima Nova Medium"/>
-                <a:cs typeface="Proxima Nova Medium"/>
-                <a:sym typeface="Proxima Nova Medium"/>
-              </a:defRPr>
-            </a:lvl2pPr>
-            <a:lvl3pPr marL="1333500" indent="-444500" algn="l" defTabSz="2438338">
-              <a:lnSpc>
-                <a:spcPct val="80000"/>
-              </a:lnSpc>
-              <a:spcBef>
-                <a:spcPts val="4200"/>
-              </a:spcBef>
-              <a:buSzPct val="100000"/>
-              <a:buChar char="•"/>
-              <a:defRPr sz="4000" b="0">
-                <a:latin typeface="Proxima Nova Medium"/>
-                <a:ea typeface="Proxima Nova Medium"/>
-                <a:cs typeface="Proxima Nova Medium"/>
-                <a:sym typeface="Proxima Nova Medium"/>
-              </a:defRPr>
-            </a:lvl3pPr>
-            <a:lvl4pPr marL="1778000" indent="-444500" algn="l" defTabSz="2438338">
-              <a:lnSpc>
-                <a:spcPct val="80000"/>
-              </a:lnSpc>
-              <a:spcBef>
-                <a:spcPts val="4200"/>
-              </a:spcBef>
-              <a:buSzPct val="100000"/>
-              <a:buChar char="•"/>
-              <a:defRPr sz="4000" b="0">
-                <a:latin typeface="Proxima Nova Medium"/>
-                <a:ea typeface="Proxima Nova Medium"/>
-                <a:cs typeface="Proxima Nova Medium"/>
-                <a:sym typeface="Proxima Nova Medium"/>
-              </a:defRPr>
-            </a:lvl4pPr>
-            <a:lvl5pPr marL="2222500" indent="-444500" algn="l" defTabSz="2438338">
-              <a:lnSpc>
-                <a:spcPct val="80000"/>
-              </a:lnSpc>
-              <a:spcBef>
-                <a:spcPts val="4200"/>
-              </a:spcBef>
-              <a:buSzPct val="100000"/>
-              <a:buChar char="•"/>
-              <a:defRPr sz="4000" b="0">
-                <a:latin typeface="Proxima Nova Medium"/>
-                <a:ea typeface="Proxima Nova Medium"/>
-                <a:cs typeface="Proxima Nova Medium"/>
-                <a:sym typeface="Proxima Nova Medium"/>
-              </a:defRPr>
-            </a:lvl5pPr>
           </a:lstStyle>
           <a:p>
+            <a:pPr/>
             <a:r>
               <a:t>Testo elenco puntato diapositiva</a:t>
             </a:r>
           </a:p>
-          <a:p>
-            <a:pPr lvl="1"/>
-            <a:endParaRPr/>
-          </a:p>
-          <a:p>
-            <a:pPr lvl="2"/>
-            <a:endParaRPr/>
-          </a:p>
-          <a:p>
-            <a:pPr lvl="3"/>
-            <a:endParaRPr/>
-          </a:p>
-          <a:p>
-            <a:pPr lvl="4"/>
-            <a:endParaRPr/>
-          </a:p>
         </p:txBody>
       </p:sp>
       <p:sp>
         <p:nvSpPr>
           <p:cNvPr id="68" name="Numero diapositiva"/>
-          <p:cNvSpPr txBox="1">
-            <a:spLocks noGrp="1"/>
-          </p:cNvSpPr>
+          <p:cNvSpPr txBox="1"/>
           <p:nvPr>
             <p:ph type="sldNum" sz="quarter" idx="2"/>
           </p:nvPr>
         </p:nvSpPr>
         <p:spPr>
           <a:xfrm>
-            <a:off x="12044578" y="13131800"/>
-            <a:ext cx="307544" cy="342900"/>
+            <a:off x="12044578" y="13131799"/>
+            <a:ext cx="307544" cy="342901"/>
           </a:xfrm>
           <a:prstGeom prst="rect">
             <a:avLst/>
@@ -2775,10 +2647,8 @@
           <a:bodyPr/>
           <a:lstStyle/>
           <a:p>
-            <a:fld id="{86CB4B4D-7CA3-9044-876B-883B54F8677D}" type="slidenum">
-              <a:t>‹N›</a:t>
-            </a:fld>
-            <a:endParaRPr/>
+            <a:pPr/>
+            <a:fld id="{86CB4B4D-7CA3-9044-876B-883B54F8677D}" type="slidenum"/>
           </a:p>
         </p:txBody>
       </p:sp>
@@ -2787,12 +2657,12 @@
   <p:clrMapOvr>
     <a:masterClrMapping/>
   </p:clrMapOvr>
-  <p:transition spd="med"/>
+  <p:transition xmlns:p14="http://schemas.microsoft.com/office/powerpoint/2010/main" spd="med" advClick="1"/>
 </p:sldLayout>
 </file>
 
 <file path=ppt/slideLayouts/slideLayout7.xml><?xml version="1.0" encoding="utf-8"?>
-<p:sldLayout xmlns:a="http://schemas.openxmlformats.org/drawingml/2006/main" xmlns:r="http://schemas.openxmlformats.org/officeDocument/2006/relationships" xmlns:p="http://schemas.openxmlformats.org/presentationml/2006/main" showMasterSp="0" type="tx">
+<p:sldLayout xmlns:a="http://schemas.openxmlformats.org/drawingml/2006/main" xmlns:r="http://schemas.openxmlformats.org/officeDocument/2006/relationships" xmlns:p="http://schemas.openxmlformats.org/presentationml/2006/main" xmlns:m="http://schemas.openxmlformats.org/officeDocument/2006/math" xmlns:a14="http://schemas.microsoft.com/office/drawing/2010/main" type="tx" showMasterSp="0" showMasterPhAnim="1">
   <p:cSld name="Sezione">
     <p:spTree>
       <p:nvGrpSpPr>
@@ -2816,8 +2686,8 @@
         </p:nvSpPr>
         <p:spPr>
           <a:xfrm>
-            <a:off x="1002557" y="1068834"/>
-            <a:ext cx="22378886" cy="11578332"/>
+            <a:off x="1002556" y="1068833"/>
+            <a:ext cx="22378888" cy="11578333"/>
           </a:xfrm>
           <a:prstGeom prst="rect">
             <a:avLst/>
@@ -2830,17 +2700,17 @@
           </a:ln>
         </p:spPr>
         <p:txBody>
-          <a:bodyPr lIns="0" tIns="0" rIns="0" bIns="0" anchor="ctr"/>
-          <a:lstStyle/>
-          <a:p>
-            <a:pPr defTabSz="415431">
+          <a:bodyPr lIns="50800" tIns="50800" rIns="50800" bIns="50800" anchor="ctr"/>
+          <a:lstStyle/>
+          <a:p>
+            <a:pPr defTabSz="415430">
               <a:lnSpc>
                 <a:spcPct val="120000"/>
               </a:lnSpc>
               <a:spcBef>
                 <a:spcPts val="0"/>
               </a:spcBef>
-              <a:defRPr sz="3000" spc="-59">
+              <a:defRPr spc="-58" sz="3000">
                 <a:solidFill>
                   <a:srgbClr val="FFFFFF"/>
                 </a:solidFill>
@@ -2850,16 +2720,13 @@
                 <a:sym typeface="Canela Deck Bold"/>
               </a:defRPr>
             </a:pPr>
-            <a:endParaRPr/>
           </a:p>
         </p:txBody>
       </p:sp>
       <p:sp>
         <p:nvSpPr>
           <p:cNvPr id="76" name="Titolo sezione"/>
-          <p:cNvSpPr txBox="1">
-            <a:spLocks noGrp="1"/>
-          </p:cNvSpPr>
+          <p:cNvSpPr txBox="1"/>
           <p:nvPr>
             <p:ph type="title" hasCustomPrompt="1"/>
           </p:nvPr>
@@ -2867,7 +2734,7 @@
         <p:spPr>
           <a:xfrm>
             <a:off x="2057400" y="4196048"/>
-            <a:ext cx="20269200" cy="5213153"/>
+            <a:ext cx="20269200" cy="5213154"/>
           </a:xfrm>
           <a:prstGeom prst="rect">
             <a:avLst/>
@@ -2892,6 +2759,7 @@
             </a:lvl1pPr>
           </a:lstStyle>
           <a:p>
+            <a:pPr/>
             <a:r>
               <a:t>Titolo sezione</a:t>
             </a:r>
@@ -2901,9 +2769,7 @@
       <p:sp>
         <p:nvSpPr>
           <p:cNvPr id="77" name="Numero diapositiva"/>
-          <p:cNvSpPr txBox="1">
-            <a:spLocks noGrp="1"/>
-          </p:cNvSpPr>
+          <p:cNvSpPr txBox="1"/>
           <p:nvPr>
             <p:ph type="sldNum" sz="quarter" idx="2"/>
           </p:nvPr>
@@ -2917,10 +2783,8 @@
           <a:bodyPr/>
           <a:lstStyle/>
           <a:p>
-            <a:fld id="{86CB4B4D-7CA3-9044-876B-883B54F8677D}" type="slidenum">
-              <a:t>‹N›</a:t>
-            </a:fld>
-            <a:endParaRPr/>
+            <a:pPr/>
+            <a:fld id="{86CB4B4D-7CA3-9044-876B-883B54F8677D}" type="slidenum"/>
           </a:p>
         </p:txBody>
       </p:sp>
@@ -2929,12 +2793,12 @@
   <p:clrMapOvr>
     <a:masterClrMapping/>
   </p:clrMapOvr>
-  <p:transition spd="med"/>
+  <p:transition xmlns:p14="http://schemas.microsoft.com/office/powerpoint/2010/main" spd="med" advClick="1"/>
 </p:sldLayout>
 </file>
 
 <file path=ppt/slideLayouts/slideLayout8.xml><?xml version="1.0" encoding="utf-8"?>
-<p:sldLayout xmlns:a="http://schemas.openxmlformats.org/drawingml/2006/main" xmlns:r="http://schemas.openxmlformats.org/officeDocument/2006/relationships" xmlns:p="http://schemas.openxmlformats.org/presentationml/2006/main" showMasterSp="0" type="tx">
+<p:sldLayout xmlns:a="http://schemas.openxmlformats.org/drawingml/2006/main" xmlns:r="http://schemas.openxmlformats.org/officeDocument/2006/relationships" xmlns:p="http://schemas.openxmlformats.org/presentationml/2006/main" xmlns:m="http://schemas.openxmlformats.org/officeDocument/2006/math" xmlns:a14="http://schemas.microsoft.com/office/drawing/2010/main" type="tx" showMasterSp="0" showMasterPhAnim="1">
   <p:cSld name="Solo titolo">
     <p:spTree>
       <p:nvGrpSpPr>
@@ -2958,35 +2822,31 @@
         </p:nvSpPr>
         <p:spPr>
           <a:xfrm>
-            <a:off x="1008907" y="1067048"/>
-            <a:ext cx="22378886" cy="11581904"/>
+            <a:off x="1008906" y="1067048"/>
+            <a:ext cx="22378888" cy="11581904"/>
           </a:xfrm>
           <a:prstGeom prst="rect">
             <a:avLst/>
           </a:prstGeom>
           <a:solidFill>
-            <a:schemeClr val="accent5">
-              <a:hueOff val="-246905"/>
-              <a:satOff val="-77181"/>
-              <a:lumOff val="20457"/>
-            </a:schemeClr>
+            <a:srgbClr val="EFE7E6"/>
           </a:solidFill>
           <a:ln w="12700">
             <a:miter lim="400000"/>
           </a:ln>
         </p:spPr>
         <p:txBody>
-          <a:bodyPr lIns="0" tIns="0" rIns="0" bIns="0" anchor="ctr"/>
-          <a:lstStyle/>
-          <a:p>
-            <a:pPr defTabSz="415431">
+          <a:bodyPr lIns="50800" tIns="50800" rIns="50800" bIns="50800" anchor="ctr"/>
+          <a:lstStyle/>
+          <a:p>
+            <a:pPr defTabSz="415430">
               <a:lnSpc>
                 <a:spcPct val="120000"/>
               </a:lnSpc>
               <a:spcBef>
                 <a:spcPts val="0"/>
               </a:spcBef>
-              <a:defRPr sz="3000" spc="-59">
+              <a:defRPr spc="-58" sz="3000">
                 <a:solidFill>
                   <a:srgbClr val="FFFFFF"/>
                 </a:solidFill>
@@ -2996,24 +2856,21 @@
                 <a:sym typeface="Canela Deck Bold"/>
               </a:defRPr>
             </a:pPr>
-            <a:endParaRPr/>
-          </a:p>
-        </p:txBody>
-      </p:sp>
-      <p:sp>
-        <p:nvSpPr>
-          <p:cNvPr id="85" name="Sottotitolo diapositiva"/>
-          <p:cNvSpPr txBox="1">
-            <a:spLocks noGrp="1"/>
-          </p:cNvSpPr>
-          <p:nvPr>
-            <p:ph type="body" sz="quarter" idx="21" hasCustomPrompt="1"/>
+          </a:p>
+        </p:txBody>
+      </p:sp>
+      <p:sp>
+        <p:nvSpPr>
+          <p:cNvPr id="85" name="Corpo livello uno…"/>
+          <p:cNvSpPr txBox="1"/>
+          <p:nvPr>
+            <p:ph type="body" sz="quarter" idx="1" hasCustomPrompt="1"/>
           </p:nvPr>
         </p:nvSpPr>
         <p:spPr>
           <a:xfrm>
             <a:off x="2057400" y="3232086"/>
-            <a:ext cx="20269200" cy="845948"/>
+            <a:ext cx="20269200" cy="845949"/>
           </a:xfrm>
           <a:prstGeom prst="rect">
             <a:avLst/>
@@ -3023,18 +2880,41 @@
           <a:bodyPr/>
           <a:lstStyle/>
           <a:p>
+            <a:pPr/>
             <a:r>
               <a:t>Sottotitolo diapositiva</a:t>
             </a:r>
           </a:p>
+          <a:p>
+            <a:pPr lvl="1"/>
+            <a:r>
+              <a:t/>
+            </a:r>
+          </a:p>
+          <a:p>
+            <a:pPr lvl="2"/>
+            <a:r>
+              <a:t/>
+            </a:r>
+          </a:p>
+          <a:p>
+            <a:pPr lvl="3"/>
+            <a:r>
+              <a:t/>
+            </a:r>
+          </a:p>
+          <a:p>
+            <a:pPr lvl="4"/>
+            <a:r>
+              <a:t/>
+            </a:r>
+          </a:p>
         </p:txBody>
       </p:sp>
       <p:sp>
         <p:nvSpPr>
           <p:cNvPr id="86" name="Titolo"/>
-          <p:cNvSpPr txBox="1">
-            <a:spLocks noGrp="1"/>
-          </p:cNvSpPr>
+          <p:cNvSpPr txBox="1"/>
           <p:nvPr>
             <p:ph type="title" hasCustomPrompt="1"/>
           </p:nvPr>
@@ -3042,7 +2922,7 @@
         <p:spPr>
           <a:xfrm>
             <a:off x="2057400" y="1060698"/>
-            <a:ext cx="20269200" cy="2272842"/>
+            <a:ext cx="20269200" cy="2272843"/>
           </a:xfrm>
           <a:prstGeom prst="rect">
             <a:avLst/>
@@ -3059,6 +2939,7 @@
             </a:lvl1pPr>
           </a:lstStyle>
           <a:p>
+            <a:pPr/>
             <a:r>
               <a:t>Titolo</a:t>
             </a:r>
@@ -3068,9 +2949,7 @@
       <p:sp>
         <p:nvSpPr>
           <p:cNvPr id="87" name="Numero diapositiva"/>
-          <p:cNvSpPr txBox="1">
-            <a:spLocks noGrp="1"/>
-          </p:cNvSpPr>
+          <p:cNvSpPr txBox="1"/>
           <p:nvPr>
             <p:ph type="sldNum" sz="quarter" idx="2"/>
           </p:nvPr>
@@ -3084,10 +2963,8 @@
           <a:bodyPr/>
           <a:lstStyle/>
           <a:p>
-            <a:fld id="{86CB4B4D-7CA3-9044-876B-883B54F8677D}" type="slidenum">
-              <a:t>‹N›</a:t>
-            </a:fld>
-            <a:endParaRPr/>
+            <a:pPr/>
+            <a:fld id="{86CB4B4D-7CA3-9044-876B-883B54F8677D}" type="slidenum"/>
           </a:p>
         </p:txBody>
       </p:sp>
@@ -3096,12 +2973,12 @@
   <p:clrMapOvr>
     <a:masterClrMapping/>
   </p:clrMapOvr>
-  <p:transition spd="med"/>
+  <p:transition xmlns:p14="http://schemas.microsoft.com/office/powerpoint/2010/main" spd="med" advClick="1"/>
 </p:sldLayout>
 </file>
 
 <file path=ppt/slideLayouts/slideLayout9.xml><?xml version="1.0" encoding="utf-8"?>
-<p:sldLayout xmlns:a="http://schemas.openxmlformats.org/drawingml/2006/main" xmlns:r="http://schemas.openxmlformats.org/officeDocument/2006/relationships" xmlns:p="http://schemas.openxmlformats.org/presentationml/2006/main" showMasterSp="0" type="tx">
+<p:sldLayout xmlns:a="http://schemas.openxmlformats.org/drawingml/2006/main" xmlns:r="http://schemas.openxmlformats.org/officeDocument/2006/relationships" xmlns:p="http://schemas.openxmlformats.org/presentationml/2006/main" xmlns:m="http://schemas.openxmlformats.org/officeDocument/2006/math" xmlns:a14="http://schemas.microsoft.com/office/drawing/2010/main" type="tx" showMasterSp="0" showMasterPhAnim="1">
   <p:cSld name="Programma">
     <p:spTree>
       <p:nvGrpSpPr>
@@ -3125,8 +3002,8 @@
         </p:nvSpPr>
         <p:spPr>
           <a:xfrm>
-            <a:off x="12197605" y="1065312"/>
-            <a:ext cx="11184585" cy="11585376"/>
+            <a:off x="12197604" y="1065312"/>
+            <a:ext cx="11184587" cy="11585376"/>
           </a:xfrm>
           <a:prstGeom prst="rect">
             <a:avLst/>
@@ -3139,17 +3016,17 @@
           </a:ln>
         </p:spPr>
         <p:txBody>
-          <a:bodyPr lIns="0" tIns="0" rIns="0" bIns="0" anchor="ctr"/>
-          <a:lstStyle/>
-          <a:p>
-            <a:pPr defTabSz="415431">
+          <a:bodyPr lIns="50800" tIns="50800" rIns="50800" bIns="50800" anchor="ctr"/>
+          <a:lstStyle/>
+          <a:p>
+            <a:pPr defTabSz="415430">
               <a:lnSpc>
                 <a:spcPct val="120000"/>
               </a:lnSpc>
               <a:spcBef>
                 <a:spcPts val="0"/>
               </a:spcBef>
-              <a:defRPr sz="3000" spc="-59">
+              <a:defRPr spc="-58" sz="3000">
                 <a:solidFill>
                   <a:srgbClr val="FFFFFF"/>
                 </a:solidFill>
@@ -3159,7 +3036,6 @@
                 <a:sym typeface="Canela Deck Bold"/>
               </a:defRPr>
             </a:pPr>
-            <a:endParaRPr/>
           </a:p>
         </p:txBody>
       </p:sp>
@@ -3171,34 +3047,31 @@
         </p:nvSpPr>
         <p:spPr>
           <a:xfrm>
-            <a:off x="1003299" y="2076549"/>
-            <a:ext cx="11194307" cy="9556552"/>
+            <a:off x="1003299" y="2076548"/>
+            <a:ext cx="11194307" cy="9556554"/>
           </a:xfrm>
           <a:prstGeom prst="rect">
             <a:avLst/>
           </a:prstGeom>
           <a:solidFill>
-            <a:schemeClr val="accent3">
-              <a:satOff val="-3883"/>
-              <a:lumOff val="14670"/>
-            </a:schemeClr>
+            <a:srgbClr val="DDDBE3"/>
           </a:solidFill>
           <a:ln w="12700">
             <a:miter lim="400000"/>
           </a:ln>
         </p:spPr>
         <p:txBody>
-          <a:bodyPr lIns="0" tIns="0" rIns="0" bIns="0" anchor="ctr"/>
-          <a:lstStyle/>
-          <a:p>
-            <a:pPr defTabSz="415431">
+          <a:bodyPr lIns="50800" tIns="50800" rIns="50800" bIns="50800" anchor="ctr"/>
+          <a:lstStyle/>
+          <a:p>
+            <a:pPr defTabSz="415430">
               <a:lnSpc>
                 <a:spcPct val="120000"/>
               </a:lnSpc>
               <a:spcBef>
                 <a:spcPts val="0"/>
               </a:spcBef>
-              <a:defRPr sz="3000" spc="-59">
+              <a:defRPr spc="-58" sz="3000">
                 <a:solidFill>
                   <a:srgbClr val="FFFFFF"/>
                 </a:solidFill>
@@ -3208,24 +3081,21 @@
                 <a:sym typeface="Canela Deck Bold"/>
               </a:defRPr>
             </a:pPr>
-            <a:endParaRPr/>
           </a:p>
         </p:txBody>
       </p:sp>
       <p:sp>
         <p:nvSpPr>
           <p:cNvPr id="96" name="Corpo livello uno…"/>
-          <p:cNvSpPr txBox="1">
-            <a:spLocks noGrp="1"/>
-          </p:cNvSpPr>
+          <p:cNvSpPr txBox="1"/>
           <p:nvPr>
             <p:ph type="body" sz="quarter" idx="1" hasCustomPrompt="1"/>
           </p:nvPr>
         </p:nvSpPr>
         <p:spPr>
           <a:xfrm>
-            <a:off x="13496600" y="4331487"/>
-            <a:ext cx="9049076" cy="5492985"/>
+            <a:off x="13496599" y="4331487"/>
+            <a:ext cx="9049077" cy="5492986"/>
           </a:xfrm>
           <a:prstGeom prst="rect">
             <a:avLst/>
@@ -3241,7 +3111,7 @@
               <a:spcBef>
                 <a:spcPts val="3200"/>
               </a:spcBef>
-              <a:defRPr sz="4000" spc="-39"/>
+              <a:defRPr spc="-39" sz="4000"/>
             </a:lvl1pPr>
             <a:lvl2pPr algn="l">
               <a:lnSpc>
@@ -3250,7 +3120,7 @@
               <a:spcBef>
                 <a:spcPts val="3200"/>
               </a:spcBef>
-              <a:defRPr sz="4000" spc="-39"/>
+              <a:defRPr spc="-39" sz="4000"/>
             </a:lvl2pPr>
             <a:lvl3pPr algn="l">
               <a:lnSpc>
@@ -3259,7 +3129,7 @@
               <a:spcBef>
                 <a:spcPts val="3200"/>
               </a:spcBef>
-              <a:defRPr sz="4000" spc="-39"/>
+              <a:defRPr spc="-39" sz="4000"/>
             </a:lvl3pPr>
             <a:lvl4pPr algn="l">
               <a:lnSpc>
@@ -3268,7 +3138,7 @@
               <a:spcBef>
                 <a:spcPts val="3200"/>
               </a:spcBef>
-              <a:defRPr sz="4000" spc="-39"/>
+              <a:defRPr spc="-39" sz="4000"/>
             </a:lvl4pPr>
             <a:lvl5pPr algn="l">
               <a:lnSpc>
@@ -3277,46 +3147,53 @@
               <a:spcBef>
                 <a:spcPts val="3200"/>
               </a:spcBef>
-              <a:defRPr sz="4000" spc="-39"/>
+              <a:defRPr spc="-39" sz="4000"/>
             </a:lvl5pPr>
           </a:lstStyle>
           <a:p>
+            <a:pPr/>
             <a:r>
               <a:t>Argomenti del programma</a:t>
             </a:r>
           </a:p>
           <a:p>
             <a:pPr lvl="1"/>
-            <a:endParaRPr/>
+            <a:r>
+              <a:t/>
+            </a:r>
           </a:p>
           <a:p>
             <a:pPr lvl="2"/>
-            <a:endParaRPr/>
+            <a:r>
+              <a:t/>
+            </a:r>
           </a:p>
           <a:p>
             <a:pPr lvl="3"/>
-            <a:endParaRPr/>
+            <a:r>
+              <a:t/>
+            </a:r>
           </a:p>
           <a:p>
             <a:pPr lvl="4"/>
-            <a:endParaRPr/>
+            <a:r>
+              <a:t/>
+            </a:r>
           </a:p>
         </p:txBody>
       </p:sp>
       <p:sp>
         <p:nvSpPr>
           <p:cNvPr id="97" name="Titolo programma"/>
-          <p:cNvSpPr txBox="1">
-            <a:spLocks noGrp="1"/>
-          </p:cNvSpPr>
+          <p:cNvSpPr txBox="1"/>
           <p:nvPr>
             <p:ph type="title" hasCustomPrompt="1"/>
           </p:nvPr>
         </p:nvSpPr>
         <p:spPr>
           <a:xfrm>
-            <a:off x="1676400" y="5865318"/>
-            <a:ext cx="9829800" cy="1733018"/>
+            <a:off x="1676400" y="5865317"/>
+            <a:ext cx="9829800" cy="1733020"/>
           </a:xfrm>
           <a:prstGeom prst="rect">
             <a:avLst/>
@@ -3333,6 +3210,7 @@
             </a:lvl1pPr>
           </a:lstStyle>
           <a:p>
+            <a:pPr/>
             <a:r>
               <a:t>Titolo programma</a:t>
             </a:r>
@@ -3342,9 +3220,7 @@
       <p:sp>
         <p:nvSpPr>
           <p:cNvPr id="98" name="Numero diapositiva"/>
-          <p:cNvSpPr txBox="1">
-            <a:spLocks noGrp="1"/>
-          </p:cNvSpPr>
+          <p:cNvSpPr txBox="1"/>
           <p:nvPr>
             <p:ph type="sldNum" sz="quarter" idx="2"/>
           </p:nvPr>
@@ -3358,10 +3234,8 @@
           <a:bodyPr/>
           <a:lstStyle/>
           <a:p>
-            <a:fld id="{86CB4B4D-7CA3-9044-876B-883B54F8677D}" type="slidenum">
-              <a:t>‹N›</a:t>
-            </a:fld>
-            <a:endParaRPr/>
+            <a:pPr/>
+            <a:fld id="{86CB4B4D-7CA3-9044-876B-883B54F8677D}" type="slidenum"/>
           </a:p>
         </p:txBody>
       </p:sp>
@@ -3370,19 +3244,18 @@
   <p:clrMapOvr>
     <a:masterClrMapping/>
   </p:clrMapOvr>
-  <p:transition spd="med"/>
+  <p:transition xmlns:p14="http://schemas.microsoft.com/office/powerpoint/2010/main" spd="med" advClick="1"/>
 </p:sldLayout>
 </file>
 
 <file path=ppt/slideMasters/slideMaster1.xml><?xml version="1.0" encoding="utf-8"?>
-<p:sldMaster xmlns:a="http://schemas.openxmlformats.org/drawingml/2006/main" xmlns:r="http://schemas.openxmlformats.org/officeDocument/2006/relationships" xmlns:p="http://schemas.openxmlformats.org/presentationml/2006/main">
+<p:sldMaster xmlns:a="http://schemas.openxmlformats.org/drawingml/2006/main" xmlns:r="http://schemas.openxmlformats.org/officeDocument/2006/relationships" xmlns:p="http://schemas.openxmlformats.org/presentationml/2006/main" xmlns:m="http://schemas.openxmlformats.org/officeDocument/2006/math" xmlns:a14="http://schemas.microsoft.com/office/drawing/2010/main">
   <p:cSld>
     <p:bg>
       <p:bgPr>
         <a:solidFill>
           <a:srgbClr val="F6F7F2"/>
         </a:solidFill>
-        <a:effectLst/>
       </p:bgPr>
     </p:bg>
     <p:spTree>
@@ -3407,8 +3280,8 @@
         </p:nvSpPr>
         <p:spPr>
           <a:xfrm>
-            <a:off x="1002557" y="1066800"/>
-            <a:ext cx="22378886" cy="11582400"/>
+            <a:off x="1002556" y="1066800"/>
+            <a:ext cx="22378888" cy="11582400"/>
           </a:xfrm>
           <a:prstGeom prst="rect">
             <a:avLst/>
@@ -3421,17 +3294,17 @@
           </a:ln>
         </p:spPr>
         <p:txBody>
-          <a:bodyPr lIns="0" tIns="0" rIns="0" bIns="0" anchor="ctr"/>
-          <a:lstStyle/>
-          <a:p>
-            <a:pPr defTabSz="415431">
+          <a:bodyPr lIns="50800" tIns="50800" rIns="50800" bIns="50800" anchor="ctr"/>
+          <a:lstStyle/>
+          <a:p>
+            <a:pPr defTabSz="415430">
               <a:lnSpc>
                 <a:spcPct val="120000"/>
               </a:lnSpc>
               <a:spcBef>
                 <a:spcPts val="0"/>
               </a:spcBef>
-              <a:defRPr sz="3000" spc="-59">
+              <a:defRPr spc="-58" sz="3000">
                 <a:solidFill>
                   <a:srgbClr val="FFFFFF"/>
                 </a:solidFill>
@@ -3441,24 +3314,21 @@
                 <a:sym typeface="Canela Deck Bold"/>
               </a:defRPr>
             </a:pPr>
-            <a:endParaRPr/>
-          </a:p>
-        </p:txBody>
-      </p:sp>
-      <p:sp>
-        <p:nvSpPr>
-          <p:cNvPr id="3" name="Titolo presentazione"/>
-          <p:cNvSpPr txBox="1">
-            <a:spLocks noGrp="1"/>
-          </p:cNvSpPr>
-          <p:nvPr>
-            <p:ph type="title" hasCustomPrompt="1"/>
+          </a:p>
+        </p:txBody>
+      </p:sp>
+      <p:sp>
+        <p:nvSpPr>
+          <p:cNvPr id="3" name="Corpo livello uno…"/>
+          <p:cNvSpPr txBox="1"/>
+          <p:nvPr>
+            <p:ph type="body" idx="1" hasCustomPrompt="1"/>
           </p:nvPr>
         </p:nvSpPr>
         <p:spPr>
           <a:xfrm>
-            <a:off x="2057400" y="2865877"/>
-            <a:ext cx="20269200" cy="5359732"/>
+            <a:off x="2057400" y="11229761"/>
+            <a:ext cx="20269200" cy="845949"/>
           </a:xfrm>
           <a:prstGeom prst="rect">
             <a:avLst/>
@@ -3468,36 +3338,59 @@
           </a:ln>
           <a:extLst>
             <a:ext uri="{C572A759-6A51-4108-AA02-DFA0A04FC94B}">
-              <ma14:wrappingTextBoxFlag xmlns:ma14="http://schemas.microsoft.com/office/mac/drawingml/2011/main" xmlns:a14="http://schemas.microsoft.com/office/drawing/2010/main" xmlns:m="http://schemas.openxmlformats.org/officeDocument/2006/math" xmlns="" val="1"/>
+              <ma14:wrappingTextBoxFlag xmlns:ma14="http://schemas.microsoft.com/office/mac/drawingml/2011/main" val="1"/>
             </a:ext>
           </a:extLst>
         </p:spPr>
         <p:txBody>
-          <a:bodyPr lIns="50800" tIns="50800" rIns="50800" bIns="50800" anchor="b">
-            <a:normAutofit/>
+          <a:bodyPr lIns="50800" tIns="50800" rIns="50800" bIns="50800" anchor="ctr">
+            <a:normAutofit fontScale="100000" lnSpcReduction="0"/>
           </a:bodyPr>
           <a:lstStyle/>
           <a:p>
-            <a:r>
-              <a:t>Titolo presentazione</a:t>
-            </a:r>
-          </a:p>
-        </p:txBody>
-      </p:sp>
-      <p:sp>
-        <p:nvSpPr>
-          <p:cNvPr id="4" name="Corpo livello uno…"/>
-          <p:cNvSpPr txBox="1">
-            <a:spLocks noGrp="1"/>
-          </p:cNvSpPr>
-          <p:nvPr>
-            <p:ph type="body" idx="1" hasCustomPrompt="1"/>
+            <a:pPr/>
+            <a:r>
+              <a:t>Autore e data</a:t>
+            </a:r>
+          </a:p>
+          <a:p>
+            <a:pPr lvl="1"/>
+            <a:r>
+              <a:t/>
+            </a:r>
+          </a:p>
+          <a:p>
+            <a:pPr lvl="2"/>
+            <a:r>
+              <a:t/>
+            </a:r>
+          </a:p>
+          <a:p>
+            <a:pPr lvl="3"/>
+            <a:r>
+              <a:t/>
+            </a:r>
+          </a:p>
+          <a:p>
+            <a:pPr lvl="4"/>
+            <a:r>
+              <a:t/>
+            </a:r>
+          </a:p>
+        </p:txBody>
+      </p:sp>
+      <p:sp>
+        <p:nvSpPr>
+          <p:cNvPr id="4" name="Titolo presentazione"/>
+          <p:cNvSpPr txBox="1"/>
+          <p:nvPr>
+            <p:ph type="title" hasCustomPrompt="1"/>
           </p:nvPr>
         </p:nvSpPr>
         <p:spPr>
           <a:xfrm>
-            <a:off x="2057400" y="7814975"/>
-            <a:ext cx="20269200" cy="1488018"/>
+            <a:off x="2057400" y="2865877"/>
+            <a:ext cx="20269200" cy="5359733"/>
           </a:xfrm>
           <a:prstGeom prst="rect">
             <a:avLst/>
@@ -3507,52 +3400,35 @@
           </a:ln>
           <a:extLst>
             <a:ext uri="{C572A759-6A51-4108-AA02-DFA0A04FC94B}">
-              <ma14:wrappingTextBoxFlag xmlns:ma14="http://schemas.microsoft.com/office/mac/drawingml/2011/main" xmlns:a14="http://schemas.microsoft.com/office/drawing/2010/main" xmlns:m="http://schemas.openxmlformats.org/officeDocument/2006/math" xmlns="" val="1"/>
+              <ma14:wrappingTextBoxFlag xmlns:ma14="http://schemas.microsoft.com/office/mac/drawingml/2011/main" val="1"/>
             </a:ext>
           </a:extLst>
         </p:spPr>
         <p:txBody>
-          <a:bodyPr lIns="50800" tIns="50800" rIns="50800" bIns="50800" anchor="ctr">
-            <a:normAutofit/>
+          <a:bodyPr lIns="50800" tIns="50800" rIns="50800" bIns="50800" anchor="b">
+            <a:normAutofit fontScale="100000" lnSpcReduction="0"/>
           </a:bodyPr>
           <a:lstStyle/>
           <a:p>
-            <a:r>
-              <a:t>Sottotitolo diapositiva</a:t>
-            </a:r>
-          </a:p>
-          <a:p>
-            <a:pPr lvl="1"/>
-            <a:endParaRPr/>
-          </a:p>
-          <a:p>
-            <a:pPr lvl="2"/>
-            <a:endParaRPr/>
-          </a:p>
-          <a:p>
-            <a:pPr lvl="3"/>
-            <a:endParaRPr/>
-          </a:p>
-          <a:p>
-            <a:pPr lvl="4"/>
-            <a:endParaRPr/>
+            <a:pPr/>
+            <a:r>
+              <a:t>Titolo presentazione</a:t>
+            </a:r>
           </a:p>
         </p:txBody>
       </p:sp>
       <p:sp>
         <p:nvSpPr>
           <p:cNvPr id="5" name="Numero diapositiva"/>
-          <p:cNvSpPr txBox="1">
-            <a:spLocks noGrp="1"/>
-          </p:cNvSpPr>
+          <p:cNvSpPr txBox="1"/>
           <p:nvPr>
             <p:ph type="sldNum" sz="quarter" idx="2"/>
           </p:nvPr>
         </p:nvSpPr>
         <p:spPr>
           <a:xfrm>
-            <a:off x="12038228" y="13131800"/>
-            <a:ext cx="307544" cy="342900"/>
+            <a:off x="12038228" y="13131799"/>
+            <a:ext cx="307544" cy="342901"/>
           </a:xfrm>
           <a:prstGeom prst="rect">
             <a:avLst/>
@@ -3585,10 +3461,8 @@
             </a:lvl1pPr>
           </a:lstStyle>
           <a:p>
-            <a:fld id="{86CB4B4D-7CA3-9044-876B-883B54F8677D}" type="slidenum">
-              <a:t>‹N›</a:t>
-            </a:fld>
-            <a:endParaRPr/>
+            <a:pPr/>
+            <a:fld id="{86CB4B4D-7CA3-9044-876B-883B54F8677D}" type="slidenum"/>
           </a:p>
         </p:txBody>
       </p:sp>
@@ -3596,23 +3470,23 @@
   </p:cSld>
   <p:clrMap bg1="lt1" tx1="dk1" bg2="lt2" tx2="dk2" accent1="accent1" accent2="accent2" accent3="accent3" accent4="accent4" accent5="accent5" accent6="accent6" hlink="hlink" folHlink="folHlink"/>
   <p:sldLayoutIdLst>
-    <p:sldLayoutId id="2147483649" r:id="rId1"/>
-    <p:sldLayoutId id="2147483650" r:id="rId2"/>
-    <p:sldLayoutId id="2147483651" r:id="rId3"/>
-    <p:sldLayoutId id="2147483652" r:id="rId4"/>
-    <p:sldLayoutId id="2147483653" r:id="rId5"/>
-    <p:sldLayoutId id="2147483654" r:id="rId6"/>
-    <p:sldLayoutId id="2147483655" r:id="rId7"/>
-    <p:sldLayoutId id="2147483656" r:id="rId8"/>
-    <p:sldLayoutId id="2147483657" r:id="rId9"/>
-    <p:sldLayoutId id="2147483658" r:id="rId10"/>
-    <p:sldLayoutId id="2147483659" r:id="rId11"/>
-    <p:sldLayoutId id="2147483660" r:id="rId12"/>
-    <p:sldLayoutId id="2147483661" r:id="rId13"/>
-    <p:sldLayoutId id="2147483662" r:id="rId14"/>
-    <p:sldLayoutId id="2147483663" r:id="rId15"/>
+    <p:sldLayoutId id="2147483649" r:id="rId2"/>
+    <p:sldLayoutId id="2147483650" r:id="rId3"/>
+    <p:sldLayoutId id="2147483651" r:id="rId4"/>
+    <p:sldLayoutId id="2147483652" r:id="rId5"/>
+    <p:sldLayoutId id="2147483653" r:id="rId6"/>
+    <p:sldLayoutId id="2147483654" r:id="rId7"/>
+    <p:sldLayoutId id="2147483655" r:id="rId8"/>
+    <p:sldLayoutId id="2147483656" r:id="rId9"/>
+    <p:sldLayoutId id="2147483657" r:id="rId10"/>
+    <p:sldLayoutId id="2147483658" r:id="rId11"/>
+    <p:sldLayoutId id="2147483659" r:id="rId12"/>
+    <p:sldLayoutId id="2147483660" r:id="rId13"/>
+    <p:sldLayoutId id="2147483661" r:id="rId14"/>
+    <p:sldLayoutId id="2147483662" r:id="rId15"/>
+    <p:sldLayoutId id="2147483663" r:id="rId16"/>
   </p:sldLayoutIdLst>
-  <p:transition spd="med"/>
+  <p:transition xmlns:p14="http://schemas.microsoft.com/office/powerpoint/2010/main" spd="med" advClick="1"/>
   <p:txStyles>
     <p:titleStyle>
       <a:lvl1pPr marL="0" marR="0" indent="0" algn="ctr" defTabSz="825500" rtl="0" latinLnBrk="0">
@@ -3630,18 +3504,18 @@
         <a:buFontTx/>
         <a:buNone/>
         <a:tabLst/>
-        <a:defRPr sz="14500" b="0" i="0" u="none" strike="noStrike" cap="none" spc="0" baseline="0">
+        <a:defRPr b="0" baseline="0" cap="none" i="0" spc="0" strike="noStrike" sz="14500" u="none">
           <a:solidFill>
             <a:srgbClr val="000000"/>
           </a:solidFill>
           <a:uFillTx/>
-          <a:latin typeface="+mn-lt"/>
-          <a:ea typeface="+mn-ea"/>
-          <a:cs typeface="+mn-cs"/>
+          <a:latin typeface="Canela Bold"/>
+          <a:ea typeface="Canela Bold"/>
+          <a:cs typeface="Canela Bold"/>
           <a:sym typeface="Canela Bold"/>
         </a:defRPr>
       </a:lvl1pPr>
-      <a:lvl2pPr marL="0" marR="0" indent="457200" algn="ctr" defTabSz="825500" rtl="0" latinLnBrk="0">
+      <a:lvl2pPr marL="0" marR="0" indent="0" algn="ctr" defTabSz="825500" rtl="0" latinLnBrk="0">
         <a:lnSpc>
           <a:spcPct val="80000"/>
         </a:lnSpc>
@@ -3656,18 +3530,18 @@
         <a:buFontTx/>
         <a:buNone/>
         <a:tabLst/>
-        <a:defRPr sz="14500" b="0" i="0" u="none" strike="noStrike" cap="none" spc="0" baseline="0">
+        <a:defRPr b="0" baseline="0" cap="none" i="0" spc="0" strike="noStrike" sz="14500" u="none">
           <a:solidFill>
             <a:srgbClr val="000000"/>
           </a:solidFill>
           <a:uFillTx/>
-          <a:latin typeface="+mn-lt"/>
-          <a:ea typeface="+mn-ea"/>
-          <a:cs typeface="+mn-cs"/>
+          <a:latin typeface="Canela Bold"/>
+          <a:ea typeface="Canela Bold"/>
+          <a:cs typeface="Canela Bold"/>
           <a:sym typeface="Canela Bold"/>
         </a:defRPr>
       </a:lvl2pPr>
-      <a:lvl3pPr marL="0" marR="0" indent="914400" algn="ctr" defTabSz="825500" rtl="0" latinLnBrk="0">
+      <a:lvl3pPr marL="0" marR="0" indent="0" algn="ctr" defTabSz="825500" rtl="0" latinLnBrk="0">
         <a:lnSpc>
           <a:spcPct val="80000"/>
         </a:lnSpc>
@@ -3682,18 +3556,18 @@
         <a:buFontTx/>
         <a:buNone/>
         <a:tabLst/>
-        <a:defRPr sz="14500" b="0" i="0" u="none" strike="noStrike" cap="none" spc="0" baseline="0">
+        <a:defRPr b="0" baseline="0" cap="none" i="0" spc="0" strike="noStrike" sz="14500" u="none">
           <a:solidFill>
             <a:srgbClr val="000000"/>
           </a:solidFill>
           <a:uFillTx/>
-          <a:latin typeface="+mn-lt"/>
-          <a:ea typeface="+mn-ea"/>
-          <a:cs typeface="+mn-cs"/>
+          <a:latin typeface="Canela Bold"/>
+          <a:ea typeface="Canela Bold"/>
+          <a:cs typeface="Canela Bold"/>
           <a:sym typeface="Canela Bold"/>
         </a:defRPr>
       </a:lvl3pPr>
-      <a:lvl4pPr marL="0" marR="0" indent="1371600" algn="ctr" defTabSz="825500" rtl="0" latinLnBrk="0">
+      <a:lvl4pPr marL="0" marR="0" indent="0" algn="ctr" defTabSz="825500" rtl="0" latinLnBrk="0">
         <a:lnSpc>
           <a:spcPct val="80000"/>
         </a:lnSpc>
@@ -3708,18 +3582,18 @@
         <a:buFontTx/>
         <a:buNone/>
         <a:tabLst/>
-        <a:defRPr sz="14500" b="0" i="0" u="none" strike="noStrike" cap="none" spc="0" baseline="0">
+        <a:defRPr b="0" baseline="0" cap="none" i="0" spc="0" strike="noStrike" sz="14500" u="none">
           <a:solidFill>
             <a:srgbClr val="000000"/>
           </a:solidFill>
           <a:uFillTx/>
-          <a:latin typeface="+mn-lt"/>
-          <a:ea typeface="+mn-ea"/>
-          <a:cs typeface="+mn-cs"/>
+          <a:latin typeface="Canela Bold"/>
+          <a:ea typeface="Canela Bold"/>
+          <a:cs typeface="Canela Bold"/>
           <a:sym typeface="Canela Bold"/>
         </a:defRPr>
       </a:lvl4pPr>
-      <a:lvl5pPr marL="0" marR="0" indent="1828800" algn="ctr" defTabSz="825500" rtl="0" latinLnBrk="0">
+      <a:lvl5pPr marL="0" marR="0" indent="0" algn="ctr" defTabSz="825500" rtl="0" latinLnBrk="0">
         <a:lnSpc>
           <a:spcPct val="80000"/>
         </a:lnSpc>
@@ -3734,18 +3608,18 @@
         <a:buFontTx/>
         <a:buNone/>
         <a:tabLst/>
-        <a:defRPr sz="14500" b="0" i="0" u="none" strike="noStrike" cap="none" spc="0" baseline="0">
+        <a:defRPr b="0" baseline="0" cap="none" i="0" spc="0" strike="noStrike" sz="14500" u="none">
           <a:solidFill>
             <a:srgbClr val="000000"/>
           </a:solidFill>
           <a:uFillTx/>
-          <a:latin typeface="+mn-lt"/>
-          <a:ea typeface="+mn-ea"/>
-          <a:cs typeface="+mn-cs"/>
+          <a:latin typeface="Canela Bold"/>
+          <a:ea typeface="Canela Bold"/>
+          <a:cs typeface="Canela Bold"/>
           <a:sym typeface="Canela Bold"/>
         </a:defRPr>
       </a:lvl5pPr>
-      <a:lvl6pPr marL="0" marR="0" indent="2286000" algn="ctr" defTabSz="825500" rtl="0" latinLnBrk="0">
+      <a:lvl6pPr marL="0" marR="0" indent="0" algn="ctr" defTabSz="825500" rtl="0" latinLnBrk="0">
         <a:lnSpc>
           <a:spcPct val="80000"/>
         </a:lnSpc>
@@ -3760,18 +3634,18 @@
         <a:buFontTx/>
         <a:buNone/>
         <a:tabLst/>
-        <a:defRPr sz="14500" b="0" i="0" u="none" strike="noStrike" cap="none" spc="0" baseline="0">
+        <a:defRPr b="0" baseline="0" cap="none" i="0" spc="0" strike="noStrike" sz="14500" u="none">
           <a:solidFill>
             <a:srgbClr val="000000"/>
           </a:solidFill>
           <a:uFillTx/>
-          <a:latin typeface="+mn-lt"/>
-          <a:ea typeface="+mn-ea"/>
-          <a:cs typeface="+mn-cs"/>
+          <a:latin typeface="Canela Bold"/>
+          <a:ea typeface="Canela Bold"/>
+          <a:cs typeface="Canela Bold"/>
           <a:sym typeface="Canela Bold"/>
         </a:defRPr>
       </a:lvl6pPr>
-      <a:lvl7pPr marL="0" marR="0" indent="2743200" algn="ctr" defTabSz="825500" rtl="0" latinLnBrk="0">
+      <a:lvl7pPr marL="0" marR="0" indent="0" algn="ctr" defTabSz="825500" rtl="0" latinLnBrk="0">
         <a:lnSpc>
           <a:spcPct val="80000"/>
         </a:lnSpc>
@@ -3786,18 +3660,18 @@
         <a:buFontTx/>
         <a:buNone/>
         <a:tabLst/>
-        <a:defRPr sz="14500" b="0" i="0" u="none" strike="noStrike" cap="none" spc="0" baseline="0">
+        <a:defRPr b="0" baseline="0" cap="none" i="0" spc="0" strike="noStrike" sz="14500" u="none">
           <a:solidFill>
             <a:srgbClr val="000000"/>
           </a:solidFill>
           <a:uFillTx/>
-          <a:latin typeface="+mn-lt"/>
-          <a:ea typeface="+mn-ea"/>
-          <a:cs typeface="+mn-cs"/>
+          <a:latin typeface="Canela Bold"/>
+          <a:ea typeface="Canela Bold"/>
+          <a:cs typeface="Canela Bold"/>
           <a:sym typeface="Canela Bold"/>
         </a:defRPr>
       </a:lvl7pPr>
-      <a:lvl8pPr marL="0" marR="0" indent="3200400" algn="ctr" defTabSz="825500" rtl="0" latinLnBrk="0">
+      <a:lvl8pPr marL="0" marR="0" indent="0" algn="ctr" defTabSz="825500" rtl="0" latinLnBrk="0">
         <a:lnSpc>
           <a:spcPct val="80000"/>
         </a:lnSpc>
@@ -3812,18 +3686,18 @@
         <a:buFontTx/>
         <a:buNone/>
         <a:tabLst/>
-        <a:defRPr sz="14500" b="0" i="0" u="none" strike="noStrike" cap="none" spc="0" baseline="0">
+        <a:defRPr b="0" baseline="0" cap="none" i="0" spc="0" strike="noStrike" sz="14500" u="none">
           <a:solidFill>
             <a:srgbClr val="000000"/>
           </a:solidFill>
           <a:uFillTx/>
-          <a:latin typeface="+mn-lt"/>
-          <a:ea typeface="+mn-ea"/>
-          <a:cs typeface="+mn-cs"/>
+          <a:latin typeface="Canela Bold"/>
+          <a:ea typeface="Canela Bold"/>
+          <a:cs typeface="Canela Bold"/>
           <a:sym typeface="Canela Bold"/>
         </a:defRPr>
       </a:lvl8pPr>
-      <a:lvl9pPr marL="0" marR="0" indent="3657600" algn="ctr" defTabSz="825500" rtl="0" latinLnBrk="0">
+      <a:lvl9pPr marL="0" marR="0" indent="0" algn="ctr" defTabSz="825500" rtl="0" latinLnBrk="0">
         <a:lnSpc>
           <a:spcPct val="80000"/>
         </a:lnSpc>
@@ -3838,14 +3712,14 @@
         <a:buFontTx/>
         <a:buNone/>
         <a:tabLst/>
-        <a:defRPr sz="14500" b="0" i="0" u="none" strike="noStrike" cap="none" spc="0" baseline="0">
+        <a:defRPr b="0" baseline="0" cap="none" i="0" spc="0" strike="noStrike" sz="14500" u="none">
           <a:solidFill>
             <a:srgbClr val="000000"/>
           </a:solidFill>
           <a:uFillTx/>
-          <a:latin typeface="+mn-lt"/>
-          <a:ea typeface="+mn-ea"/>
-          <a:cs typeface="+mn-cs"/>
+          <a:latin typeface="Canela Bold"/>
+          <a:ea typeface="Canela Bold"/>
+          <a:cs typeface="Canela Bold"/>
           <a:sym typeface="Canela Bold"/>
         </a:defRPr>
       </a:lvl9pPr>
@@ -3866,7 +3740,7 @@
         <a:buFontTx/>
         <a:buNone/>
         <a:tabLst/>
-        <a:defRPr sz="3900" b="1" i="0" u="none" strike="noStrike" cap="none" spc="0" baseline="0">
+        <a:defRPr b="1" baseline="0" cap="none" i="0" spc="0" strike="noStrike" sz="3900" u="none">
           <a:solidFill>
             <a:srgbClr val="000000"/>
           </a:solidFill>
@@ -3877,7 +3751,7 @@
           <a:sym typeface="Proxima Nova"/>
         </a:defRPr>
       </a:lvl1pPr>
-      <a:lvl2pPr marL="0" marR="0" indent="457200" algn="ctr" defTabSz="825500" rtl="0" latinLnBrk="0">
+      <a:lvl2pPr marL="0" marR="0" indent="0" algn="ctr" defTabSz="825500" rtl="0" latinLnBrk="0">
         <a:lnSpc>
           <a:spcPct val="90000"/>
         </a:lnSpc>
@@ -3892,7 +3766,7 @@
         <a:buFontTx/>
         <a:buNone/>
         <a:tabLst/>
-        <a:defRPr sz="3900" b="1" i="0" u="none" strike="noStrike" cap="none" spc="0" baseline="0">
+        <a:defRPr b="1" baseline="0" cap="none" i="0" spc="0" strike="noStrike" sz="3900" u="none">
           <a:solidFill>
             <a:srgbClr val="000000"/>
           </a:solidFill>
@@ -3903,7 +3777,7 @@
           <a:sym typeface="Proxima Nova"/>
         </a:defRPr>
       </a:lvl2pPr>
-      <a:lvl3pPr marL="0" marR="0" indent="914400" algn="ctr" defTabSz="825500" rtl="0" latinLnBrk="0">
+      <a:lvl3pPr marL="0" marR="0" indent="0" algn="ctr" defTabSz="825500" rtl="0" latinLnBrk="0">
         <a:lnSpc>
           <a:spcPct val="90000"/>
         </a:lnSpc>
@@ -3918,7 +3792,7 @@
         <a:buFontTx/>
         <a:buNone/>
         <a:tabLst/>
-        <a:defRPr sz="3900" b="1" i="0" u="none" strike="noStrike" cap="none" spc="0" baseline="0">
+        <a:defRPr b="1" baseline="0" cap="none" i="0" spc="0" strike="noStrike" sz="3900" u="none">
           <a:solidFill>
             <a:srgbClr val="000000"/>
           </a:solidFill>
@@ -3929,7 +3803,7 @@
           <a:sym typeface="Proxima Nova"/>
         </a:defRPr>
       </a:lvl3pPr>
-      <a:lvl4pPr marL="0" marR="0" indent="1371600" algn="ctr" defTabSz="825500" rtl="0" latinLnBrk="0">
+      <a:lvl4pPr marL="0" marR="0" indent="0" algn="ctr" defTabSz="825500" rtl="0" latinLnBrk="0">
         <a:lnSpc>
           <a:spcPct val="90000"/>
         </a:lnSpc>
@@ -3944,7 +3818,7 @@
         <a:buFontTx/>
         <a:buNone/>
         <a:tabLst/>
-        <a:defRPr sz="3900" b="1" i="0" u="none" strike="noStrike" cap="none" spc="0" baseline="0">
+        <a:defRPr b="1" baseline="0" cap="none" i="0" spc="0" strike="noStrike" sz="3900" u="none">
           <a:solidFill>
             <a:srgbClr val="000000"/>
           </a:solidFill>
@@ -3955,7 +3829,7 @@
           <a:sym typeface="Proxima Nova"/>
         </a:defRPr>
       </a:lvl4pPr>
-      <a:lvl5pPr marL="0" marR="0" indent="1828800" algn="ctr" defTabSz="825500" rtl="0" latinLnBrk="0">
+      <a:lvl5pPr marL="0" marR="0" indent="0" algn="ctr" defTabSz="825500" rtl="0" latinLnBrk="0">
         <a:lnSpc>
           <a:spcPct val="90000"/>
         </a:lnSpc>
@@ -3970,7 +3844,7 @@
         <a:buFontTx/>
         <a:buNone/>
         <a:tabLst/>
-        <a:defRPr sz="3900" b="1" i="0" u="none" strike="noStrike" cap="none" spc="0" baseline="0">
+        <a:defRPr b="1" baseline="0" cap="none" i="0" spc="0" strike="noStrike" sz="3900" u="none">
           <a:solidFill>
             <a:srgbClr val="000000"/>
           </a:solidFill>
@@ -3981,7 +3855,7 @@
           <a:sym typeface="Proxima Nova"/>
         </a:defRPr>
       </a:lvl5pPr>
-      <a:lvl6pPr marL="0" marR="0" indent="2286000" algn="ctr" defTabSz="825500" rtl="0" latinLnBrk="0">
+      <a:lvl6pPr marL="0" marR="0" indent="0" algn="ctr" defTabSz="825500" rtl="0" latinLnBrk="0">
         <a:lnSpc>
           <a:spcPct val="90000"/>
         </a:lnSpc>
@@ -3996,7 +3870,7 @@
         <a:buFontTx/>
         <a:buNone/>
         <a:tabLst/>
-        <a:defRPr sz="3900" b="1" i="0" u="none" strike="noStrike" cap="none" spc="0" baseline="0">
+        <a:defRPr b="1" baseline="0" cap="none" i="0" spc="0" strike="noStrike" sz="3900" u="none">
           <a:solidFill>
             <a:srgbClr val="000000"/>
           </a:solidFill>
@@ -4007,7 +3881,7 @@
           <a:sym typeface="Proxima Nova"/>
         </a:defRPr>
       </a:lvl6pPr>
-      <a:lvl7pPr marL="0" marR="0" indent="2743200" algn="ctr" defTabSz="825500" rtl="0" latinLnBrk="0">
+      <a:lvl7pPr marL="0" marR="0" indent="0" algn="ctr" defTabSz="825500" rtl="0" latinLnBrk="0">
         <a:lnSpc>
           <a:spcPct val="90000"/>
         </a:lnSpc>
@@ -4022,7 +3896,7 @@
         <a:buFontTx/>
         <a:buNone/>
         <a:tabLst/>
-        <a:defRPr sz="3900" b="1" i="0" u="none" strike="noStrike" cap="none" spc="0" baseline="0">
+        <a:defRPr b="1" baseline="0" cap="none" i="0" spc="0" strike="noStrike" sz="3900" u="none">
           <a:solidFill>
             <a:srgbClr val="000000"/>
           </a:solidFill>
@@ -4033,7 +3907,7 @@
           <a:sym typeface="Proxima Nova"/>
         </a:defRPr>
       </a:lvl7pPr>
-      <a:lvl8pPr marL="0" marR="0" indent="3200400" algn="ctr" defTabSz="825500" rtl="0" latinLnBrk="0">
+      <a:lvl8pPr marL="0" marR="0" indent="0" algn="ctr" defTabSz="825500" rtl="0" latinLnBrk="0">
         <a:lnSpc>
           <a:spcPct val="90000"/>
         </a:lnSpc>
@@ -4048,7 +3922,7 @@
         <a:buFontTx/>
         <a:buNone/>
         <a:tabLst/>
-        <a:defRPr sz="3900" b="1" i="0" u="none" strike="noStrike" cap="none" spc="0" baseline="0">
+        <a:defRPr b="1" baseline="0" cap="none" i="0" spc="0" strike="noStrike" sz="3900" u="none">
           <a:solidFill>
             <a:srgbClr val="000000"/>
           </a:solidFill>
@@ -4059,7 +3933,7 @@
           <a:sym typeface="Proxima Nova"/>
         </a:defRPr>
       </a:lvl8pPr>
-      <a:lvl9pPr marL="0" marR="0" indent="3657600" algn="ctr" defTabSz="825500" rtl="0" latinLnBrk="0">
+      <a:lvl9pPr marL="0" marR="0" indent="0" algn="ctr" defTabSz="825500" rtl="0" latinLnBrk="0">
         <a:lnSpc>
           <a:spcPct val="90000"/>
         </a:lnSpc>
@@ -4074,7 +3948,7 @@
         <a:buFontTx/>
         <a:buNone/>
         <a:tabLst/>
-        <a:defRPr sz="3900" b="1" i="0" u="none" strike="noStrike" cap="none" spc="0" baseline="0">
+        <a:defRPr b="1" baseline="0" cap="none" i="0" spc="0" strike="noStrike" sz="3900" u="none">
           <a:solidFill>
             <a:srgbClr val="000000"/>
           </a:solidFill>
@@ -4102,7 +3976,7 @@
         <a:buFontTx/>
         <a:buNone/>
         <a:tabLst/>
-        <a:defRPr sz="1600" b="0" i="0" u="none" strike="noStrike" cap="none" spc="0" baseline="0">
+        <a:defRPr b="0" baseline="0" cap="none" i="0" spc="0" strike="noStrike" sz="1600" u="none">
           <a:solidFill>
             <a:schemeClr val="tx1"/>
           </a:solidFill>
@@ -4113,7 +3987,7 @@
           <a:sym typeface="Proxima Nova"/>
         </a:defRPr>
       </a:lvl1pPr>
-      <a:lvl2pPr marL="0" marR="0" indent="457200" algn="ctr" defTabSz="825500" rtl="0" latinLnBrk="0">
+      <a:lvl2pPr marL="0" marR="0" indent="0" algn="ctr" defTabSz="825500" rtl="0" latinLnBrk="0">
         <a:lnSpc>
           <a:spcPct val="100000"/>
         </a:lnSpc>
@@ -4128,7 +4002,7 @@
         <a:buFontTx/>
         <a:buNone/>
         <a:tabLst/>
-        <a:defRPr sz="1600" b="0" i="0" u="none" strike="noStrike" cap="none" spc="0" baseline="0">
+        <a:defRPr b="0" baseline="0" cap="none" i="0" spc="0" strike="noStrike" sz="1600" u="none">
           <a:solidFill>
             <a:schemeClr val="tx1"/>
           </a:solidFill>
@@ -4139,7 +4013,7 @@
           <a:sym typeface="Proxima Nova"/>
         </a:defRPr>
       </a:lvl2pPr>
-      <a:lvl3pPr marL="0" marR="0" indent="914400" algn="ctr" defTabSz="825500" rtl="0" latinLnBrk="0">
+      <a:lvl3pPr marL="0" marR="0" indent="0" algn="ctr" defTabSz="825500" rtl="0" latinLnBrk="0">
         <a:lnSpc>
           <a:spcPct val="100000"/>
         </a:lnSpc>
@@ -4154,7 +4028,7 @@
         <a:buFontTx/>
         <a:buNone/>
         <a:tabLst/>
-        <a:defRPr sz="1600" b="0" i="0" u="none" strike="noStrike" cap="none" spc="0" baseline="0">
+        <a:defRPr b="0" baseline="0" cap="none" i="0" spc="0" strike="noStrike" sz="1600" u="none">
           <a:solidFill>
             <a:schemeClr val="tx1"/>
           </a:solidFill>
@@ -4165,7 +4039,7 @@
           <a:sym typeface="Proxima Nova"/>
         </a:defRPr>
       </a:lvl3pPr>
-      <a:lvl4pPr marL="0" marR="0" indent="1371600" algn="ctr" defTabSz="825500" rtl="0" latinLnBrk="0">
+      <a:lvl4pPr marL="0" marR="0" indent="0" algn="ctr" defTabSz="825500" rtl="0" latinLnBrk="0">
         <a:lnSpc>
           <a:spcPct val="100000"/>
         </a:lnSpc>
@@ -4180,7 +4054,7 @@
         <a:buFontTx/>
         <a:buNone/>
         <a:tabLst/>
-        <a:defRPr sz="1600" b="0" i="0" u="none" strike="noStrike" cap="none" spc="0" baseline="0">
+        <a:defRPr b="0" baseline="0" cap="none" i="0" spc="0" strike="noStrike" sz="1600" u="none">
           <a:solidFill>
             <a:schemeClr val="tx1"/>
           </a:solidFill>
@@ -4191,7 +4065,7 @@
           <a:sym typeface="Proxima Nova"/>
         </a:defRPr>
       </a:lvl4pPr>
-      <a:lvl5pPr marL="0" marR="0" indent="1828800" algn="ctr" defTabSz="825500" rtl="0" latinLnBrk="0">
+      <a:lvl5pPr marL="0" marR="0" indent="0" algn="ctr" defTabSz="825500" rtl="0" latinLnBrk="0">
         <a:lnSpc>
           <a:spcPct val="100000"/>
         </a:lnSpc>
@@ -4206,7 +4080,7 @@
         <a:buFontTx/>
         <a:buNone/>
         <a:tabLst/>
-        <a:defRPr sz="1600" b="0" i="0" u="none" strike="noStrike" cap="none" spc="0" baseline="0">
+        <a:defRPr b="0" baseline="0" cap="none" i="0" spc="0" strike="noStrike" sz="1600" u="none">
           <a:solidFill>
             <a:schemeClr val="tx1"/>
           </a:solidFill>
@@ -4217,7 +4091,7 @@
           <a:sym typeface="Proxima Nova"/>
         </a:defRPr>
       </a:lvl5pPr>
-      <a:lvl6pPr marL="0" marR="0" indent="2286000" algn="ctr" defTabSz="825500" rtl="0" latinLnBrk="0">
+      <a:lvl6pPr marL="0" marR="0" indent="0" algn="ctr" defTabSz="825500" rtl="0" latinLnBrk="0">
         <a:lnSpc>
           <a:spcPct val="100000"/>
         </a:lnSpc>
@@ -4232,7 +4106,7 @@
         <a:buFontTx/>
         <a:buNone/>
         <a:tabLst/>
-        <a:defRPr sz="1600" b="0" i="0" u="none" strike="noStrike" cap="none" spc="0" baseline="0">
+        <a:defRPr b="0" baseline="0" cap="none" i="0" spc="0" strike="noStrike" sz="1600" u="none">
           <a:solidFill>
             <a:schemeClr val="tx1"/>
           </a:solidFill>
@@ -4243,7 +4117,7 @@
           <a:sym typeface="Proxima Nova"/>
         </a:defRPr>
       </a:lvl6pPr>
-      <a:lvl7pPr marL="0" marR="0" indent="2743200" algn="ctr" defTabSz="825500" rtl="0" latinLnBrk="0">
+      <a:lvl7pPr marL="0" marR="0" indent="0" algn="ctr" defTabSz="825500" rtl="0" latinLnBrk="0">
         <a:lnSpc>
           <a:spcPct val="100000"/>
         </a:lnSpc>
@@ -4258,7 +4132,7 @@
         <a:buFontTx/>
         <a:buNone/>
         <a:tabLst/>
-        <a:defRPr sz="1600" b="0" i="0" u="none" strike="noStrike" cap="none" spc="0" baseline="0">
+        <a:defRPr b="0" baseline="0" cap="none" i="0" spc="0" strike="noStrike" sz="1600" u="none">
           <a:solidFill>
             <a:schemeClr val="tx1"/>
           </a:solidFill>
@@ -4269,7 +4143,7 @@
           <a:sym typeface="Proxima Nova"/>
         </a:defRPr>
       </a:lvl7pPr>
-      <a:lvl8pPr marL="0" marR="0" indent="3200400" algn="ctr" defTabSz="825500" rtl="0" latinLnBrk="0">
+      <a:lvl8pPr marL="0" marR="0" indent="0" algn="ctr" defTabSz="825500" rtl="0" latinLnBrk="0">
         <a:lnSpc>
           <a:spcPct val="100000"/>
         </a:lnSpc>
@@ -4284,7 +4158,7 @@
         <a:buFontTx/>
         <a:buNone/>
         <a:tabLst/>
-        <a:defRPr sz="1600" b="0" i="0" u="none" strike="noStrike" cap="none" spc="0" baseline="0">
+        <a:defRPr b="0" baseline="0" cap="none" i="0" spc="0" strike="noStrike" sz="1600" u="none">
           <a:solidFill>
             <a:schemeClr val="tx1"/>
           </a:solidFill>
@@ -4295,7 +4169,7 @@
           <a:sym typeface="Proxima Nova"/>
         </a:defRPr>
       </a:lvl8pPr>
-      <a:lvl9pPr marL="0" marR="0" indent="3657600" algn="ctr" defTabSz="825500" rtl="0" latinLnBrk="0">
+      <a:lvl9pPr marL="0" marR="0" indent="0" algn="ctr" defTabSz="825500" rtl="0" latinLnBrk="0">
         <a:lnSpc>
           <a:spcPct val="100000"/>
         </a:lnSpc>
@@ -4310,7 +4184,7 @@
         <a:buFontTx/>
         <a:buNone/>
         <a:tabLst/>
-        <a:defRPr sz="1600" b="0" i="0" u="none" strike="noStrike" cap="none" spc="0" baseline="0">
+        <a:defRPr b="0" baseline="0" cap="none" i="0" spc="0" strike="noStrike" sz="1600" u="none">
           <a:solidFill>
             <a:schemeClr val="tx1"/>
           </a:solidFill>
@@ -4327,7 +4201,7 @@
 </file>
 
 <file path=ppt/slides/slide1.xml><?xml version="1.0" encoding="utf-8"?>
-<p:sld xmlns:a="http://schemas.openxmlformats.org/drawingml/2006/main" xmlns:r="http://schemas.openxmlformats.org/officeDocument/2006/relationships" xmlns:p="http://schemas.openxmlformats.org/presentationml/2006/main">
+<p:sld xmlns:a="http://schemas.openxmlformats.org/drawingml/2006/main" xmlns:r="http://schemas.openxmlformats.org/officeDocument/2006/relationships" xmlns:p="http://schemas.openxmlformats.org/presentationml/2006/main" xmlns:m="http://schemas.openxmlformats.org/officeDocument/2006/math" xmlns:a14="http://schemas.microsoft.com/office/drawing/2010/main" showMasterSp="1" showMasterPhAnim="1">
   <p:cSld>
     <p:spTree>
       <p:nvGrpSpPr>
@@ -4346,14 +4220,16 @@
       <p:sp>
         <p:nvSpPr>
           <p:cNvPr id="161" name="Autore e data"/>
-          <p:cNvSpPr txBox="1">
-            <a:spLocks noGrp="1"/>
-          </p:cNvSpPr>
-          <p:nvPr>
-            <p:ph type="body" sz="quarter" idx="21"/>
-          </p:nvPr>
-        </p:nvSpPr>
-        <p:spPr>
+          <p:cNvSpPr txBox="1"/>
+          <p:nvPr>
+            <p:ph type="subTitle" sz="quarter" idx="1"/>
+          </p:nvPr>
+        </p:nvSpPr>
+        <p:spPr>
+          <a:xfrm>
+            <a:off x="2057400" y="11229761"/>
+            <a:ext cx="20269200" cy="845949"/>
+          </a:xfrm>
           <a:prstGeom prst="rect">
             <a:avLst/>
           </a:prstGeom>
@@ -4362,21 +4238,23 @@
           <a:bodyPr/>
           <a:lstStyle/>
           <a:p>
-            <a:endParaRPr/>
+            <a:pPr/>
           </a:p>
         </p:txBody>
       </p:sp>
       <p:sp>
         <p:nvSpPr>
           <p:cNvPr id="162" name="Esame di Design-Pattern"/>
-          <p:cNvSpPr txBox="1">
-            <a:spLocks noGrp="1"/>
-          </p:cNvSpPr>
-          <p:nvPr>
-            <p:ph type="title"/>
-          </p:nvPr>
-        </p:nvSpPr>
-        <p:spPr>
+          <p:cNvSpPr txBox="1"/>
+          <p:nvPr>
+            <p:ph type="ctrTitle"/>
+          </p:nvPr>
+        </p:nvSpPr>
+        <p:spPr>
+          <a:xfrm>
+            <a:off x="2057400" y="2865876"/>
+            <a:ext cx="20269200" cy="5359734"/>
+          </a:xfrm>
           <a:prstGeom prst="rect">
             <a:avLst/>
           </a:prstGeom>
@@ -4389,13 +4267,9 @@
             </a:lvl1pPr>
           </a:lstStyle>
           <a:p>
-            <a:r>
-              <a:rPr dirty="0" err="1"/>
-              <a:t>Esame</a:t>
-            </a:r>
-            <a:r>
-              <a:rPr dirty="0"/>
-              <a:t> di Design-Pattern</a:t>
+            <a:pPr/>
+            <a:r>
+              <a:t>Esame di Design-Pattern</a:t>
             </a:r>
           </a:p>
         </p:txBody>
@@ -4405,12 +4279,12 @@
   <p:clrMapOvr>
     <a:masterClrMapping/>
   </p:clrMapOvr>
-  <p:transition spd="med"/>
+  <p:transition xmlns:p14="http://schemas.microsoft.com/office/powerpoint/2010/main" spd="med" advClick="1"/>
 </p:sld>
 </file>
 
 <file path=ppt/slides/slide10.xml><?xml version="1.0" encoding="utf-8"?>
-<p:sld xmlns:a="http://schemas.openxmlformats.org/drawingml/2006/main" xmlns:r="http://schemas.openxmlformats.org/officeDocument/2006/relationships" xmlns:p="http://schemas.openxmlformats.org/presentationml/2006/main">
+<p:sld xmlns:a="http://schemas.openxmlformats.org/drawingml/2006/main" xmlns:r="http://schemas.openxmlformats.org/officeDocument/2006/relationships" xmlns:p="http://schemas.openxmlformats.org/presentationml/2006/main" xmlns:m="http://schemas.openxmlformats.org/officeDocument/2006/math" xmlns:a14="http://schemas.microsoft.com/office/drawing/2010/main" showMasterSp="1" showMasterPhAnim="1">
   <p:cSld>
     <p:spTree>
       <p:nvGrpSpPr>
@@ -4428,114 +4302,64 @@
       </p:grpSpPr>
       <p:sp>
         <p:nvSpPr>
-          <p:cNvPr id="195" name="Picture Placeholder 1">
-            <a:extLst>
-              <a:ext uri="{FF2B5EF4-FFF2-40B4-BE49-F238E27FC236}">
-                <a16:creationId xmlns:a16="http://schemas.microsoft.com/office/drawing/2014/main" id="{3CD776C0-FACD-DC21-2299-E96637FC59C1}"/>
-              </a:ext>
-            </a:extLst>
-          </p:cNvPr>
-          <p:cNvSpPr>
-            <a:spLocks noGrp="1"/>
-          </p:cNvSpPr>
-          <p:nvPr>
-            <p:ph type="pic" idx="21"/>
-          </p:nvPr>
-        </p:nvSpPr>
-        <p:spPr>
-          <a:xfrm>
-            <a:off x="11700889" y="-1027620"/>
-            <a:ext cx="12288856" cy="15023089"/>
-          </a:xfrm>
-        </p:spPr>
-      </p:sp>
-      <p:sp>
-        <p:nvSpPr>
-          <p:cNvPr id="197" name="Text Placeholder 2">
-            <a:extLst>
-              <a:ext uri="{FF2B5EF4-FFF2-40B4-BE49-F238E27FC236}">
-                <a16:creationId xmlns:a16="http://schemas.microsoft.com/office/drawing/2014/main" id="{49F670AC-4711-2835-DBDC-594551E9A3FD}"/>
-              </a:ext>
-            </a:extLst>
-          </p:cNvPr>
-          <p:cNvSpPr>
-            <a:spLocks noGrp="1"/>
-          </p:cNvSpPr>
-          <p:nvPr>
-            <p:ph type="body" sz="quarter" idx="22"/>
-          </p:nvPr>
-        </p:nvSpPr>
-        <p:spPr>
-          <a:xfrm>
-            <a:off x="1802037" y="4375086"/>
-            <a:ext cx="9603926" cy="845948"/>
-          </a:xfrm>
+          <p:cNvPr id="190" name="Sottotitolo diapositiva"/>
+          <p:cNvSpPr txBox="1"/>
+          <p:nvPr>
+            <p:ph type="body" sz="quarter" idx="1"/>
+          </p:nvPr>
+        </p:nvSpPr>
+        <p:spPr>
+          <a:prstGeom prst="rect">
+            <a:avLst/>
+          </a:prstGeom>
         </p:spPr>
         <p:txBody>
           <a:bodyPr/>
           <a:lstStyle/>
           <a:p>
-            <a:endParaRPr lang="en-US"/>
-          </a:p>
-        </p:txBody>
-      </p:sp>
-      <p:sp>
-        <p:nvSpPr>
-          <p:cNvPr id="199" name="Title 3">
-            <a:extLst>
-              <a:ext uri="{FF2B5EF4-FFF2-40B4-BE49-F238E27FC236}">
-                <a16:creationId xmlns:a16="http://schemas.microsoft.com/office/drawing/2014/main" id="{863F5223-D8A0-5CE1-6568-C31FB7451C21}"/>
-              </a:ext>
-            </a:extLst>
-          </p:cNvPr>
-          <p:cNvSpPr>
-            <a:spLocks noGrp="1"/>
-          </p:cNvSpPr>
+            <a:pPr/>
+          </a:p>
+        </p:txBody>
+      </p:sp>
+      <p:sp>
+        <p:nvSpPr>
+          <p:cNvPr id="191" name="Titolo"/>
+          <p:cNvSpPr txBox="1"/>
           <p:nvPr>
             <p:ph type="title"/>
           </p:nvPr>
         </p:nvSpPr>
         <p:spPr>
-          <a:xfrm>
-            <a:off x="1802060" y="1640061"/>
-            <a:ext cx="9601348" cy="2798379"/>
-          </a:xfrm>
+          <a:prstGeom prst="rect">
+            <a:avLst/>
+          </a:prstGeom>
         </p:spPr>
         <p:txBody>
           <a:bodyPr/>
           <a:lstStyle/>
           <a:p>
-            <a:endParaRPr lang="en-US"/>
-          </a:p>
-        </p:txBody>
-      </p:sp>
-      <p:sp>
-        <p:nvSpPr>
-          <p:cNvPr id="201" name="Text Placeholder 4">
-            <a:extLst>
-              <a:ext uri="{FF2B5EF4-FFF2-40B4-BE49-F238E27FC236}">
-                <a16:creationId xmlns:a16="http://schemas.microsoft.com/office/drawing/2014/main" id="{7312B55D-15CD-F609-A17A-C6EFF5DBC07B}"/>
-              </a:ext>
-            </a:extLst>
-          </p:cNvPr>
-          <p:cNvSpPr>
-            <a:spLocks noGrp="1"/>
-          </p:cNvSpPr>
-          <p:nvPr>
-            <p:ph type="body" sz="quarter" idx="1"/>
-          </p:nvPr>
-        </p:nvSpPr>
-        <p:spPr>
-          <a:xfrm>
-            <a:off x="1802037" y="5778500"/>
-            <a:ext cx="9596832" cy="6110784"/>
-          </a:xfrm>
+            <a:pPr/>
+          </a:p>
+        </p:txBody>
+      </p:sp>
+      <p:sp>
+        <p:nvSpPr>
+          <p:cNvPr id="192" name="Corpo livello uno…"/>
+          <p:cNvSpPr txBox="1"/>
+          <p:nvPr>
+            <p:ph type="body" idx="21"/>
+          </p:nvPr>
+        </p:nvSpPr>
+        <p:spPr>
+          <a:prstGeom prst="rect">
+            <a:avLst/>
+          </a:prstGeom>
         </p:spPr>
         <p:txBody>
           <a:bodyPr/>
           <a:lstStyle/>
           <a:p>
-            <a:endParaRPr lang="en-US"/>
+            <a:pPr/>
           </a:p>
         </p:txBody>
       </p:sp>
@@ -4544,12 +4368,12 @@
   <p:clrMapOvr>
     <a:masterClrMapping/>
   </p:clrMapOvr>
-  <p:transition spd="med"/>
+  <p:transition xmlns:p14="http://schemas.microsoft.com/office/powerpoint/2010/main" spd="med" advClick="1"/>
 </p:sld>
 </file>
 
 <file path=ppt/slides/slide11.xml><?xml version="1.0" encoding="utf-8"?>
-<p:sld xmlns:a="http://schemas.openxmlformats.org/drawingml/2006/main" xmlns:r="http://schemas.openxmlformats.org/officeDocument/2006/relationships" xmlns:p="http://schemas.openxmlformats.org/presentationml/2006/main">
+<p:sld xmlns:a="http://schemas.openxmlformats.org/drawingml/2006/main" xmlns:r="http://schemas.openxmlformats.org/officeDocument/2006/relationships" xmlns:p="http://schemas.openxmlformats.org/presentationml/2006/main" xmlns:m="http://schemas.openxmlformats.org/officeDocument/2006/math" xmlns:a14="http://schemas.microsoft.com/office/drawing/2010/main" showMasterSp="1" showMasterPhAnim="1">
   <p:cSld>
     <p:spTree>
       <p:nvGrpSpPr>
@@ -4565,82 +4389,104 @@
           <a:chExt cx="0" cy="0"/>
         </a:xfrm>
       </p:grpSpPr>
-      <p:sp>
-        <p:nvSpPr>
-          <p:cNvPr id="206" name="Text Placeholder 1">
-            <a:extLst>
-              <a:ext uri="{FF2B5EF4-FFF2-40B4-BE49-F238E27FC236}">
-                <a16:creationId xmlns:a16="http://schemas.microsoft.com/office/drawing/2014/main" id="{FF8F6917-67C4-EA86-5D85-224CB959FE50}"/>
-              </a:ext>
-            </a:extLst>
-          </p:cNvPr>
-          <p:cNvSpPr>
-            <a:spLocks noGrp="1"/>
-          </p:cNvSpPr>
+      <p:pic>
+        <p:nvPicPr>
+          <p:cNvPr id="194" name="Diversi prodotto per il trucco su uno sfondo rosa" descr="Diversi prodotto per il trucco su uno sfondo rosa"/>
+          <p:cNvPicPr>
+            <a:picLocks noChangeAspect="1"/>
+          </p:cNvPicPr>
+          <p:nvPr>
+            <p:ph type="pic" idx="21"/>
+          </p:nvPr>
+        </p:nvPicPr>
+        <p:blipFill>
+          <a:blip r:embed="rId2">
+            <a:extLst/>
+          </a:blip>
+          <a:stretch>
+            <a:fillRect/>
+          </a:stretch>
+        </p:blipFill>
+        <p:spPr>
+          <a:prstGeom prst="rect">
+            <a:avLst/>
+          </a:prstGeom>
+        </p:spPr>
+      </p:pic>
+      <p:sp>
+        <p:nvSpPr>
+          <p:cNvPr id="195" name="Sottotitolo diapositiva"/>
+          <p:cNvSpPr txBox="1"/>
           <p:nvPr>
             <p:ph type="body" sz="quarter" idx="1"/>
           </p:nvPr>
         </p:nvSpPr>
         <p:spPr>
-          <a:xfrm>
-            <a:off x="13496600" y="4331487"/>
-            <a:ext cx="9049076" cy="5492985"/>
-          </a:xfrm>
+          <a:prstGeom prst="rect">
+            <a:avLst/>
+          </a:prstGeom>
         </p:spPr>
         <p:txBody>
           <a:bodyPr/>
           <a:lstStyle/>
           <a:p>
-            <a:endParaRPr lang="en-US"/>
-          </a:p>
-        </p:txBody>
-      </p:sp>
-      <p:sp>
-        <p:nvSpPr>
-          <p:cNvPr id="208" name="Title 2">
-            <a:extLst>
-              <a:ext uri="{FF2B5EF4-FFF2-40B4-BE49-F238E27FC236}">
-                <a16:creationId xmlns:a16="http://schemas.microsoft.com/office/drawing/2014/main" id="{87C4F54A-E48C-33B4-E6CF-FEE8770C0CF7}"/>
-              </a:ext>
-            </a:extLst>
-          </p:cNvPr>
-          <p:cNvSpPr>
-            <a:spLocks noGrp="1"/>
-          </p:cNvSpPr>
+            <a:pPr/>
+          </a:p>
+        </p:txBody>
+      </p:sp>
+      <p:sp>
+        <p:nvSpPr>
+          <p:cNvPr id="196" name="Titolo"/>
+          <p:cNvSpPr txBox="1"/>
           <p:nvPr>
             <p:ph type="title"/>
           </p:nvPr>
         </p:nvSpPr>
         <p:spPr>
-          <a:xfrm>
-            <a:off x="1676400" y="5865318"/>
-            <a:ext cx="9829800" cy="1733018"/>
-          </a:xfrm>
+          <a:prstGeom prst="rect">
+            <a:avLst/>
+          </a:prstGeom>
         </p:spPr>
         <p:txBody>
           <a:bodyPr/>
           <a:lstStyle/>
           <a:p>
-            <a:endParaRPr lang="en-US"/>
+            <a:pPr/>
+          </a:p>
+        </p:txBody>
+      </p:sp>
+      <p:sp>
+        <p:nvSpPr>
+          <p:cNvPr id="197" name="Corpo livello uno…"/>
+          <p:cNvSpPr txBox="1"/>
+          <p:nvPr>
+            <p:ph type="body" idx="22"/>
+          </p:nvPr>
+        </p:nvSpPr>
+        <p:spPr>
+          <a:prstGeom prst="rect">
+            <a:avLst/>
+          </a:prstGeom>
+        </p:spPr>
+        <p:txBody>
+          <a:bodyPr/>
+          <a:lstStyle/>
+          <a:p>
+            <a:pPr/>
           </a:p>
         </p:txBody>
       </p:sp>
     </p:spTree>
-    <p:extLst>
-      <p:ext uri="{BB962C8B-B14F-4D97-AF65-F5344CB8AC3E}">
-        <p14:creationId xmlns:p14="http://schemas.microsoft.com/office/powerpoint/2010/main" val="860316532"/>
-      </p:ext>
-    </p:extLst>
   </p:cSld>
   <p:clrMapOvr>
     <a:masterClrMapping/>
   </p:clrMapOvr>
-  <p:transition spd="med"/>
+  <p:transition xmlns:p14="http://schemas.microsoft.com/office/powerpoint/2010/main" spd="med" advClick="1"/>
 </p:sld>
 </file>
 
-<file path=ppt/slides/slide2.xml><?xml version="1.0" encoding="utf-8"?>
-<p:sld xmlns:a="http://schemas.openxmlformats.org/drawingml/2006/main" xmlns:r="http://schemas.openxmlformats.org/officeDocument/2006/relationships" xmlns:p="http://schemas.openxmlformats.org/presentationml/2006/main">
+<file path=ppt/slides/slide12.xml><?xml version="1.0" encoding="utf-8"?>
+<p:sld xmlns:a="http://schemas.openxmlformats.org/drawingml/2006/main" xmlns:r="http://schemas.openxmlformats.org/officeDocument/2006/relationships" xmlns:p="http://schemas.openxmlformats.org/presentationml/2006/main" xmlns:m="http://schemas.openxmlformats.org/officeDocument/2006/math" xmlns:a14="http://schemas.microsoft.com/office/drawing/2010/main" showMasterSp="1" showMasterPhAnim="1">
   <p:cSld>
     <p:spTree>
       <p:nvGrpSpPr>
@@ -4658,12 +4504,10 @@
       </p:grpSpPr>
       <p:sp>
         <p:nvSpPr>
-          <p:cNvPr id="164" name="Testo elenco puntato diapositiva"/>
-          <p:cNvSpPr txBox="1">
-            <a:spLocks noGrp="1"/>
-          </p:cNvSpPr>
-          <p:nvPr>
-            <p:ph type="body" idx="1"/>
+          <p:cNvPr id="199" name="Requirement Elicitation"/>
+          <p:cNvSpPr txBox="1"/>
+          <p:nvPr>
+            <p:ph type="title"/>
           </p:nvPr>
         </p:nvSpPr>
         <p:spPr>
@@ -4675,45 +4519,10 @@
           <a:bodyPr/>
           <a:lstStyle/>
           <a:p>
-            <a:r>
-              <a:rPr lang="it-IT" dirty="0"/>
-              <a:t>1</a:t>
-            </a:r>
-          </a:p>
-          <a:p>
-            <a:r>
-              <a:rPr lang="it-IT" dirty="0"/>
-              <a:t>2</a:t>
-            </a:r>
-          </a:p>
-          <a:p>
-            <a:r>
-              <a:rPr lang="it-IT" dirty="0"/>
-              <a:t>3</a:t>
-            </a:r>
-          </a:p>
-          <a:p>
-            <a:r>
-              <a:rPr lang="it-IT" dirty="0"/>
-              <a:t>4</a:t>
-            </a:r>
-          </a:p>
-          <a:p>
-            <a:r>
-              <a:rPr lang="it-IT" dirty="0"/>
-              <a:t>5 pippo</a:t>
-            </a:r>
-          </a:p>
-          <a:p>
-            <a:r>
-              <a:rPr lang="it-IT" dirty="0"/>
-              <a:t>6 </a:t>
-            </a:r>
-            <a:r>
-              <a:rPr lang="it-IT" dirty="0" err="1"/>
-              <a:t>pluto</a:t>
-            </a:r>
-            <a:endParaRPr dirty="0"/>
+            <a:pPr/>
+            <a:r>
+              <a:t>Requirement Elicitation</a:t>
+            </a:r>
           </a:p>
         </p:txBody>
       </p:sp>
@@ -4722,12 +4531,12 @@
   <p:clrMapOvr>
     <a:masterClrMapping/>
   </p:clrMapOvr>
-  <p:transition spd="med"/>
+  <p:transition xmlns:p14="http://schemas.microsoft.com/office/powerpoint/2010/main" spd="med" advClick="1"/>
 </p:sld>
 </file>
 
-<file path=ppt/slides/slide3.xml><?xml version="1.0" encoding="utf-8"?>
-<p:sld xmlns:a="http://schemas.openxmlformats.org/drawingml/2006/main" xmlns:r="http://schemas.openxmlformats.org/officeDocument/2006/relationships" xmlns:p="http://schemas.openxmlformats.org/presentationml/2006/main">
+<file path=ppt/slides/slide13.xml><?xml version="1.0" encoding="utf-8"?>
+<p:sld xmlns:a="http://schemas.openxmlformats.org/drawingml/2006/main" xmlns:r="http://schemas.openxmlformats.org/officeDocument/2006/relationships" xmlns:p="http://schemas.openxmlformats.org/presentationml/2006/main" xmlns:m="http://schemas.openxmlformats.org/officeDocument/2006/math" xmlns:a14="http://schemas.microsoft.com/office/drawing/2010/main" showMasterSp="1" showMasterPhAnim="1">
   <p:cSld>
     <p:spTree>
       <p:nvGrpSpPr>
@@ -4745,153 +4554,10 @@
       </p:grpSpPr>
       <p:sp>
         <p:nvSpPr>
-          <p:cNvPr id="166" name="Dettagli informazione"/>
-          <p:cNvSpPr txBox="1">
-            <a:spLocks noGrp="1"/>
-          </p:cNvSpPr>
-          <p:nvPr>
-            <p:ph type="body" sz="quarter" idx="21"/>
-          </p:nvPr>
-        </p:nvSpPr>
-        <p:spPr>
-          <a:xfrm>
-            <a:off x="2057400" y="8113449"/>
-            <a:ext cx="20269200" cy="4025541"/>
-          </a:xfrm>
-          <a:prstGeom prst="rect">
-            <a:avLst/>
-          </a:prstGeom>
-        </p:spPr>
-        <p:txBody>
-          <a:bodyPr>
-            <a:normAutofit fontScale="92500" lnSpcReduction="20000"/>
-          </a:bodyPr>
-          <a:lstStyle/>
-          <a:p>
-            <a:r>
-              <a:rPr lang="it-IT" b="1" dirty="0"/>
-              <a:t>Cos’è </a:t>
-            </a:r>
-            <a:r>
-              <a:rPr lang="it-IT" b="1" dirty="0" err="1"/>
-              <a:t>Lorem</a:t>
-            </a:r>
-            <a:r>
-              <a:rPr lang="it-IT" b="1" dirty="0"/>
-              <a:t> </a:t>
-            </a:r>
-            <a:r>
-              <a:rPr lang="it-IT" b="1" dirty="0" err="1"/>
-              <a:t>Ipsum</a:t>
-            </a:r>
-            <a:r>
-              <a:rPr lang="it-IT" b="1" dirty="0"/>
-              <a:t>?</a:t>
-            </a:r>
-          </a:p>
-          <a:p>
-            <a:r>
-              <a:rPr lang="it-IT" b="1" dirty="0" err="1"/>
-              <a:t>Lorem</a:t>
-            </a:r>
-            <a:r>
-              <a:rPr lang="it-IT" b="1" dirty="0"/>
-              <a:t> </a:t>
-            </a:r>
-            <a:r>
-              <a:rPr lang="it-IT" b="1" dirty="0" err="1"/>
-              <a:t>Ipsum</a:t>
-            </a:r>
-            <a:r>
-              <a:rPr lang="it-IT" dirty="0"/>
-              <a:t> è un testo segnaposto utilizzato nel settore della tipografia e della stampa. </a:t>
-            </a:r>
-            <a:r>
-              <a:rPr lang="it-IT" dirty="0" err="1"/>
-              <a:t>Lorem</a:t>
-            </a:r>
-            <a:r>
-              <a:rPr lang="it-IT" dirty="0"/>
-              <a:t> </a:t>
-            </a:r>
-            <a:r>
-              <a:rPr lang="it-IT" dirty="0" err="1"/>
-              <a:t>Ipsum</a:t>
-            </a:r>
-            <a:r>
-              <a:rPr lang="it-IT" dirty="0"/>
-              <a:t> è considerato il testo segnaposto standard sin dal sedicesimo secolo, quando un anonimo tipografo prese una cassetta di caratteri e li assemblò per preparare un testo campione. È sopravvissuto non solo a più di cinque secoli, ma anche al passaggio alla videoimpaginazione, pervenendoci sostanzialmente inalterato. Fu reso popolare, negli anni ’60, con la diffusione dei fogli di caratteri trasferibili “</a:t>
-            </a:r>
-            <a:r>
-              <a:rPr lang="it-IT" dirty="0" err="1"/>
-              <a:t>Letraset</a:t>
-            </a:r>
-            <a:r>
-              <a:rPr lang="it-IT" dirty="0"/>
-              <a:t>”, che contenevano passaggi del </a:t>
-            </a:r>
-            <a:r>
-              <a:rPr lang="it-IT" dirty="0" err="1"/>
-              <a:t>Lorem</a:t>
-            </a:r>
-            <a:r>
-              <a:rPr lang="it-IT" dirty="0"/>
-              <a:t> </a:t>
-            </a:r>
-            <a:r>
-              <a:rPr lang="it-IT" dirty="0" err="1"/>
-              <a:t>Ipsum</a:t>
-            </a:r>
-            <a:r>
-              <a:rPr lang="it-IT" dirty="0"/>
-              <a:t>, e più recentemente da software di impaginazione come </a:t>
-            </a:r>
-            <a:r>
-              <a:rPr lang="it-IT" dirty="0" err="1"/>
-              <a:t>Aldus</a:t>
-            </a:r>
-            <a:r>
-              <a:rPr lang="it-IT" dirty="0"/>
-              <a:t> </a:t>
-            </a:r>
-            <a:r>
-              <a:rPr lang="it-IT" dirty="0" err="1"/>
-              <a:t>PageMaker</a:t>
-            </a:r>
-            <a:r>
-              <a:rPr lang="it-IT" dirty="0"/>
-              <a:t>, che includeva versioni del </a:t>
-            </a:r>
-            <a:r>
-              <a:rPr lang="it-IT" dirty="0" err="1"/>
-              <a:t>Lorem</a:t>
-            </a:r>
-            <a:r>
-              <a:rPr lang="it-IT" dirty="0"/>
-              <a:t> </a:t>
-            </a:r>
-            <a:r>
-              <a:rPr lang="it-IT" dirty="0" err="1"/>
-              <a:t>Ipsum</a:t>
-            </a:r>
-            <a:r>
-              <a:rPr lang="it-IT" dirty="0"/>
-              <a:t>.</a:t>
-            </a:r>
-          </a:p>
-          <a:p>
-            <a:endParaRPr dirty="0"/>
-          </a:p>
-        </p:txBody>
-      </p:sp>
-      <p:sp>
-        <p:nvSpPr>
-          <p:cNvPr id="167" name="100%"/>
-          <p:cNvSpPr txBox="1">
-            <a:spLocks noGrp="1"/>
-          </p:cNvSpPr>
-          <p:nvPr>
-            <p:ph type="body" sz="half" idx="1"/>
+          <p:cNvPr id="201" name="Argomenti del programma"/>
+          <p:cNvSpPr txBox="1"/>
+          <p:nvPr>
+            <p:ph type="body" sz="quarter" idx="1"/>
           </p:nvPr>
         </p:nvSpPr>
         <p:spPr>
@@ -4903,10 +4569,28 @@
           <a:bodyPr/>
           <a:lstStyle/>
           <a:p>
-            <a:pPr defTabSz="2413955">
-              <a:defRPr sz="24750" spc="-494"/>
-            </a:pPr>
-            <a:endParaRPr dirty="0"/>
+            <a:pPr/>
+          </a:p>
+        </p:txBody>
+      </p:sp>
+      <p:sp>
+        <p:nvSpPr>
+          <p:cNvPr id="202" name="Titolo programma"/>
+          <p:cNvSpPr txBox="1"/>
+          <p:nvPr>
+            <p:ph type="title"/>
+          </p:nvPr>
+        </p:nvSpPr>
+        <p:spPr>
+          <a:prstGeom prst="rect">
+            <a:avLst/>
+          </a:prstGeom>
+        </p:spPr>
+        <p:txBody>
+          <a:bodyPr/>
+          <a:lstStyle/>
+          <a:p>
+            <a:pPr/>
           </a:p>
         </p:txBody>
       </p:sp>
@@ -4915,12 +4599,12 @@
   <p:clrMapOvr>
     <a:masterClrMapping/>
   </p:clrMapOvr>
-  <p:transition spd="med"/>
+  <p:transition xmlns:p14="http://schemas.microsoft.com/office/powerpoint/2010/main" spd="med" advClick="1"/>
 </p:sld>
 </file>
 
-<file path=ppt/slides/slide4.xml><?xml version="1.0" encoding="utf-8"?>
-<p:sld xmlns:a="http://schemas.openxmlformats.org/drawingml/2006/main" xmlns:r="http://schemas.openxmlformats.org/officeDocument/2006/relationships" xmlns:p="http://schemas.openxmlformats.org/presentationml/2006/main">
+<file path=ppt/slides/slide14.xml><?xml version="1.0" encoding="utf-8"?>
+<p:sld xmlns:a="http://schemas.openxmlformats.org/drawingml/2006/main" xmlns:r="http://schemas.openxmlformats.org/officeDocument/2006/relationships" xmlns:p="http://schemas.openxmlformats.org/presentationml/2006/main" xmlns:m="http://schemas.openxmlformats.org/officeDocument/2006/math" xmlns:a14="http://schemas.microsoft.com/office/drawing/2010/main" showMasterSp="1" showMasterPhAnim="1">
   <p:cSld>
     <p:spTree>
       <p:nvGrpSpPr>
@@ -4938,10 +4622,8 @@
       </p:grpSpPr>
       <p:sp>
         <p:nvSpPr>
-          <p:cNvPr id="169" name="Argomenti del programma"/>
-          <p:cNvSpPr txBox="1">
-            <a:spLocks noGrp="1"/>
-          </p:cNvSpPr>
+          <p:cNvPr id="204" name="Autore e data"/>
+          <p:cNvSpPr txBox="1"/>
           <p:nvPr>
             <p:ph type="body" sz="quarter" idx="1"/>
           </p:nvPr>
@@ -4955,16 +4637,14 @@
           <a:bodyPr/>
           <a:lstStyle/>
           <a:p>
-            <a:endParaRPr/>
-          </a:p>
-        </p:txBody>
-      </p:sp>
-      <p:sp>
-        <p:nvSpPr>
-          <p:cNvPr id="170" name="Titolo programma"/>
-          <p:cNvSpPr txBox="1">
-            <a:spLocks noGrp="1"/>
-          </p:cNvSpPr>
+            <a:pPr/>
+          </a:p>
+        </p:txBody>
+      </p:sp>
+      <p:sp>
+        <p:nvSpPr>
+          <p:cNvPr id="205" name="Titolo"/>
+          <p:cNvSpPr txBox="1"/>
           <p:nvPr>
             <p:ph type="title"/>
           </p:nvPr>
@@ -4978,11 +4658,10 @@
           <a:bodyPr/>
           <a:lstStyle/>
           <a:p>
-            <a:r>
-              <a:rPr lang="it-IT" dirty="0" err="1"/>
-              <a:t>ffrewipdk</a:t>
-            </a:r>
-            <a:endParaRPr dirty="0"/>
+            <a:pPr/>
+            <a:r>
+              <a:t>eccomi</a:t>
+            </a:r>
           </a:p>
         </p:txBody>
       </p:sp>
@@ -4991,12 +4670,862 @@
   <p:clrMapOvr>
     <a:masterClrMapping/>
   </p:clrMapOvr>
-  <p:transition spd="med"/>
+  <p:transition xmlns:p14="http://schemas.microsoft.com/office/powerpoint/2010/main" spd="med" advClick="1"/>
+</p:sld>
+</file>
+
+<file path=ppt/slides/slide15.xml><?xml version="1.0" encoding="utf-8"?>
+<p:sld xmlns:a="http://schemas.openxmlformats.org/drawingml/2006/main" xmlns:r="http://schemas.openxmlformats.org/officeDocument/2006/relationships" xmlns:p="http://schemas.openxmlformats.org/presentationml/2006/main" xmlns:m="http://schemas.openxmlformats.org/officeDocument/2006/math" xmlns:a14="http://schemas.microsoft.com/office/drawing/2010/main" showMasterSp="1" showMasterPhAnim="1">
+  <p:cSld>
+    <p:spTree>
+      <p:nvGrpSpPr>
+        <p:cNvPr id="1" name=""/>
+        <p:cNvGrpSpPr/>
+        <p:nvPr/>
+      </p:nvGrpSpPr>
+      <p:grpSpPr>
+        <a:xfrm>
+          <a:off x="0" y="0"/>
+          <a:ext cx="0" cy="0"/>
+          <a:chOff x="0" y="0"/>
+          <a:chExt cx="0" cy="0"/>
+        </a:xfrm>
+      </p:grpSpPr>
+      <p:sp>
+        <p:nvSpPr>
+          <p:cNvPr id="207" name="Sottotitolo diapositiva"/>
+          <p:cNvSpPr txBox="1"/>
+          <p:nvPr>
+            <p:ph type="body" sz="quarter" idx="1"/>
+          </p:nvPr>
+        </p:nvSpPr>
+        <p:spPr>
+          <a:prstGeom prst="rect">
+            <a:avLst/>
+          </a:prstGeom>
+        </p:spPr>
+        <p:txBody>
+          <a:bodyPr/>
+          <a:lstStyle/>
+          <a:p>
+            <a:pPr/>
+          </a:p>
+        </p:txBody>
+      </p:sp>
+      <p:sp>
+        <p:nvSpPr>
+          <p:cNvPr id="208" name="Titolo"/>
+          <p:cNvSpPr txBox="1"/>
+          <p:nvPr>
+            <p:ph type="title"/>
+          </p:nvPr>
+        </p:nvSpPr>
+        <p:spPr>
+          <a:prstGeom prst="rect">
+            <a:avLst/>
+          </a:prstGeom>
+        </p:spPr>
+        <p:txBody>
+          <a:bodyPr/>
+          <a:lstStyle/>
+          <a:p>
+            <a:pPr/>
+          </a:p>
+        </p:txBody>
+      </p:sp>
+    </p:spTree>
+  </p:cSld>
+  <p:clrMapOvr>
+    <a:masterClrMapping/>
+  </p:clrMapOvr>
+  <p:transition xmlns:p14="http://schemas.microsoft.com/office/powerpoint/2010/main" spd="med" advClick="1"/>
+</p:sld>
+</file>
+
+<file path=ppt/slides/slide16.xml><?xml version="1.0" encoding="utf-8"?>
+<p:sld xmlns:a="http://schemas.openxmlformats.org/drawingml/2006/main" xmlns:r="http://schemas.openxmlformats.org/officeDocument/2006/relationships" xmlns:p="http://schemas.openxmlformats.org/presentationml/2006/main" xmlns:m="http://schemas.openxmlformats.org/officeDocument/2006/math" xmlns:a14="http://schemas.microsoft.com/office/drawing/2010/main" showMasterSp="1" showMasterPhAnim="1">
+  <p:cSld>
+    <p:spTree>
+      <p:nvGrpSpPr>
+        <p:cNvPr id="1" name=""/>
+        <p:cNvGrpSpPr/>
+        <p:nvPr/>
+      </p:nvGrpSpPr>
+      <p:grpSpPr>
+        <a:xfrm>
+          <a:off x="0" y="0"/>
+          <a:ext cx="0" cy="0"/>
+          <a:chOff x="0" y="0"/>
+          <a:chExt cx="0" cy="0"/>
+        </a:xfrm>
+      </p:grpSpPr>
+      <p:pic>
+        <p:nvPicPr>
+          <p:cNvPr id="210" name="Diversi prodotto per il trucco su uno sfondo rosa" descr="Diversi prodotto per il trucco su uno sfondo rosa"/>
+          <p:cNvPicPr>
+            <a:picLocks noChangeAspect="1"/>
+          </p:cNvPicPr>
+          <p:nvPr>
+            <p:ph type="pic" idx="21"/>
+          </p:nvPr>
+        </p:nvPicPr>
+        <p:blipFill>
+          <a:blip r:embed="rId2">
+            <a:extLst/>
+          </a:blip>
+          <a:stretch>
+            <a:fillRect/>
+          </a:stretch>
+        </p:blipFill>
+        <p:spPr>
+          <a:prstGeom prst="rect">
+            <a:avLst/>
+          </a:prstGeom>
+        </p:spPr>
+      </p:pic>
+      <p:sp>
+        <p:nvSpPr>
+          <p:cNvPr id="211" name="Sottotitolo diapositiva"/>
+          <p:cNvSpPr txBox="1"/>
+          <p:nvPr>
+            <p:ph type="body" sz="quarter" idx="1"/>
+          </p:nvPr>
+        </p:nvSpPr>
+        <p:spPr>
+          <a:prstGeom prst="rect">
+            <a:avLst/>
+          </a:prstGeom>
+        </p:spPr>
+        <p:txBody>
+          <a:bodyPr/>
+          <a:lstStyle/>
+          <a:p>
+            <a:pPr/>
+          </a:p>
+        </p:txBody>
+      </p:sp>
+      <p:sp>
+        <p:nvSpPr>
+          <p:cNvPr id="212" name="Titolo"/>
+          <p:cNvSpPr txBox="1"/>
+          <p:nvPr>
+            <p:ph type="title"/>
+          </p:nvPr>
+        </p:nvSpPr>
+        <p:spPr>
+          <a:prstGeom prst="rect">
+            <a:avLst/>
+          </a:prstGeom>
+        </p:spPr>
+        <p:txBody>
+          <a:bodyPr/>
+          <a:lstStyle/>
+          <a:p>
+            <a:pPr/>
+          </a:p>
+        </p:txBody>
+      </p:sp>
+      <p:sp>
+        <p:nvSpPr>
+          <p:cNvPr id="213" name="Corpo livello uno…"/>
+          <p:cNvSpPr txBox="1"/>
+          <p:nvPr>
+            <p:ph type="body" idx="22"/>
+          </p:nvPr>
+        </p:nvSpPr>
+        <p:spPr>
+          <a:prstGeom prst="rect">
+            <a:avLst/>
+          </a:prstGeom>
+        </p:spPr>
+        <p:txBody>
+          <a:bodyPr/>
+          <a:lstStyle/>
+          <a:p>
+            <a:pPr/>
+          </a:p>
+        </p:txBody>
+      </p:sp>
+    </p:spTree>
+  </p:cSld>
+  <p:clrMapOvr>
+    <a:masterClrMapping/>
+  </p:clrMapOvr>
+  <p:transition xmlns:p14="http://schemas.microsoft.com/office/powerpoint/2010/main" spd="med" advClick="1"/>
+</p:sld>
+</file>
+
+<file path=ppt/slides/slide17.xml><?xml version="1.0" encoding="utf-8"?>
+<p:sld xmlns:a="http://schemas.openxmlformats.org/drawingml/2006/main" xmlns:r="http://schemas.openxmlformats.org/officeDocument/2006/relationships" xmlns:p="http://schemas.openxmlformats.org/presentationml/2006/main" xmlns:m="http://schemas.openxmlformats.org/officeDocument/2006/math" xmlns:a14="http://schemas.microsoft.com/office/drawing/2010/main" showMasterSp="1" showMasterPhAnim="1">
+  <p:cSld>
+    <p:spTree>
+      <p:nvGrpSpPr>
+        <p:cNvPr id="1" name=""/>
+        <p:cNvGrpSpPr/>
+        <p:nvPr/>
+      </p:nvGrpSpPr>
+      <p:grpSpPr>
+        <a:xfrm>
+          <a:off x="0" y="0"/>
+          <a:ext cx="0" cy="0"/>
+          <a:chOff x="0" y="0"/>
+          <a:chExt cx="0" cy="0"/>
+        </a:xfrm>
+      </p:grpSpPr>
+      <p:sp>
+        <p:nvSpPr>
+          <p:cNvPr id="215" name="Titolo sezione"/>
+          <p:cNvSpPr txBox="1"/>
+          <p:nvPr>
+            <p:ph type="title"/>
+          </p:nvPr>
+        </p:nvSpPr>
+        <p:spPr>
+          <a:prstGeom prst="rect">
+            <a:avLst/>
+          </a:prstGeom>
+        </p:spPr>
+        <p:txBody>
+          <a:bodyPr/>
+          <a:lstStyle/>
+          <a:p>
+            <a:pPr/>
+          </a:p>
+        </p:txBody>
+      </p:sp>
+    </p:spTree>
+  </p:cSld>
+  <p:clrMapOvr>
+    <a:masterClrMapping/>
+  </p:clrMapOvr>
+  <p:transition xmlns:p14="http://schemas.microsoft.com/office/powerpoint/2010/main" spd="med" advClick="1"/>
+</p:sld>
+</file>
+
+<file path=ppt/slides/slide18.xml><?xml version="1.0" encoding="utf-8"?>
+<p:sld xmlns:a="http://schemas.openxmlformats.org/drawingml/2006/main" xmlns:r="http://schemas.openxmlformats.org/officeDocument/2006/relationships" xmlns:p="http://schemas.openxmlformats.org/presentationml/2006/main" xmlns:m="http://schemas.openxmlformats.org/officeDocument/2006/math" xmlns:a14="http://schemas.microsoft.com/office/drawing/2010/main" showMasterSp="1" showMasterPhAnim="1">
+  <p:cSld>
+    <p:spTree>
+      <p:nvGrpSpPr>
+        <p:cNvPr id="1" name=""/>
+        <p:cNvGrpSpPr/>
+        <p:nvPr/>
+      </p:nvGrpSpPr>
+      <p:grpSpPr>
+        <a:xfrm>
+          <a:off x="0" y="0"/>
+          <a:ext cx="0" cy="0"/>
+          <a:chOff x="0" y="0"/>
+          <a:chExt cx="0" cy="0"/>
+        </a:xfrm>
+      </p:grpSpPr>
+      <p:sp>
+        <p:nvSpPr>
+          <p:cNvPr id="217" name="Sottotitolo diapositiva"/>
+          <p:cNvSpPr txBox="1"/>
+          <p:nvPr>
+            <p:ph type="body" sz="quarter" idx="1"/>
+          </p:nvPr>
+        </p:nvSpPr>
+        <p:spPr>
+          <a:prstGeom prst="rect">
+            <a:avLst/>
+          </a:prstGeom>
+        </p:spPr>
+        <p:txBody>
+          <a:bodyPr/>
+          <a:lstStyle/>
+          <a:p>
+            <a:pPr/>
+          </a:p>
+        </p:txBody>
+      </p:sp>
+      <p:sp>
+        <p:nvSpPr>
+          <p:cNvPr id="218" name="Titolo"/>
+          <p:cNvSpPr txBox="1"/>
+          <p:nvPr>
+            <p:ph type="title"/>
+          </p:nvPr>
+        </p:nvSpPr>
+        <p:spPr>
+          <a:prstGeom prst="rect">
+            <a:avLst/>
+          </a:prstGeom>
+        </p:spPr>
+        <p:txBody>
+          <a:bodyPr/>
+          <a:lstStyle/>
+          <a:p>
+            <a:pPr/>
+          </a:p>
+        </p:txBody>
+      </p:sp>
+    </p:spTree>
+  </p:cSld>
+  <p:clrMapOvr>
+    <a:masterClrMapping/>
+  </p:clrMapOvr>
+  <p:transition xmlns:p14="http://schemas.microsoft.com/office/powerpoint/2010/main" spd="med" advClick="1"/>
+</p:sld>
+</file>
+
+<file path=ppt/slides/slide19.xml><?xml version="1.0" encoding="utf-8"?>
+<p:sld xmlns:a="http://schemas.openxmlformats.org/drawingml/2006/main" xmlns:r="http://schemas.openxmlformats.org/officeDocument/2006/relationships" xmlns:p="http://schemas.openxmlformats.org/presentationml/2006/main" xmlns:m="http://schemas.openxmlformats.org/officeDocument/2006/math" xmlns:a14="http://schemas.microsoft.com/office/drawing/2010/main" showMasterSp="1" showMasterPhAnim="1">
+  <p:cSld>
+    <p:spTree>
+      <p:nvGrpSpPr>
+        <p:cNvPr id="1" name=""/>
+        <p:cNvGrpSpPr/>
+        <p:nvPr/>
+      </p:nvGrpSpPr>
+      <p:grpSpPr>
+        <a:xfrm>
+          <a:off x="0" y="0"/>
+          <a:ext cx="0" cy="0"/>
+          <a:chOff x="0" y="0"/>
+          <a:chExt cx="0" cy="0"/>
+        </a:xfrm>
+      </p:grpSpPr>
+      <p:sp>
+        <p:nvSpPr>
+          <p:cNvPr id="220" name="Dichiarazione"/>
+          <p:cNvSpPr txBox="1"/>
+          <p:nvPr>
+            <p:ph type="body" sz="half" idx="1"/>
+          </p:nvPr>
+        </p:nvSpPr>
+        <p:spPr>
+          <a:prstGeom prst="rect">
+            <a:avLst/>
+          </a:prstGeom>
+        </p:spPr>
+        <p:txBody>
+          <a:bodyPr/>
+          <a:lstStyle/>
+          <a:p>
+            <a:pPr/>
+          </a:p>
+        </p:txBody>
+      </p:sp>
+    </p:spTree>
+  </p:cSld>
+  <p:clrMapOvr>
+    <a:masterClrMapping/>
+  </p:clrMapOvr>
+  <p:transition xmlns:p14="http://schemas.microsoft.com/office/powerpoint/2010/main" spd="med" advClick="1"/>
+</p:sld>
+</file>
+
+<file path=ppt/slides/slide2.xml><?xml version="1.0" encoding="utf-8"?>
+<p:sld xmlns:a="http://schemas.openxmlformats.org/drawingml/2006/main" xmlns:r="http://schemas.openxmlformats.org/officeDocument/2006/relationships" xmlns:p="http://schemas.openxmlformats.org/presentationml/2006/main" xmlns:m="http://schemas.openxmlformats.org/officeDocument/2006/math" xmlns:a14="http://schemas.microsoft.com/office/drawing/2010/main" showMasterSp="1" showMasterPhAnim="1">
+  <p:cSld>
+    <p:spTree>
+      <p:nvGrpSpPr>
+        <p:cNvPr id="1" name=""/>
+        <p:cNvGrpSpPr/>
+        <p:nvPr/>
+      </p:nvGrpSpPr>
+      <p:grpSpPr>
+        <a:xfrm>
+          <a:off x="0" y="0"/>
+          <a:ext cx="0" cy="0"/>
+          <a:chOff x="0" y="0"/>
+          <a:chExt cx="0" cy="0"/>
+        </a:xfrm>
+      </p:grpSpPr>
+      <p:sp>
+        <p:nvSpPr>
+          <p:cNvPr id="164" name="Testo elenco puntato diapositiva"/>
+          <p:cNvSpPr txBox="1"/>
+          <p:nvPr>
+            <p:ph type="body" idx="1"/>
+          </p:nvPr>
+        </p:nvSpPr>
+        <p:spPr>
+          <a:xfrm>
+            <a:off x="2058457" y="3677751"/>
+            <a:ext cx="20264298" cy="6956178"/>
+          </a:xfrm>
+          <a:prstGeom prst="rect">
+            <a:avLst/>
+          </a:prstGeom>
+        </p:spPr>
+        <p:txBody>
+          <a:bodyPr/>
+          <a:lstStyle/>
+          <a:p>
+            <a:pPr/>
+            <a:r>
+              <a:t>1</a:t>
+            </a:r>
+          </a:p>
+          <a:p>
+            <a:pPr/>
+            <a:r>
+              <a:t>2</a:t>
+            </a:r>
+          </a:p>
+          <a:p>
+            <a:pPr/>
+            <a:r>
+              <a:t>3</a:t>
+            </a:r>
+          </a:p>
+          <a:p>
+            <a:pPr/>
+            <a:r>
+              <a:t>4</a:t>
+            </a:r>
+          </a:p>
+          <a:p>
+            <a:pPr/>
+            <a:r>
+              <a:t>5 pippo</a:t>
+            </a:r>
+          </a:p>
+          <a:p>
+            <a:pPr/>
+            <a:r>
+              <a:t>6 pluto</a:t>
+            </a:r>
+          </a:p>
+        </p:txBody>
+      </p:sp>
+    </p:spTree>
+  </p:cSld>
+  <p:clrMapOvr>
+    <a:masterClrMapping/>
+  </p:clrMapOvr>
+  <p:transition xmlns:p14="http://schemas.microsoft.com/office/powerpoint/2010/main" spd="med" advClick="1"/>
+</p:sld>
+</file>
+
+<file path=ppt/slides/slide20.xml><?xml version="1.0" encoding="utf-8"?>
+<p:sld xmlns:a="http://schemas.openxmlformats.org/drawingml/2006/main" xmlns:r="http://schemas.openxmlformats.org/officeDocument/2006/relationships" xmlns:p="http://schemas.openxmlformats.org/presentationml/2006/main" xmlns:m="http://schemas.openxmlformats.org/officeDocument/2006/math" xmlns:a14="http://schemas.microsoft.com/office/drawing/2010/main" showMasterSp="1" showMasterPhAnim="1">
+  <p:cSld>
+    <p:spTree>
+      <p:nvGrpSpPr>
+        <p:cNvPr id="1" name=""/>
+        <p:cNvGrpSpPr/>
+        <p:nvPr/>
+      </p:nvGrpSpPr>
+      <p:grpSpPr>
+        <a:xfrm>
+          <a:off x="0" y="0"/>
+          <a:ext cx="0" cy="0"/>
+          <a:chOff x="0" y="0"/>
+          <a:chExt cx="0" cy="0"/>
+        </a:xfrm>
+      </p:grpSpPr>
+      <p:sp>
+        <p:nvSpPr>
+          <p:cNvPr id="222" name="Dettagli informazione"/>
+          <p:cNvSpPr txBox="1"/>
+          <p:nvPr>
+            <p:ph type="body" sz="quarter" idx="1"/>
+          </p:nvPr>
+        </p:nvSpPr>
+        <p:spPr>
+          <a:prstGeom prst="rect">
+            <a:avLst/>
+          </a:prstGeom>
+        </p:spPr>
+        <p:txBody>
+          <a:bodyPr/>
+          <a:lstStyle/>
+          <a:p>
+            <a:pPr/>
+          </a:p>
+        </p:txBody>
+      </p:sp>
+      <p:sp>
+        <p:nvSpPr>
+          <p:cNvPr id="223" name="Attribuzione"/>
+          <p:cNvSpPr txBox="1"/>
+          <p:nvPr>
+            <p:ph type="body" idx="21"/>
+          </p:nvPr>
+        </p:nvSpPr>
+        <p:spPr>
+          <a:prstGeom prst="rect">
+            <a:avLst/>
+          </a:prstGeom>
+        </p:spPr>
+        <p:txBody>
+          <a:bodyPr/>
+          <a:lstStyle/>
+          <a:p>
+            <a:pPr/>
+          </a:p>
+        </p:txBody>
+      </p:sp>
+    </p:spTree>
+  </p:cSld>
+  <p:clrMapOvr>
+    <a:masterClrMapping/>
+  </p:clrMapOvr>
+  <p:transition xmlns:p14="http://schemas.microsoft.com/office/powerpoint/2010/main" spd="med" advClick="1"/>
+</p:sld>
+</file>
+
+<file path=ppt/slides/slide21.xml><?xml version="1.0" encoding="utf-8"?>
+<p:sld xmlns:a="http://schemas.openxmlformats.org/drawingml/2006/main" xmlns:r="http://schemas.openxmlformats.org/officeDocument/2006/relationships" xmlns:p="http://schemas.openxmlformats.org/presentationml/2006/main" xmlns:m="http://schemas.openxmlformats.org/officeDocument/2006/math" xmlns:a14="http://schemas.microsoft.com/office/drawing/2010/main" showMasterSp="1" showMasterPhAnim="1">
+  <p:cSld>
+    <p:spTree>
+      <p:nvGrpSpPr>
+        <p:cNvPr id="1" name=""/>
+        <p:cNvGrpSpPr/>
+        <p:nvPr/>
+      </p:nvGrpSpPr>
+      <p:grpSpPr>
+        <a:xfrm>
+          <a:off x="0" y="0"/>
+          <a:ext cx="0" cy="0"/>
+          <a:chOff x="0" y="0"/>
+          <a:chExt cx="0" cy="0"/>
+        </a:xfrm>
+      </p:grpSpPr>
+      <p:pic>
+        <p:nvPicPr>
+          <p:cNvPr id="225" name="Picture Placeholder 1" descr="Picture Placeholder 1"/>
+          <p:cNvPicPr>
+            <a:picLocks noChangeAspect="1"/>
+          </p:cNvPicPr>
+          <p:nvPr>
+            <p:ph type="pic" idx="21"/>
+          </p:nvPr>
+        </p:nvPicPr>
+        <p:blipFill>
+          <a:blip r:embed="rId2">
+            <a:extLst/>
+          </a:blip>
+          <a:srcRect l="0" t="0" r="0" b="0"/>
+          <a:stretch>
+            <a:fillRect/>
+          </a:stretch>
+        </p:blipFill>
+        <p:spPr>
+          <a:prstGeom prst="rect">
+            <a:avLst/>
+          </a:prstGeom>
+        </p:spPr>
+      </p:pic>
+      <p:pic>
+        <p:nvPicPr>
+          <p:cNvPr id="226" name="Primo piano di una palette da trucco " descr="Primo piano di una palette da trucco "/>
+          <p:cNvPicPr>
+            <a:picLocks noChangeAspect="1"/>
+          </p:cNvPicPr>
+          <p:nvPr>
+            <p:ph type="pic" idx="22"/>
+          </p:nvPr>
+        </p:nvPicPr>
+        <p:blipFill>
+          <a:blip r:embed="rId2">
+            <a:extLst/>
+          </a:blip>
+          <a:stretch>
+            <a:fillRect/>
+          </a:stretch>
+        </p:blipFill>
+        <p:spPr>
+          <a:prstGeom prst="rect">
+            <a:avLst/>
+          </a:prstGeom>
+        </p:spPr>
+      </p:pic>
+      <p:pic>
+        <p:nvPicPr>
+          <p:cNvPr id="227" name="Primo piano con ombretti e ciprie polverizzati" descr="Primo piano con ombretti e ciprie polverizzati"/>
+          <p:cNvPicPr>
+            <a:picLocks noChangeAspect="1"/>
+          </p:cNvPicPr>
+          <p:nvPr>
+            <p:ph type="pic" idx="23"/>
+          </p:nvPr>
+        </p:nvPicPr>
+        <p:blipFill>
+          <a:blip r:embed="rId2">
+            <a:extLst/>
+          </a:blip>
+          <a:stretch>
+            <a:fillRect/>
+          </a:stretch>
+        </p:blipFill>
+        <p:spPr>
+          <a:prstGeom prst="rect">
+            <a:avLst/>
+          </a:prstGeom>
+        </p:spPr>
+      </p:pic>
+    </p:spTree>
+  </p:cSld>
+  <p:clrMapOvr>
+    <a:masterClrMapping/>
+  </p:clrMapOvr>
+  <p:transition xmlns:p14="http://schemas.microsoft.com/office/powerpoint/2010/main" spd="med" advClick="1"/>
+</p:sld>
+</file>
+
+<file path=ppt/slides/slide22.xml><?xml version="1.0" encoding="utf-8"?>
+<p:sld xmlns:a="http://schemas.openxmlformats.org/drawingml/2006/main" xmlns:r="http://schemas.openxmlformats.org/officeDocument/2006/relationships" xmlns:p="http://schemas.openxmlformats.org/presentationml/2006/main" xmlns:m="http://schemas.openxmlformats.org/officeDocument/2006/math" xmlns:a14="http://schemas.microsoft.com/office/drawing/2010/main" showMasterSp="1" showMasterPhAnim="1">
+  <p:cSld>
+    <p:spTree>
+      <p:nvGrpSpPr>
+        <p:cNvPr id="1" name=""/>
+        <p:cNvGrpSpPr/>
+        <p:nvPr/>
+      </p:nvGrpSpPr>
+      <p:grpSpPr>
+        <a:xfrm>
+          <a:off x="0" y="0"/>
+          <a:ext cx="0" cy="0"/>
+          <a:chOff x="0" y="0"/>
+          <a:chExt cx="0" cy="0"/>
+        </a:xfrm>
+      </p:grpSpPr>
+      <p:pic>
+        <p:nvPicPr>
+          <p:cNvPr id="229" name="Rossetti di vari colori disposti in file" descr="Rossetti di vari colori disposti in file"/>
+          <p:cNvPicPr>
+            <a:picLocks noChangeAspect="1"/>
+          </p:cNvPicPr>
+          <p:nvPr>
+            <p:ph type="pic" idx="21"/>
+          </p:nvPr>
+        </p:nvPicPr>
+        <p:blipFill>
+          <a:blip r:embed="rId2">
+            <a:extLst/>
+          </a:blip>
+          <a:stretch>
+            <a:fillRect/>
+          </a:stretch>
+        </p:blipFill>
+        <p:spPr>
+          <a:prstGeom prst="rect">
+            <a:avLst/>
+          </a:prstGeom>
+        </p:spPr>
+      </p:pic>
+    </p:spTree>
+  </p:cSld>
+  <p:clrMapOvr>
+    <a:masterClrMapping/>
+  </p:clrMapOvr>
+  <p:transition xmlns:p14="http://schemas.microsoft.com/office/powerpoint/2010/main" spd="med" advClick="1"/>
+</p:sld>
+</file>
+
+<file path=ppt/slides/slide23.xml><?xml version="1.0" encoding="utf-8"?>
+<p:sld xmlns:a="http://schemas.openxmlformats.org/drawingml/2006/main" xmlns:r="http://schemas.openxmlformats.org/officeDocument/2006/relationships" xmlns:p="http://schemas.openxmlformats.org/presentationml/2006/main" xmlns:m="http://schemas.openxmlformats.org/officeDocument/2006/math" xmlns:a14="http://schemas.microsoft.com/office/drawing/2010/main" showMasterSp="1" showMasterPhAnim="1">
+  <p:cSld>
+    <p:spTree>
+      <p:nvGrpSpPr>
+        <p:cNvPr id="1" name=""/>
+        <p:cNvGrpSpPr/>
+        <p:nvPr/>
+      </p:nvGrpSpPr>
+      <p:grpSpPr>
+        <a:xfrm>
+          <a:off x="0" y="0"/>
+          <a:ext cx="0" cy="0"/>
+          <a:chOff x="0" y="0"/>
+          <a:chExt cx="0" cy="0"/>
+        </a:xfrm>
+      </p:grpSpPr>
+    </p:spTree>
+  </p:cSld>
+  <p:clrMapOvr>
+    <a:masterClrMapping/>
+  </p:clrMapOvr>
+  <p:transition xmlns:p14="http://schemas.microsoft.com/office/powerpoint/2010/main" spd="med" advClick="1"/>
+</p:sld>
+</file>
+
+<file path=ppt/slides/slide3.xml><?xml version="1.0" encoding="utf-8"?>
+<p:sld xmlns:a="http://schemas.openxmlformats.org/drawingml/2006/main" xmlns:r="http://schemas.openxmlformats.org/officeDocument/2006/relationships" xmlns:p="http://schemas.openxmlformats.org/presentationml/2006/main" xmlns:m="http://schemas.openxmlformats.org/officeDocument/2006/math" xmlns:a14="http://schemas.microsoft.com/office/drawing/2010/main" showMasterSp="1" showMasterPhAnim="1">
+  <p:cSld>
+    <p:spTree>
+      <p:nvGrpSpPr>
+        <p:cNvPr id="1" name=""/>
+        <p:cNvGrpSpPr/>
+        <p:nvPr/>
+      </p:nvGrpSpPr>
+      <p:grpSpPr>
+        <a:xfrm>
+          <a:off x="0" y="0"/>
+          <a:ext cx="0" cy="0"/>
+          <a:chOff x="0" y="0"/>
+          <a:chExt cx="0" cy="0"/>
+        </a:xfrm>
+      </p:grpSpPr>
+      <p:sp>
+        <p:nvSpPr>
+          <p:cNvPr id="166" name="Dettagli informazione"/>
+          <p:cNvSpPr txBox="1"/>
+          <p:nvPr>
+            <p:ph type="body" sz="half" idx="1"/>
+          </p:nvPr>
+        </p:nvSpPr>
+        <p:spPr>
+          <a:xfrm>
+            <a:off x="2057400" y="8113448"/>
+            <a:ext cx="20269200" cy="4025543"/>
+          </a:xfrm>
+          <a:prstGeom prst="rect">
+            <a:avLst/>
+          </a:prstGeom>
+        </p:spPr>
+        <p:txBody>
+          <a:bodyPr/>
+          <a:lstStyle/>
+          <a:p>
+            <a:pPr>
+              <a:lnSpc>
+                <a:spcPct val="72000"/>
+              </a:lnSpc>
+              <a:defRPr sz="3600"/>
+            </a:pPr>
+            <a:r>
+              <a:t>Cos’è Lorem Ipsum?</a:t>
+            </a:r>
+          </a:p>
+          <a:p>
+            <a:pPr>
+              <a:lnSpc>
+                <a:spcPct val="72000"/>
+              </a:lnSpc>
+              <a:defRPr sz="3600"/>
+            </a:pPr>
+            <a:r>
+              <a:t>Lorem Ipsum è un testo segnaposto utilizzato nel settore della tipografia e della stampa. Lorem Ipsum è considerato il testo segnaposto standard sin dal sedicesimo secolo, quando un anonimo tipografo prese una cassetta di caratteri e li assemblò per preparare un testo campione. È sopravvissuto non solo a più di cinque secoli, ma anche al passaggio alla videoimpaginazione, pervenendoci sostanzialmente inalterato. Fu reso popolare, negli anni ’60, con la diffusione dei fogli di caratteri trasferibili “Letraset”, che contenevano passaggi del Lorem Ipsum, e più recentemente da software di impaginazione come Aldus PageMaker, che includeva versioni del Lorem Ipsum.</a:t>
+            </a:r>
+          </a:p>
+        </p:txBody>
+      </p:sp>
+      <p:sp>
+        <p:nvSpPr>
+          <p:cNvPr id="167" name="100%"/>
+          <p:cNvSpPr txBox="1"/>
+          <p:nvPr>
+            <p:ph type="body" idx="21"/>
+          </p:nvPr>
+        </p:nvSpPr>
+        <p:spPr>
+          <a:prstGeom prst="rect">
+            <a:avLst/>
+          </a:prstGeom>
+        </p:spPr>
+        <p:txBody>
+          <a:bodyPr/>
+          <a:lstStyle/>
+          <a:p>
+            <a:pPr defTabSz="965582">
+              <a:lnSpc>
+                <a:spcPct val="80000"/>
+              </a:lnSpc>
+              <a:defRPr b="0" spc="-197" sz="9880">
+                <a:latin typeface="Canela Bold"/>
+                <a:ea typeface="Canela Bold"/>
+                <a:cs typeface="Canela Bold"/>
+                <a:sym typeface="Canela Bold"/>
+              </a:defRPr>
+            </a:pPr>
+          </a:p>
+        </p:txBody>
+      </p:sp>
+    </p:spTree>
+  </p:cSld>
+  <p:clrMapOvr>
+    <a:masterClrMapping/>
+  </p:clrMapOvr>
+  <p:transition xmlns:p14="http://schemas.microsoft.com/office/powerpoint/2010/main" spd="med" advClick="1"/>
+</p:sld>
+</file>
+
+<file path=ppt/slides/slide4.xml><?xml version="1.0" encoding="utf-8"?>
+<p:sld xmlns:a="http://schemas.openxmlformats.org/drawingml/2006/main" xmlns:r="http://schemas.openxmlformats.org/officeDocument/2006/relationships" xmlns:p="http://schemas.openxmlformats.org/presentationml/2006/main" xmlns:m="http://schemas.openxmlformats.org/officeDocument/2006/math" xmlns:a14="http://schemas.microsoft.com/office/drawing/2010/main" showMasterSp="1" showMasterPhAnim="1">
+  <p:cSld>
+    <p:spTree>
+      <p:nvGrpSpPr>
+        <p:cNvPr id="1" name=""/>
+        <p:cNvGrpSpPr/>
+        <p:nvPr/>
+      </p:nvGrpSpPr>
+      <p:grpSpPr>
+        <a:xfrm>
+          <a:off x="0" y="0"/>
+          <a:ext cx="0" cy="0"/>
+          <a:chOff x="0" y="0"/>
+          <a:chExt cx="0" cy="0"/>
+        </a:xfrm>
+      </p:grpSpPr>
+      <p:sp>
+        <p:nvSpPr>
+          <p:cNvPr id="169" name="Argomenti del programma"/>
+          <p:cNvSpPr txBox="1"/>
+          <p:nvPr>
+            <p:ph type="body" sz="quarter" idx="1"/>
+          </p:nvPr>
+        </p:nvSpPr>
+        <p:spPr>
+          <a:xfrm>
+            <a:off x="13496599" y="4331487"/>
+            <a:ext cx="9049077" cy="5492986"/>
+          </a:xfrm>
+          <a:prstGeom prst="rect">
+            <a:avLst/>
+          </a:prstGeom>
+        </p:spPr>
+        <p:txBody>
+          <a:bodyPr/>
+          <a:lstStyle/>
+          <a:p>
+            <a:pPr/>
+          </a:p>
+        </p:txBody>
+      </p:sp>
+      <p:sp>
+        <p:nvSpPr>
+          <p:cNvPr id="170" name="Titolo programma"/>
+          <p:cNvSpPr txBox="1"/>
+          <p:nvPr>
+            <p:ph type="title"/>
+          </p:nvPr>
+        </p:nvSpPr>
+        <p:spPr>
+          <a:xfrm>
+            <a:off x="1676400" y="5865317"/>
+            <a:ext cx="9829800" cy="1733019"/>
+          </a:xfrm>
+          <a:prstGeom prst="rect">
+            <a:avLst/>
+          </a:prstGeom>
+        </p:spPr>
+        <p:txBody>
+          <a:bodyPr/>
+          <a:lstStyle/>
+          <a:p>
+            <a:pPr/>
+            <a:r>
+              <a:t>ffrewipdk</a:t>
+            </a:r>
+          </a:p>
+        </p:txBody>
+      </p:sp>
+    </p:spTree>
+  </p:cSld>
+  <p:clrMapOvr>
+    <a:masterClrMapping/>
+  </p:clrMapOvr>
+  <p:transition xmlns:p14="http://schemas.microsoft.com/office/powerpoint/2010/main" spd="med" advClick="1"/>
 </p:sld>
 </file>
 
 <file path=ppt/slides/slide5.xml><?xml version="1.0" encoding="utf-8"?>
-<p:sld xmlns:a="http://schemas.openxmlformats.org/drawingml/2006/main" xmlns:r="http://schemas.openxmlformats.org/officeDocument/2006/relationships" xmlns:p="http://schemas.openxmlformats.org/presentationml/2006/main">
+<p:sld xmlns:a="http://schemas.openxmlformats.org/drawingml/2006/main" xmlns:r="http://schemas.openxmlformats.org/officeDocument/2006/relationships" xmlns:p="http://schemas.openxmlformats.org/presentationml/2006/main" xmlns:m="http://schemas.openxmlformats.org/officeDocument/2006/math" xmlns:a14="http://schemas.microsoft.com/office/drawing/2010/main" showMasterSp="1" showMasterPhAnim="1">
   <p:cSld>
     <p:spTree>
       <p:nvGrpSpPr>
@@ -5016,15 +5545,17 @@
         <p:nvPicPr>
           <p:cNvPr id="172" name="Diversi prodotto per il trucco su uno sfondo rosa" descr="Diversi prodotto per il trucco su uno sfondo rosa"/>
           <p:cNvPicPr>
-            <a:picLocks noGrp="1" noChangeAspect="1"/>
+            <a:picLocks noChangeAspect="1"/>
           </p:cNvPicPr>
           <p:nvPr>
             <p:ph type="pic" idx="21"/>
           </p:nvPr>
         </p:nvPicPr>
         <p:blipFill>
-          <a:blip r:embed="rId2"/>
-          <a:srcRect l="3996" t="20715" r="4943" b="15735"/>
+          <a:blip r:embed="rId2">
+            <a:extLst/>
+          </a:blip>
+          <a:srcRect l="3996" t="20715" r="4943" b="15734"/>
           <a:stretch>
             <a:fillRect/>
           </a:stretch>
@@ -5032,7 +5563,7 @@
         <p:spPr>
           <a:xfrm>
             <a:off x="12192000" y="2084536"/>
-            <a:ext cx="11190189" cy="9546927"/>
+            <a:ext cx="11190189" cy="9546928"/>
           </a:xfrm>
           <a:prstGeom prst="rect">
             <a:avLst/>
@@ -5042,14 +5573,16 @@
       <p:sp>
         <p:nvSpPr>
           <p:cNvPr id="173" name="Sottotitolo diapositiva"/>
-          <p:cNvSpPr txBox="1">
-            <a:spLocks noGrp="1"/>
-          </p:cNvSpPr>
-          <p:nvPr>
-            <p:ph type="body" sz="quarter" idx="22"/>
-          </p:nvPr>
-        </p:nvSpPr>
-        <p:spPr>
+          <p:cNvSpPr txBox="1"/>
+          <p:nvPr>
+            <p:ph type="body" sz="quarter" idx="1"/>
+          </p:nvPr>
+        </p:nvSpPr>
+        <p:spPr>
+          <a:xfrm>
+            <a:off x="1802036" y="4375086"/>
+            <a:ext cx="9603927" cy="845949"/>
+          </a:xfrm>
           <a:prstGeom prst="rect">
             <a:avLst/>
           </a:prstGeom>
@@ -5058,21 +5591,23 @@
           <a:bodyPr/>
           <a:lstStyle/>
           <a:p>
-            <a:endParaRPr/>
+            <a:pPr/>
           </a:p>
         </p:txBody>
       </p:sp>
       <p:sp>
         <p:nvSpPr>
           <p:cNvPr id="174" name="Titolo"/>
-          <p:cNvSpPr txBox="1">
-            <a:spLocks noGrp="1"/>
-          </p:cNvSpPr>
+          <p:cNvSpPr txBox="1"/>
           <p:nvPr>
             <p:ph type="title"/>
           </p:nvPr>
         </p:nvSpPr>
         <p:spPr>
+          <a:xfrm>
+            <a:off x="1802059" y="1640060"/>
+            <a:ext cx="9601349" cy="2798380"/>
+          </a:xfrm>
           <a:prstGeom prst="rect">
             <a:avLst/>
           </a:prstGeom>
@@ -5081,18 +5616,16 @@
           <a:bodyPr/>
           <a:lstStyle/>
           <a:p>
-            <a:endParaRPr/>
+            <a:pPr/>
           </a:p>
         </p:txBody>
       </p:sp>
       <p:sp>
         <p:nvSpPr>
           <p:cNvPr id="175" name="Testo elenco puntato diapositiva"/>
-          <p:cNvSpPr txBox="1">
-            <a:spLocks noGrp="1"/>
-          </p:cNvSpPr>
-          <p:nvPr>
-            <p:ph type="body" sz="quarter" idx="1"/>
+          <p:cNvSpPr txBox="1"/>
+          <p:nvPr>
+            <p:ph type="body" idx="22"/>
           </p:nvPr>
         </p:nvSpPr>
         <p:spPr>
@@ -5104,7 +5637,7 @@
           <a:bodyPr/>
           <a:lstStyle/>
           <a:p>
-            <a:endParaRPr/>
+            <a:pPr/>
           </a:p>
         </p:txBody>
       </p:sp>
@@ -5113,12 +5646,12 @@
   <p:clrMapOvr>
     <a:masterClrMapping/>
   </p:clrMapOvr>
-  <p:transition spd="med"/>
+  <p:transition xmlns:p14="http://schemas.microsoft.com/office/powerpoint/2010/main" spd="med" advClick="1"/>
 </p:sld>
 </file>
 
 <file path=ppt/slides/slide6.xml><?xml version="1.0" encoding="utf-8"?>
-<p:sld xmlns:a="http://schemas.openxmlformats.org/drawingml/2006/main" xmlns:r="http://schemas.openxmlformats.org/officeDocument/2006/relationships" xmlns:p="http://schemas.openxmlformats.org/presentationml/2006/main">
+<p:sld xmlns:a="http://schemas.openxmlformats.org/drawingml/2006/main" xmlns:r="http://schemas.openxmlformats.org/officeDocument/2006/relationships" xmlns:p="http://schemas.openxmlformats.org/presentationml/2006/main" xmlns:m="http://schemas.openxmlformats.org/officeDocument/2006/math" xmlns:a14="http://schemas.microsoft.com/office/drawing/2010/main" showMasterSp="1" showMasterPhAnim="1">
   <p:cSld>
     <p:spTree>
       <p:nvGrpSpPr>
@@ -5137,152 +5670,43 @@
       <p:sp>
         <p:nvSpPr>
           <p:cNvPr id="177" name="Sottotitolo diapositiva"/>
-          <p:cNvSpPr txBox="1">
-            <a:spLocks noGrp="1"/>
-          </p:cNvSpPr>
-          <p:nvPr>
-            <p:ph type="body" sz="quarter" idx="21"/>
-          </p:nvPr>
-        </p:nvSpPr>
-        <p:spPr>
-          <a:xfrm>
-            <a:off x="2057400" y="3232086"/>
-            <a:ext cx="20269200" cy="6826314"/>
-          </a:xfrm>
-          <a:prstGeom prst="rect">
-            <a:avLst/>
-          </a:prstGeom>
-        </p:spPr>
-        <p:txBody>
-          <a:bodyPr>
-            <a:normAutofit/>
-          </a:bodyPr>
-          <a:lstStyle/>
-          <a:p>
-            <a:r>
-              <a:rPr lang="it-IT" b="1" dirty="0"/>
-              <a:t>Cos’è </a:t>
-            </a:r>
-            <a:r>
-              <a:rPr lang="it-IT" b="1" dirty="0" err="1"/>
-              <a:t>Lorem</a:t>
-            </a:r>
-            <a:r>
-              <a:rPr lang="it-IT" b="1" dirty="0"/>
-              <a:t> </a:t>
-            </a:r>
-            <a:r>
-              <a:rPr lang="it-IT" b="1" dirty="0" err="1"/>
-              <a:t>Ipsum</a:t>
-            </a:r>
-            <a:r>
-              <a:rPr lang="it-IT" b="1" dirty="0"/>
-              <a:t>?</a:t>
-            </a:r>
-          </a:p>
-          <a:p>
-            <a:r>
-              <a:rPr lang="it-IT" b="1" dirty="0" err="1"/>
-              <a:t>Lorem</a:t>
-            </a:r>
-            <a:r>
-              <a:rPr lang="it-IT" b="1" dirty="0"/>
-              <a:t> </a:t>
-            </a:r>
-            <a:r>
-              <a:rPr lang="it-IT" b="1" dirty="0" err="1"/>
-              <a:t>Ipsum</a:t>
-            </a:r>
-            <a:r>
-              <a:rPr lang="it-IT" dirty="0"/>
-              <a:t> è un testo segnaposto utilizzato nel settore della tipografia e della stampa. </a:t>
-            </a:r>
-            <a:r>
-              <a:rPr lang="it-IT" dirty="0" err="1"/>
-              <a:t>Lorem</a:t>
-            </a:r>
-            <a:r>
-              <a:rPr lang="it-IT" dirty="0"/>
-              <a:t> </a:t>
-            </a:r>
-            <a:r>
-              <a:rPr lang="it-IT" dirty="0" err="1"/>
-              <a:t>Ipsum</a:t>
-            </a:r>
-            <a:r>
-              <a:rPr lang="it-IT" dirty="0"/>
-              <a:t> è considerato il testo segnaposto standard sin dal sedicesimo secolo, quando un anonimo tipografo prese una cassetta di caratteri e li assemblò per preparare un testo campione. È sopravvissuto non solo a più di cinque secoli, ma anche al passaggio alla videoimpaginazione, pervenendoci sostanzialmente inalterato. Fu reso popolare, negli anni ’60, con la diffusione dei fogli di caratteri trasferibili “</a:t>
-            </a:r>
-            <a:r>
-              <a:rPr lang="it-IT" dirty="0" err="1"/>
-              <a:t>Letraset</a:t>
-            </a:r>
-            <a:r>
-              <a:rPr lang="it-IT" dirty="0"/>
-              <a:t>”, che contenevano passaggi del </a:t>
-            </a:r>
-            <a:r>
-              <a:rPr lang="it-IT" dirty="0" err="1"/>
-              <a:t>Lorem</a:t>
-            </a:r>
-            <a:r>
-              <a:rPr lang="it-IT" dirty="0"/>
-              <a:t> </a:t>
-            </a:r>
-            <a:r>
-              <a:rPr lang="it-IT" dirty="0" err="1"/>
-              <a:t>Ipsum</a:t>
-            </a:r>
-            <a:r>
-              <a:rPr lang="it-IT" dirty="0"/>
-              <a:t>, e più recentemente da software di impaginazione come </a:t>
-            </a:r>
-            <a:r>
-              <a:rPr lang="it-IT" dirty="0" err="1"/>
-              <a:t>Aldus</a:t>
-            </a:r>
-            <a:r>
-              <a:rPr lang="it-IT" dirty="0"/>
-              <a:t> </a:t>
-            </a:r>
-            <a:r>
-              <a:rPr lang="it-IT" dirty="0" err="1"/>
-              <a:t>PageMaker</a:t>
-            </a:r>
-            <a:r>
-              <a:rPr lang="it-IT" dirty="0"/>
-              <a:t>, che includeva versioni del </a:t>
-            </a:r>
-            <a:r>
-              <a:rPr lang="it-IT" dirty="0" err="1"/>
-              <a:t>Lorem</a:t>
-            </a:r>
-            <a:r>
-              <a:rPr lang="it-IT" dirty="0"/>
-              <a:t> </a:t>
-            </a:r>
-            <a:r>
-              <a:rPr lang="it-IT" dirty="0" err="1"/>
-              <a:t>Ipsum</a:t>
-            </a:r>
-            <a:r>
-              <a:rPr lang="it-IT" dirty="0"/>
-              <a:t>.</a:t>
-            </a:r>
-          </a:p>
-          <a:p>
-            <a:endParaRPr dirty="0"/>
+          <p:cNvSpPr txBox="1"/>
+          <p:nvPr>
+            <p:ph type="subTitle" sz="quarter" idx="1"/>
+          </p:nvPr>
+        </p:nvSpPr>
+        <p:spPr>
+          <a:prstGeom prst="rect">
+            <a:avLst/>
+          </a:prstGeom>
+        </p:spPr>
+        <p:txBody>
+          <a:bodyPr/>
+          <a:lstStyle/>
+          <a:p>
+            <a:pPr defTabSz="330200">
+              <a:defRPr sz="1560"/>
+            </a:pPr>
+            <a:r>
+              <a:t>Cos’è Lorem Ipsum?</a:t>
+            </a:r>
+          </a:p>
+          <a:p>
+            <a:pPr defTabSz="330200">
+              <a:defRPr sz="1560"/>
+            </a:pPr>
+            <a:r>
+              <a:t>Lorem Ipsum è un testo segnaposto utilizzato nel settore della tipografia e della stampa. Lorem Ipsum è considerato il testo segnaposto standard sin dal sedicesimo secolo, quando un anonimo tipografo prese una cassetta di caratteri e li assemblò per preparare un testo campione. È sopravvissuto non solo a più di cinque secoli, ma anche al passaggio alla videoimpaginazione, pervenendoci sostanzialmente inalterato. Fu reso popolare, negli anni ’60, con la diffusione dei fogli di caratteri trasferibili “Letraset”, che contenevano passaggi del Lorem Ipsum, e più recentemente da software di impaginazione come Aldus PageMaker, che includeva versioni del Lorem Ipsum.</a:t>
+            </a:r>
           </a:p>
         </p:txBody>
       </p:sp>
       <p:sp>
         <p:nvSpPr>
           <p:cNvPr id="178" name="Titolo"/>
-          <p:cNvSpPr txBox="1">
-            <a:spLocks noGrp="1"/>
-          </p:cNvSpPr>
-          <p:nvPr>
-            <p:ph type="title"/>
+          <p:cNvSpPr txBox="1"/>
+          <p:nvPr>
+            <p:ph type="ctrTitle"/>
           </p:nvPr>
         </p:nvSpPr>
         <p:spPr>
@@ -5294,19 +5718,10 @@
           <a:bodyPr/>
           <a:lstStyle/>
           <a:p>
-            <a:r>
-              <a:rPr lang="it-IT" dirty="0" err="1"/>
-              <a:t>Lorem</a:t>
-            </a:r>
-            <a:r>
-              <a:rPr lang="it-IT" dirty="0"/>
-              <a:t> </a:t>
-            </a:r>
-            <a:r>
-              <a:rPr lang="it-IT" dirty="0" err="1"/>
-              <a:t>ipsum</a:t>
-            </a:r>
-            <a:endParaRPr dirty="0"/>
+            <a:pPr/>
+            <a:r>
+              <a:t>Lorem ipsum</a:t>
+            </a:r>
           </a:p>
         </p:txBody>
       </p:sp>
@@ -5315,12 +5730,59 @@
   <p:clrMapOvr>
     <a:masterClrMapping/>
   </p:clrMapOvr>
-  <p:transition spd="med"/>
+  <p:transition xmlns:p14="http://schemas.microsoft.com/office/powerpoint/2010/main" spd="med" advClick="1"/>
 </p:sld>
 </file>
 
 <file path=ppt/slides/slide7.xml><?xml version="1.0" encoding="utf-8"?>
-<p:sld xmlns:a="http://schemas.openxmlformats.org/drawingml/2006/main" xmlns:r="http://schemas.openxmlformats.org/officeDocument/2006/relationships" xmlns:p="http://schemas.openxmlformats.org/presentationml/2006/main">
+<p:sld xmlns:a="http://schemas.openxmlformats.org/drawingml/2006/main" xmlns:r="http://schemas.openxmlformats.org/officeDocument/2006/relationships" xmlns:p="http://schemas.openxmlformats.org/presentationml/2006/main" xmlns:m="http://schemas.openxmlformats.org/officeDocument/2006/math" xmlns:a14="http://schemas.microsoft.com/office/drawing/2010/main" showMasterSp="1" showMasterPhAnim="1">
+  <p:cSld>
+    <p:spTree>
+      <p:nvGrpSpPr>
+        <p:cNvPr id="1" name=""/>
+        <p:cNvGrpSpPr/>
+        <p:nvPr/>
+      </p:nvGrpSpPr>
+      <p:grpSpPr>
+        <a:xfrm>
+          <a:off x="0" y="0"/>
+          <a:ext cx="0" cy="0"/>
+          <a:chOff x="0" y="0"/>
+          <a:chExt cx="0" cy="0"/>
+        </a:xfrm>
+      </p:grpSpPr>
+      <p:sp>
+        <p:nvSpPr>
+          <p:cNvPr id="180" name="Testo elenco puntato diapositiva"/>
+          <p:cNvSpPr txBox="1"/>
+          <p:nvPr>
+            <p:ph type="body" idx="1"/>
+          </p:nvPr>
+        </p:nvSpPr>
+        <p:spPr>
+          <a:prstGeom prst="rect">
+            <a:avLst/>
+          </a:prstGeom>
+        </p:spPr>
+        <p:txBody>
+          <a:bodyPr/>
+          <a:lstStyle/>
+          <a:p>
+            <a:pPr/>
+          </a:p>
+        </p:txBody>
+      </p:sp>
+    </p:spTree>
+  </p:cSld>
+  <p:clrMapOvr>
+    <a:masterClrMapping/>
+  </p:clrMapOvr>
+  <p:transition xmlns:p14="http://schemas.microsoft.com/office/powerpoint/2010/main" spd="med" advClick="1"/>
+</p:sld>
+</file>
+
+<file path=ppt/slides/slide8.xml><?xml version="1.0" encoding="utf-8"?>
+<p:sld xmlns:a="http://schemas.openxmlformats.org/drawingml/2006/main" xmlns:r="http://schemas.openxmlformats.org/officeDocument/2006/relationships" xmlns:p="http://schemas.openxmlformats.org/presentationml/2006/main" xmlns:m="http://schemas.openxmlformats.org/officeDocument/2006/math" xmlns:a14="http://schemas.microsoft.com/office/drawing/2010/main" showMasterSp="1" showMasterPhAnim="1">
   <p:cSld>
     <p:spTree>
       <p:nvGrpSpPr>
@@ -5338,17 +5800,18 @@
       </p:grpSpPr>
       <p:pic>
         <p:nvPicPr>
-          <p:cNvPr id="180" name="Trucco polverizzato di diversi colori su sfondo grigio" descr="Trucco polverizzato di diversi colori su sfondo grigio"/>
+          <p:cNvPr id="182" name="Trucco polverizzato di diversi colori su sfondo grigio" descr="Trucco polverizzato di diversi colori su sfondo grigio"/>
           <p:cNvPicPr>
-            <a:picLocks noGrp="1" noChangeAspect="1"/>
+            <a:picLocks noChangeAspect="1"/>
           </p:cNvPicPr>
           <p:nvPr>
             <p:ph type="pic" idx="21"/>
           </p:nvPr>
         </p:nvPicPr>
         <p:blipFill>
-          <a:blip r:embed="rId2"/>
-          <a:srcRect/>
+          <a:blip r:embed="rId2">
+            <a:extLst/>
+          </a:blip>
           <a:stretch>
             <a:fillRect/>
           </a:stretch>
@@ -5361,12 +5824,10 @@
       </p:pic>
       <p:sp>
         <p:nvSpPr>
-          <p:cNvPr id="181" name="Autore e data"/>
-          <p:cNvSpPr txBox="1">
-            <a:spLocks noGrp="1"/>
-          </p:cNvSpPr>
-          <p:nvPr>
-            <p:ph type="body" sz="quarter" idx="22"/>
+          <p:cNvPr id="183" name="Autore e data"/>
+          <p:cNvSpPr txBox="1"/>
+          <p:nvPr>
+            <p:ph type="body" sz="quarter" idx="1"/>
           </p:nvPr>
         </p:nvSpPr>
         <p:spPr>
@@ -5378,16 +5839,14 @@
           <a:bodyPr/>
           <a:lstStyle/>
           <a:p>
-            <a:endParaRPr/>
-          </a:p>
-        </p:txBody>
-      </p:sp>
-      <p:sp>
-        <p:nvSpPr>
-          <p:cNvPr id="182" name="Titolo"/>
-          <p:cNvSpPr txBox="1">
-            <a:spLocks noGrp="1"/>
-          </p:cNvSpPr>
+            <a:pPr/>
+          </a:p>
+        </p:txBody>
+      </p:sp>
+      <p:sp>
+        <p:nvSpPr>
+          <p:cNvPr id="184" name="Titolo"/>
+          <p:cNvSpPr txBox="1"/>
           <p:nvPr>
             <p:ph type="title"/>
           </p:nvPr>
@@ -5401,11 +5860,7 @@
           <a:bodyPr/>
           <a:lstStyle/>
           <a:p>
-            <a:r>
-              <a:rPr lang="it-IT" dirty="0"/>
-              <a:t>eccomi</a:t>
-            </a:r>
-            <a:endParaRPr dirty="0"/>
+            <a:pPr/>
           </a:p>
         </p:txBody>
       </p:sp>
@@ -5414,12 +5869,12 @@
   <p:clrMapOvr>
     <a:masterClrMapping/>
   </p:clrMapOvr>
-  <p:transition spd="med"/>
+  <p:transition xmlns:p14="http://schemas.microsoft.com/office/powerpoint/2010/main" spd="med" advClick="1"/>
 </p:sld>
 </file>
 
-<file path=ppt/slides/slide8.xml><?xml version="1.0" encoding="utf-8"?>
-<p:sld xmlns:a="http://schemas.openxmlformats.org/drawingml/2006/main" xmlns:r="http://schemas.openxmlformats.org/officeDocument/2006/relationships" xmlns:p="http://schemas.openxmlformats.org/presentationml/2006/main">
+<file path=ppt/slides/slide9.xml><?xml version="1.0" encoding="utf-8"?>
+<p:sld xmlns:a="http://schemas.openxmlformats.org/drawingml/2006/main" xmlns:r="http://schemas.openxmlformats.org/officeDocument/2006/relationships" xmlns:p="http://schemas.openxmlformats.org/presentationml/2006/main" xmlns:m="http://schemas.openxmlformats.org/officeDocument/2006/math" xmlns:a14="http://schemas.microsoft.com/office/drawing/2010/main" showMasterSp="1" showMasterPhAnim="1">
   <p:cSld>
     <p:spTree>
       <p:nvGrpSpPr>
@@ -5435,12 +5890,55 @@
           <a:chExt cx="0" cy="0"/>
         </a:xfrm>
       </p:grpSpPr>
-      <p:sp>
-        <p:nvSpPr>
-          <p:cNvPr id="184" name="Titolo sezione"/>
-          <p:cNvSpPr txBox="1">
-            <a:spLocks noGrp="1"/>
-          </p:cNvSpPr>
+      <p:pic>
+        <p:nvPicPr>
+          <p:cNvPr id="186" name="Otto rossetti di diversi colori ridotti in pezzi su sfondo nero" descr="Otto rossetti di diversi colori ridotti in pezzi su sfondo nero"/>
+          <p:cNvPicPr>
+            <a:picLocks noChangeAspect="1"/>
+          </p:cNvPicPr>
+          <p:nvPr>
+            <p:ph type="pic" idx="21"/>
+          </p:nvPr>
+        </p:nvPicPr>
+        <p:blipFill>
+          <a:blip r:embed="rId2">
+            <a:extLst/>
+          </a:blip>
+          <a:stretch>
+            <a:fillRect/>
+          </a:stretch>
+        </p:blipFill>
+        <p:spPr>
+          <a:prstGeom prst="rect">
+            <a:avLst/>
+          </a:prstGeom>
+        </p:spPr>
+      </p:pic>
+      <p:sp>
+        <p:nvSpPr>
+          <p:cNvPr id="187" name="Autore e data"/>
+          <p:cNvSpPr txBox="1"/>
+          <p:nvPr>
+            <p:ph type="body" sz="quarter" idx="1"/>
+          </p:nvPr>
+        </p:nvSpPr>
+        <p:spPr>
+          <a:prstGeom prst="rect">
+            <a:avLst/>
+          </a:prstGeom>
+        </p:spPr>
+        <p:txBody>
+          <a:bodyPr/>
+          <a:lstStyle/>
+          <a:p>
+            <a:pPr/>
+          </a:p>
+        </p:txBody>
+      </p:sp>
+      <p:sp>
+        <p:nvSpPr>
+          <p:cNvPr id="188" name="Titolo presentazione"/>
+          <p:cNvSpPr txBox="1"/>
           <p:nvPr>
             <p:ph type="title"/>
           </p:nvPr>
@@ -5454,7 +5952,7 @@
           <a:bodyPr/>
           <a:lstStyle/>
           <a:p>
-            <a:endParaRPr/>
+            <a:pPr/>
           </a:p>
         </p:txBody>
       </p:sp>
@@ -5463,87 +5961,12 @@
   <p:clrMapOvr>
     <a:masterClrMapping/>
   </p:clrMapOvr>
-  <p:transition spd="med"/>
-</p:sld>
-</file>
-
-<file path=ppt/slides/slide9.xml><?xml version="1.0" encoding="utf-8"?>
-<p:sld xmlns:a="http://schemas.openxmlformats.org/drawingml/2006/main" xmlns:r="http://schemas.openxmlformats.org/officeDocument/2006/relationships" xmlns:p="http://schemas.openxmlformats.org/presentationml/2006/main">
-  <p:cSld>
-    <p:spTree>
-      <p:nvGrpSpPr>
-        <p:cNvPr id="1" name=""/>
-        <p:cNvGrpSpPr/>
-        <p:nvPr/>
-      </p:nvGrpSpPr>
-      <p:grpSpPr>
-        <a:xfrm>
-          <a:off x="0" y="0"/>
-          <a:ext cx="0" cy="0"/>
-          <a:chOff x="0" y="0"/>
-          <a:chExt cx="0" cy="0"/>
-        </a:xfrm>
-      </p:grpSpPr>
-      <p:sp>
-        <p:nvSpPr>
-          <p:cNvPr id="186" name="Dettagli informazione"/>
-          <p:cNvSpPr txBox="1">
-            <a:spLocks noGrp="1"/>
-          </p:cNvSpPr>
-          <p:nvPr>
-            <p:ph type="body" sz="quarter" idx="21"/>
-          </p:nvPr>
-        </p:nvSpPr>
-        <p:spPr>
-          <a:prstGeom prst="rect">
-            <a:avLst/>
-          </a:prstGeom>
-        </p:spPr>
-        <p:txBody>
-          <a:bodyPr/>
-          <a:lstStyle/>
-          <a:p>
-            <a:endParaRPr/>
-          </a:p>
-        </p:txBody>
-      </p:sp>
-      <p:sp>
-        <p:nvSpPr>
-          <p:cNvPr id="187" name="100%"/>
-          <p:cNvSpPr txBox="1">
-            <a:spLocks noGrp="1"/>
-          </p:cNvSpPr>
-          <p:nvPr>
-            <p:ph type="body" sz="half" idx="1"/>
-          </p:nvPr>
-        </p:nvSpPr>
-        <p:spPr>
-          <a:prstGeom prst="rect">
-            <a:avLst/>
-          </a:prstGeom>
-        </p:spPr>
-        <p:txBody>
-          <a:bodyPr/>
-          <a:lstStyle/>
-          <a:p>
-            <a:pPr defTabSz="2413955">
-              <a:defRPr sz="24750" spc="-494"/>
-            </a:pPr>
-            <a:endParaRPr/>
-          </a:p>
-        </p:txBody>
-      </p:sp>
-    </p:spTree>
-  </p:cSld>
-  <p:clrMapOvr>
-    <a:masterClrMapping/>
-  </p:clrMapOvr>
-  <p:transition spd="med"/>
+  <p:transition xmlns:p14="http://schemas.microsoft.com/office/powerpoint/2010/main" spd="med" advClick="1"/>
 </p:sld>
 </file>
 
 <file path=ppt/theme/theme1.xml><?xml version="1.0" encoding="utf-8"?>
-<a:theme xmlns:a="http://schemas.openxmlformats.org/drawingml/2006/main" name="29_Lookbook">
+<a:theme xmlns:a="http://schemas.openxmlformats.org/drawingml/2006/main" xmlns:r="http://schemas.openxmlformats.org/officeDocument/2006/relationships" name="29_Lookbook">
   <a:themeElements>
     <a:clrScheme name="29_Lookbook">
       <a:dk1>
@@ -5553,10 +5976,10 @@
         <a:srgbClr val="F6F7F2"/>
       </a:lt1>
       <a:dk2>
-        <a:srgbClr val="5E5E5E"/>
+        <a:srgbClr val="A7A7A7"/>
       </a:dk2>
       <a:lt2>
-        <a:srgbClr val="D5D5D5"/>
+        <a:srgbClr val="535353"/>
       </a:lt2>
       <a:accent1>
         <a:srgbClr val="B9CAD3"/>
@@ -5585,14 +6008,14 @@
     </a:clrScheme>
     <a:fontScheme name="29_Lookbook">
       <a:majorFont>
-        <a:latin typeface="Canela Bold"/>
-        <a:ea typeface="Canela Bold"/>
-        <a:cs typeface="Canela Bold"/>
+        <a:latin typeface="Helvetica Neue"/>
+        <a:ea typeface="Helvetica Neue"/>
+        <a:cs typeface="Helvetica Neue"/>
       </a:majorFont>
       <a:minorFont>
-        <a:latin typeface="Canela Bold"/>
-        <a:ea typeface="Canela Bold"/>
-        <a:cs typeface="Canela Bold"/>
+        <a:latin typeface="Helvetica"/>
+        <a:ea typeface="Helvetica"/>
+        <a:cs typeface="Helvetica"/>
       </a:minorFont>
     </a:fontScheme>
     <a:fmtScheme name="29_Lookbook">
@@ -5733,25 +6156,28 @@
     <a:spDef>
       <a:spPr>
         <a:solidFill>
-          <a:srgbClr val="000000"/>
+          <a:srgbClr val="F6F7F2"/>
         </a:solidFill>
-        <a:ln w="12700" cap="flat">
-          <a:noFill/>
-          <a:miter lim="400000"/>
+        <a:ln w="25400" cap="flat">
+          <a:solidFill>
+            <a:schemeClr val="accent1"/>
+          </a:solidFill>
+          <a:prstDash val="solid"/>
+          <a:round/>
         </a:ln>
         <a:effectLst/>
         <a:sp3d/>
       </a:spPr>
-      <a:bodyPr rot="0" spcFirstLastPara="1" vertOverflow="overflow" horzOverflow="overflow" vert="horz" wrap="square" lIns="50800" tIns="50800" rIns="50800" bIns="50800" numCol="1" spcCol="38100" rtlCol="0" anchor="ctr">
+      <a:bodyPr rot="0" spcFirstLastPara="1" vertOverflow="overflow" horzOverflow="overflow" vert="horz" wrap="square" lIns="50800" tIns="50800" rIns="50800" bIns="50800" numCol="1" spcCol="38100" rtlCol="0" anchor="ctr" upright="0">
         <a:spAutoFit/>
       </a:bodyPr>
       <a:lstStyle>
-        <a:defPPr marL="0" marR="0" indent="0" algn="ctr" defTabSz="415431" rtl="0" fontAlgn="auto" latinLnBrk="0" hangingPunct="0">
+        <a:defPPr marL="0" marR="0" indent="0" algn="ctr" defTabSz="355600" rtl="0" fontAlgn="auto" latinLnBrk="0" hangingPunct="0">
           <a:lnSpc>
-            <a:spcPct val="120000"/>
+            <a:spcPct val="90000"/>
           </a:lnSpc>
           <a:spcBef>
-            <a:spcPts val="0"/>
+            <a:spcPts val="4500"/>
           </a:spcBef>
           <a:spcAft>
             <a:spcPts val="0"/>
@@ -5761,19 +6187,19 @@
           <a:buFontTx/>
           <a:buNone/>
           <a:tabLst/>
-          <a:defRPr kumimoji="0" sz="3000" b="0" i="0" u="none" strike="noStrike" cap="none" spc="-59" normalizeH="0" baseline="0">
+          <a:defRPr b="0" baseline="0" cap="none" i="0" spc="0" strike="noStrike" sz="2900" u="none" kumimoji="0" normalizeH="0">
             <a:ln>
               <a:noFill/>
             </a:ln>
             <a:solidFill>
-              <a:srgbClr val="FFFFFF"/>
+              <a:srgbClr val="000000"/>
             </a:solidFill>
             <a:effectLst/>
             <a:uFillTx/>
-            <a:latin typeface="Canela Deck Bold"/>
-            <a:ea typeface="Canela Deck Bold"/>
-            <a:cs typeface="Canela Deck Bold"/>
-            <a:sym typeface="Canela Deck Bold"/>
+            <a:latin typeface="Canela Bold"/>
+            <a:ea typeface="Canela Bold"/>
+            <a:cs typeface="Canela Bold"/>
+            <a:sym typeface="Canela Bold"/>
           </a:defRPr>
         </a:defPPr>
         <a:lvl1pPr marL="0" marR="0" indent="0" algn="l" defTabSz="914400" rtl="0" fontAlgn="auto" latinLnBrk="1" hangingPunct="0">
@@ -5791,7 +6217,7 @@
           <a:buFontTx/>
           <a:buNone/>
           <a:tabLst/>
-          <a:defRPr kumimoji="0" sz="1800" b="0" i="0" u="none" strike="noStrike" cap="none" spc="0" normalizeH="0" baseline="0">
+          <a:defRPr b="0" baseline="0" cap="none" i="0" spc="0" strike="noStrike" sz="1800" u="none" kumimoji="0" normalizeH="0">
             <a:ln>
               <a:noFill/>
             </a:ln>
@@ -5817,7 +6243,7 @@
           <a:buFontTx/>
           <a:buNone/>
           <a:tabLst/>
-          <a:defRPr kumimoji="0" sz="1800" b="0" i="0" u="none" strike="noStrike" cap="none" spc="0" normalizeH="0" baseline="0">
+          <a:defRPr b="0" baseline="0" cap="none" i="0" spc="0" strike="noStrike" sz="1800" u="none" kumimoji="0" normalizeH="0">
             <a:ln>
               <a:noFill/>
             </a:ln>
@@ -5843,7 +6269,7 @@
           <a:buFontTx/>
           <a:buNone/>
           <a:tabLst/>
-          <a:defRPr kumimoji="0" sz="1800" b="0" i="0" u="none" strike="noStrike" cap="none" spc="0" normalizeH="0" baseline="0">
+          <a:defRPr b="0" baseline="0" cap="none" i="0" spc="0" strike="noStrike" sz="1800" u="none" kumimoji="0" normalizeH="0">
             <a:ln>
               <a:noFill/>
             </a:ln>
@@ -5869,7 +6295,7 @@
           <a:buFontTx/>
           <a:buNone/>
           <a:tabLst/>
-          <a:defRPr kumimoji="0" sz="1800" b="0" i="0" u="none" strike="noStrike" cap="none" spc="0" normalizeH="0" baseline="0">
+          <a:defRPr b="0" baseline="0" cap="none" i="0" spc="0" strike="noStrike" sz="1800" u="none" kumimoji="0" normalizeH="0">
             <a:ln>
               <a:noFill/>
             </a:ln>
@@ -5895,7 +6321,7 @@
           <a:buFontTx/>
           <a:buNone/>
           <a:tabLst/>
-          <a:defRPr kumimoji="0" sz="1800" b="0" i="0" u="none" strike="noStrike" cap="none" spc="0" normalizeH="0" baseline="0">
+          <a:defRPr b="0" baseline="0" cap="none" i="0" spc="0" strike="noStrike" sz="1800" u="none" kumimoji="0" normalizeH="0">
             <a:ln>
               <a:noFill/>
             </a:ln>
@@ -5921,7 +6347,7 @@
           <a:buFontTx/>
           <a:buNone/>
           <a:tabLst/>
-          <a:defRPr kumimoji="0" sz="1800" b="0" i="0" u="none" strike="noStrike" cap="none" spc="0" normalizeH="0" baseline="0">
+          <a:defRPr b="0" baseline="0" cap="none" i="0" spc="0" strike="noStrike" sz="1800" u="none" kumimoji="0" normalizeH="0">
             <a:ln>
               <a:noFill/>
             </a:ln>
@@ -5947,7 +6373,7 @@
           <a:buFontTx/>
           <a:buNone/>
           <a:tabLst/>
-          <a:defRPr kumimoji="0" sz="1800" b="0" i="0" u="none" strike="noStrike" cap="none" spc="0" normalizeH="0" baseline="0">
+          <a:defRPr b="0" baseline="0" cap="none" i="0" spc="0" strike="noStrike" sz="1800" u="none" kumimoji="0" normalizeH="0">
             <a:ln>
               <a:noFill/>
             </a:ln>
@@ -5973,7 +6399,7 @@
           <a:buFontTx/>
           <a:buNone/>
           <a:tabLst/>
-          <a:defRPr kumimoji="0" sz="1800" b="0" i="0" u="none" strike="noStrike" cap="none" spc="0" normalizeH="0" baseline="0">
+          <a:defRPr b="0" baseline="0" cap="none" i="0" spc="0" strike="noStrike" sz="1800" u="none" kumimoji="0" normalizeH="0">
             <a:ln>
               <a:noFill/>
             </a:ln>
@@ -5999,7 +6425,7 @@
           <a:buFontTx/>
           <a:buNone/>
           <a:tabLst/>
-          <a:defRPr kumimoji="0" sz="1800" b="0" i="0" u="none" strike="noStrike" cap="none" spc="0" normalizeH="0" baseline="0">
+          <a:defRPr b="0" baseline="0" cap="none" i="0" spc="0" strike="noStrike" sz="1800" u="none" kumimoji="0" normalizeH="0">
             <a:ln>
               <a:noFill/>
             </a:ln>
@@ -6012,15 +6438,9 @@
         </a:lvl9pPr>
       </a:lstStyle>
       <a:style>
-        <a:lnRef idx="0">
-          <a:scrgbClr r="0" g="0" b="0"/>
-        </a:lnRef>
-        <a:fillRef idx="0">
-          <a:scrgbClr r="0" g="0" b="0"/>
-        </a:fillRef>
-        <a:effectRef idx="0">
-          <a:scrgbClr r="0" g="0" b="0"/>
-        </a:effectRef>
+        <a:lnRef idx="0"/>
+        <a:fillRef idx="0"/>
+        <a:effectRef idx="0"/>
         <a:fontRef idx="none"/>
       </a:style>
     </a:spDef>
@@ -6029,15 +6449,15 @@
         <a:noFill/>
         <a:ln w="25400" cap="flat">
           <a:solidFill>
-            <a:srgbClr val="000000"/>
+            <a:schemeClr val="accent1"/>
           </a:solidFill>
           <a:prstDash val="solid"/>
-          <a:miter lim="400000"/>
+          <a:round/>
         </a:ln>
         <a:effectLst/>
         <a:sp3d/>
       </a:spPr>
-      <a:bodyPr rot="0" spcFirstLastPara="1" vertOverflow="overflow" horzOverflow="overflow" vert="horz" wrap="square" lIns="91439" tIns="45719" rIns="91439" bIns="45719" numCol="1" spcCol="38100" rtlCol="0" anchor="t">
+      <a:bodyPr rot="0" spcFirstLastPara="1" vertOverflow="overflow" horzOverflow="overflow" vert="horz" wrap="square" lIns="91439" tIns="45719" rIns="91439" bIns="45719" numCol="1" spcCol="38100" rtlCol="0" anchor="t" upright="0">
         <a:noAutofit/>
       </a:bodyPr>
       <a:lstStyle>
@@ -6056,7 +6476,7 @@
           <a:buFontTx/>
           <a:buNone/>
           <a:tabLst/>
-          <a:defRPr kumimoji="0" sz="1800" b="0" i="0" u="none" strike="noStrike" cap="none" spc="0" normalizeH="0" baseline="0">
+          <a:defRPr b="0" baseline="0" cap="none" i="0" spc="0" strike="noStrike" sz="1800" u="none" kumimoji="0" normalizeH="0">
             <a:ln>
               <a:noFill/>
             </a:ln>
@@ -6082,7 +6502,7 @@
           <a:buFontTx/>
           <a:buNone/>
           <a:tabLst/>
-          <a:defRPr kumimoji="0" sz="1800" b="0" i="0" u="none" strike="noStrike" cap="none" spc="0" normalizeH="0" baseline="0">
+          <a:defRPr b="0" baseline="0" cap="none" i="0" spc="0" strike="noStrike" sz="1800" u="none" kumimoji="0" normalizeH="0">
             <a:ln>
               <a:noFill/>
             </a:ln>
@@ -6108,7 +6528,7 @@
           <a:buFontTx/>
           <a:buNone/>
           <a:tabLst/>
-          <a:defRPr kumimoji="0" sz="1800" b="0" i="0" u="none" strike="noStrike" cap="none" spc="0" normalizeH="0" baseline="0">
+          <a:defRPr b="0" baseline="0" cap="none" i="0" spc="0" strike="noStrike" sz="1800" u="none" kumimoji="0" normalizeH="0">
             <a:ln>
               <a:noFill/>
             </a:ln>
@@ -6134,7 +6554,7 @@
           <a:buFontTx/>
           <a:buNone/>
           <a:tabLst/>
-          <a:defRPr kumimoji="0" sz="1800" b="0" i="0" u="none" strike="noStrike" cap="none" spc="0" normalizeH="0" baseline="0">
+          <a:defRPr b="0" baseline="0" cap="none" i="0" spc="0" strike="noStrike" sz="1800" u="none" kumimoji="0" normalizeH="0">
             <a:ln>
               <a:noFill/>
             </a:ln>
@@ -6160,7 +6580,7 @@
           <a:buFontTx/>
           <a:buNone/>
           <a:tabLst/>
-          <a:defRPr kumimoji="0" sz="1800" b="0" i="0" u="none" strike="noStrike" cap="none" spc="0" normalizeH="0" baseline="0">
+          <a:defRPr b="0" baseline="0" cap="none" i="0" spc="0" strike="noStrike" sz="1800" u="none" kumimoji="0" normalizeH="0">
             <a:ln>
               <a:noFill/>
             </a:ln>
@@ -6186,7 +6606,7 @@
           <a:buFontTx/>
           <a:buNone/>
           <a:tabLst/>
-          <a:defRPr kumimoji="0" sz="1800" b="0" i="0" u="none" strike="noStrike" cap="none" spc="0" normalizeH="0" baseline="0">
+          <a:defRPr b="0" baseline="0" cap="none" i="0" spc="0" strike="noStrike" sz="1800" u="none" kumimoji="0" normalizeH="0">
             <a:ln>
               <a:noFill/>
             </a:ln>
@@ -6212,7 +6632,7 @@
           <a:buFontTx/>
           <a:buNone/>
           <a:tabLst/>
-          <a:defRPr kumimoji="0" sz="1800" b="0" i="0" u="none" strike="noStrike" cap="none" spc="0" normalizeH="0" baseline="0">
+          <a:defRPr b="0" baseline="0" cap="none" i="0" spc="0" strike="noStrike" sz="1800" u="none" kumimoji="0" normalizeH="0">
             <a:ln>
               <a:noFill/>
             </a:ln>
@@ -6238,7 +6658,7 @@
           <a:buFontTx/>
           <a:buNone/>
           <a:tabLst/>
-          <a:defRPr kumimoji="0" sz="1800" b="0" i="0" u="none" strike="noStrike" cap="none" spc="0" normalizeH="0" baseline="0">
+          <a:defRPr b="0" baseline="0" cap="none" i="0" spc="0" strike="noStrike" sz="1800" u="none" kumimoji="0" normalizeH="0">
             <a:ln>
               <a:noFill/>
             </a:ln>
@@ -6264,7 +6684,7 @@
           <a:buFontTx/>
           <a:buNone/>
           <a:tabLst/>
-          <a:defRPr kumimoji="0" sz="1800" b="0" i="0" u="none" strike="noStrike" cap="none" spc="0" normalizeH="0" baseline="0">
+          <a:defRPr b="0" baseline="0" cap="none" i="0" spc="0" strike="noStrike" sz="1800" u="none" kumimoji="0" normalizeH="0">
             <a:ln>
               <a:noFill/>
             </a:ln>
@@ -6290,7 +6710,7 @@
           <a:buFontTx/>
           <a:buNone/>
           <a:tabLst/>
-          <a:defRPr kumimoji="0" sz="1800" b="0" i="0" u="none" strike="noStrike" cap="none" spc="0" normalizeH="0" baseline="0">
+          <a:defRPr b="0" baseline="0" cap="none" i="0" spc="0" strike="noStrike" sz="1800" u="none" kumimoji="0" normalizeH="0">
             <a:ln>
               <a:noFill/>
             </a:ln>
@@ -6303,15 +6723,9 @@
         </a:lvl9pPr>
       </a:lstStyle>
       <a:style>
-        <a:lnRef idx="0">
-          <a:scrgbClr r="0" g="0" b="0"/>
-        </a:lnRef>
-        <a:fillRef idx="0">
-          <a:scrgbClr r="0" g="0" b="0"/>
-        </a:fillRef>
-        <a:effectRef idx="0">
-          <a:scrgbClr r="0" g="0" b="0"/>
-        </a:effectRef>
+        <a:lnRef idx="0"/>
+        <a:fillRef idx="0"/>
+        <a:effectRef idx="0"/>
         <a:fontRef idx="none"/>
       </a:style>
     </a:lnDef>
@@ -6325,7 +6739,7 @@
         <a:effectLst/>
         <a:sp3d/>
       </a:spPr>
-      <a:bodyPr rot="0" spcFirstLastPara="1" vertOverflow="overflow" horzOverflow="overflow" vert="horz" wrap="square" lIns="45719" tIns="45719" rIns="45719" bIns="45719" numCol="1" spcCol="38100" rtlCol="0" anchor="ctr">
+      <a:bodyPr rot="0" spcFirstLastPara="1" vertOverflow="overflow" horzOverflow="overflow" vert="horz" wrap="square" lIns="45718" tIns="45718" rIns="45718" bIns="45718" numCol="1" spcCol="38100" rtlCol="0" anchor="ctr" upright="0">
         <a:spAutoFit/>
       </a:bodyPr>
       <a:lstStyle>
@@ -6344,7 +6758,7 @@
           <a:buFontTx/>
           <a:buNone/>
           <a:tabLst/>
-          <a:defRPr kumimoji="0" sz="2900" b="0" i="0" u="none" strike="noStrike" cap="none" spc="0" normalizeH="0" baseline="0">
+          <a:defRPr b="0" baseline="0" cap="none" i="0" spc="0" strike="noStrike" sz="2900" u="none" kumimoji="0" normalizeH="0">
             <a:ln>
               <a:noFill/>
             </a:ln>
@@ -6353,10 +6767,10 @@
             </a:solidFill>
             <a:effectLst/>
             <a:uFillTx/>
-            <a:latin typeface="Proxima Nova Medium"/>
-            <a:ea typeface="Proxima Nova Medium"/>
-            <a:cs typeface="Proxima Nova Medium"/>
-            <a:sym typeface="Proxima Nova Medium"/>
+            <a:latin typeface="Canela Bold"/>
+            <a:ea typeface="Canela Bold"/>
+            <a:cs typeface="Canela Bold"/>
+            <a:sym typeface="Canela Bold"/>
           </a:defRPr>
         </a:defPPr>
         <a:lvl1pPr marL="0" marR="0" indent="0" algn="l" defTabSz="914400" rtl="0" fontAlgn="auto" latinLnBrk="1" hangingPunct="0">
@@ -6374,7 +6788,7 @@
           <a:buFontTx/>
           <a:buNone/>
           <a:tabLst/>
-          <a:defRPr kumimoji="0" sz="1800" b="0" i="0" u="none" strike="noStrike" cap="none" spc="0" normalizeH="0" baseline="0">
+          <a:defRPr b="0" baseline="0" cap="none" i="0" spc="0" strike="noStrike" sz="1800" u="none" kumimoji="0" normalizeH="0">
             <a:ln>
               <a:noFill/>
             </a:ln>
@@ -6400,7 +6814,7 @@
           <a:buFontTx/>
           <a:buNone/>
           <a:tabLst/>
-          <a:defRPr kumimoji="0" sz="1800" b="0" i="0" u="none" strike="noStrike" cap="none" spc="0" normalizeH="0" baseline="0">
+          <a:defRPr b="0" baseline="0" cap="none" i="0" spc="0" strike="noStrike" sz="1800" u="none" kumimoji="0" normalizeH="0">
             <a:ln>
               <a:noFill/>
             </a:ln>
@@ -6426,7 +6840,7 @@
           <a:buFontTx/>
           <a:buNone/>
           <a:tabLst/>
-          <a:defRPr kumimoji="0" sz="1800" b="0" i="0" u="none" strike="noStrike" cap="none" spc="0" normalizeH="0" baseline="0">
+          <a:defRPr b="0" baseline="0" cap="none" i="0" spc="0" strike="noStrike" sz="1800" u="none" kumimoji="0" normalizeH="0">
             <a:ln>
               <a:noFill/>
             </a:ln>
@@ -6452,7 +6866,7 @@
           <a:buFontTx/>
           <a:buNone/>
           <a:tabLst/>
-          <a:defRPr kumimoji="0" sz="1800" b="0" i="0" u="none" strike="noStrike" cap="none" spc="0" normalizeH="0" baseline="0">
+          <a:defRPr b="0" baseline="0" cap="none" i="0" spc="0" strike="noStrike" sz="1800" u="none" kumimoji="0" normalizeH="0">
             <a:ln>
               <a:noFill/>
             </a:ln>
@@ -6478,7 +6892,7 @@
           <a:buFontTx/>
           <a:buNone/>
           <a:tabLst/>
-          <a:defRPr kumimoji="0" sz="1800" b="0" i="0" u="none" strike="noStrike" cap="none" spc="0" normalizeH="0" baseline="0">
+          <a:defRPr b="0" baseline="0" cap="none" i="0" spc="0" strike="noStrike" sz="1800" u="none" kumimoji="0" normalizeH="0">
             <a:ln>
               <a:noFill/>
             </a:ln>
@@ -6504,7 +6918,7 @@
           <a:buFontTx/>
           <a:buNone/>
           <a:tabLst/>
-          <a:defRPr kumimoji="0" sz="1800" b="0" i="0" u="none" strike="noStrike" cap="none" spc="0" normalizeH="0" baseline="0">
+          <a:defRPr b="0" baseline="0" cap="none" i="0" spc="0" strike="noStrike" sz="1800" u="none" kumimoji="0" normalizeH="0">
             <a:ln>
               <a:noFill/>
             </a:ln>
@@ -6530,7 +6944,7 @@
           <a:buFontTx/>
           <a:buNone/>
           <a:tabLst/>
-          <a:defRPr kumimoji="0" sz="1800" b="0" i="0" u="none" strike="noStrike" cap="none" spc="0" normalizeH="0" baseline="0">
+          <a:defRPr b="0" baseline="0" cap="none" i="0" spc="0" strike="noStrike" sz="1800" u="none" kumimoji="0" normalizeH="0">
             <a:ln>
               <a:noFill/>
             </a:ln>
@@ -6556,7 +6970,7 @@
           <a:buFontTx/>
           <a:buNone/>
           <a:tabLst/>
-          <a:defRPr kumimoji="0" sz="1800" b="0" i="0" u="none" strike="noStrike" cap="none" spc="0" normalizeH="0" baseline="0">
+          <a:defRPr b="0" baseline="0" cap="none" i="0" spc="0" strike="noStrike" sz="1800" u="none" kumimoji="0" normalizeH="0">
             <a:ln>
               <a:noFill/>
             </a:ln>
@@ -6582,7 +6996,7 @@
           <a:buFontTx/>
           <a:buNone/>
           <a:tabLst/>
-          <a:defRPr kumimoji="0" sz="1800" b="0" i="0" u="none" strike="noStrike" cap="none" spc="0" normalizeH="0" baseline="0">
+          <a:defRPr b="0" baseline="0" cap="none" i="0" spc="0" strike="noStrike" sz="1800" u="none" kumimoji="0" normalizeH="0">
             <a:ln>
               <a:noFill/>
             </a:ln>
@@ -6595,25 +7009,18 @@
         </a:lvl9pPr>
       </a:lstStyle>
       <a:style>
-        <a:lnRef idx="0">
-          <a:scrgbClr r="0" g="0" b="0"/>
-        </a:lnRef>
-        <a:fillRef idx="0">
-          <a:scrgbClr r="0" g="0" b="0"/>
-        </a:fillRef>
-        <a:effectRef idx="0">
-          <a:scrgbClr r="0" g="0" b="0"/>
-        </a:effectRef>
+        <a:lnRef idx="0"/>
+        <a:fillRef idx="0"/>
+        <a:effectRef idx="0"/>
         <a:fontRef idx="none"/>
       </a:style>
     </a:txDef>
   </a:objectDefaults>
-  <a:extraClrSchemeLst/>
 </a:theme>
 </file>
 
 <file path=ppt/theme/theme2.xml><?xml version="1.0" encoding="utf-8"?>
-<a:theme xmlns:a="http://schemas.openxmlformats.org/drawingml/2006/main" name="29_Lookbook">
+<a:theme xmlns:a="http://schemas.openxmlformats.org/drawingml/2006/main" xmlns:r="http://schemas.openxmlformats.org/officeDocument/2006/relationships" name="29_Lookbook">
   <a:themeElements>
     <a:clrScheme name="29_Lookbook">
       <a:dk1>
@@ -6623,10 +7030,10 @@
         <a:srgbClr val="FFFFFF"/>
       </a:lt1>
       <a:dk2>
-        <a:srgbClr val="5E5E5E"/>
+        <a:srgbClr val="A7A7A7"/>
       </a:dk2>
       <a:lt2>
-        <a:srgbClr val="D5D5D5"/>
+        <a:srgbClr val="535353"/>
       </a:lt2>
       <a:accent1>
         <a:srgbClr val="B9CAD3"/>
@@ -6655,14 +7062,14 @@
     </a:clrScheme>
     <a:fontScheme name="29_Lookbook">
       <a:majorFont>
-        <a:latin typeface="Canela Bold"/>
-        <a:ea typeface="Canela Bold"/>
-        <a:cs typeface="Canela Bold"/>
+        <a:latin typeface="Helvetica Neue"/>
+        <a:ea typeface="Helvetica Neue"/>
+        <a:cs typeface="Helvetica Neue"/>
       </a:majorFont>
       <a:minorFont>
-        <a:latin typeface="Canela Bold"/>
-        <a:ea typeface="Canela Bold"/>
-        <a:cs typeface="Canela Bold"/>
+        <a:latin typeface="Helvetica"/>
+        <a:ea typeface="Helvetica"/>
+        <a:cs typeface="Helvetica"/>
       </a:minorFont>
     </a:fontScheme>
     <a:fmtScheme name="29_Lookbook">
@@ -6803,25 +7210,28 @@
     <a:spDef>
       <a:spPr>
         <a:solidFill>
-          <a:srgbClr val="000000"/>
+          <a:srgbClr val="F6F7F2"/>
         </a:solidFill>
-        <a:ln w="12700" cap="flat">
-          <a:noFill/>
-          <a:miter lim="400000"/>
+        <a:ln w="25400" cap="flat">
+          <a:solidFill>
+            <a:schemeClr val="accent1"/>
+          </a:solidFill>
+          <a:prstDash val="solid"/>
+          <a:round/>
         </a:ln>
         <a:effectLst/>
         <a:sp3d/>
       </a:spPr>
-      <a:bodyPr rot="0" spcFirstLastPara="1" vertOverflow="overflow" horzOverflow="overflow" vert="horz" wrap="square" lIns="50800" tIns="50800" rIns="50800" bIns="50800" numCol="1" spcCol="38100" rtlCol="0" anchor="ctr">
+      <a:bodyPr rot="0" spcFirstLastPara="1" vertOverflow="overflow" horzOverflow="overflow" vert="horz" wrap="square" lIns="50800" tIns="50800" rIns="50800" bIns="50800" numCol="1" spcCol="38100" rtlCol="0" anchor="ctr" upright="0">
         <a:spAutoFit/>
       </a:bodyPr>
       <a:lstStyle>
-        <a:defPPr marL="0" marR="0" indent="0" algn="ctr" defTabSz="415431" rtl="0" fontAlgn="auto" latinLnBrk="0" hangingPunct="0">
+        <a:defPPr marL="0" marR="0" indent="0" algn="ctr" defTabSz="355600" rtl="0" fontAlgn="auto" latinLnBrk="0" hangingPunct="0">
           <a:lnSpc>
-            <a:spcPct val="120000"/>
+            <a:spcPct val="90000"/>
           </a:lnSpc>
           <a:spcBef>
-            <a:spcPts val="0"/>
+            <a:spcPts val="4500"/>
           </a:spcBef>
           <a:spcAft>
             <a:spcPts val="0"/>
@@ -6831,19 +7241,19 @@
           <a:buFontTx/>
           <a:buNone/>
           <a:tabLst/>
-          <a:defRPr kumimoji="0" sz="3000" b="0" i="0" u="none" strike="noStrike" cap="none" spc="-59" normalizeH="0" baseline="0">
+          <a:defRPr b="0" baseline="0" cap="none" i="0" spc="0" strike="noStrike" sz="2900" u="none" kumimoji="0" normalizeH="0">
             <a:ln>
               <a:noFill/>
             </a:ln>
             <a:solidFill>
-              <a:srgbClr val="FFFFFF"/>
+              <a:srgbClr val="000000"/>
             </a:solidFill>
             <a:effectLst/>
             <a:uFillTx/>
-            <a:latin typeface="Canela Deck Bold"/>
-            <a:ea typeface="Canela Deck Bold"/>
-            <a:cs typeface="Canela Deck Bold"/>
-            <a:sym typeface="Canela Deck Bold"/>
+            <a:latin typeface="Canela Bold"/>
+            <a:ea typeface="Canela Bold"/>
+            <a:cs typeface="Canela Bold"/>
+            <a:sym typeface="Canela Bold"/>
           </a:defRPr>
         </a:defPPr>
         <a:lvl1pPr marL="0" marR="0" indent="0" algn="l" defTabSz="914400" rtl="0" fontAlgn="auto" latinLnBrk="1" hangingPunct="0">
@@ -6861,7 +7271,7 @@
           <a:buFontTx/>
           <a:buNone/>
           <a:tabLst/>
-          <a:defRPr kumimoji="0" sz="1800" b="0" i="0" u="none" strike="noStrike" cap="none" spc="0" normalizeH="0" baseline="0">
+          <a:defRPr b="0" baseline="0" cap="none" i="0" spc="0" strike="noStrike" sz="1800" u="none" kumimoji="0" normalizeH="0">
             <a:ln>
               <a:noFill/>
             </a:ln>
@@ -6887,7 +7297,7 @@
           <a:buFontTx/>
           <a:buNone/>
           <a:tabLst/>
-          <a:defRPr kumimoji="0" sz="1800" b="0" i="0" u="none" strike="noStrike" cap="none" spc="0" normalizeH="0" baseline="0">
+          <a:defRPr b="0" baseline="0" cap="none" i="0" spc="0" strike="noStrike" sz="1800" u="none" kumimoji="0" normalizeH="0">
             <a:ln>
               <a:noFill/>
             </a:ln>
@@ -6913,7 +7323,7 @@
           <a:buFontTx/>
           <a:buNone/>
           <a:tabLst/>
-          <a:defRPr kumimoji="0" sz="1800" b="0" i="0" u="none" strike="noStrike" cap="none" spc="0" normalizeH="0" baseline="0">
+          <a:defRPr b="0" baseline="0" cap="none" i="0" spc="0" strike="noStrike" sz="1800" u="none" kumimoji="0" normalizeH="0">
             <a:ln>
               <a:noFill/>
             </a:ln>
@@ -6939,7 +7349,7 @@
           <a:buFontTx/>
           <a:buNone/>
           <a:tabLst/>
-          <a:defRPr kumimoji="0" sz="1800" b="0" i="0" u="none" strike="noStrike" cap="none" spc="0" normalizeH="0" baseline="0">
+          <a:defRPr b="0" baseline="0" cap="none" i="0" spc="0" strike="noStrike" sz="1800" u="none" kumimoji="0" normalizeH="0">
             <a:ln>
               <a:noFill/>
             </a:ln>
@@ -6965,7 +7375,7 @@
           <a:buFontTx/>
           <a:buNone/>
           <a:tabLst/>
-          <a:defRPr kumimoji="0" sz="1800" b="0" i="0" u="none" strike="noStrike" cap="none" spc="0" normalizeH="0" baseline="0">
+          <a:defRPr b="0" baseline="0" cap="none" i="0" spc="0" strike="noStrike" sz="1800" u="none" kumimoji="0" normalizeH="0">
             <a:ln>
               <a:noFill/>
             </a:ln>
@@ -6991,7 +7401,7 @@
           <a:buFontTx/>
           <a:buNone/>
           <a:tabLst/>
-          <a:defRPr kumimoji="0" sz="1800" b="0" i="0" u="none" strike="noStrike" cap="none" spc="0" normalizeH="0" baseline="0">
+          <a:defRPr b="0" baseline="0" cap="none" i="0" spc="0" strike="noStrike" sz="1800" u="none" kumimoji="0" normalizeH="0">
             <a:ln>
               <a:noFill/>
             </a:ln>
@@ -7017,7 +7427,7 @@
           <a:buFontTx/>
           <a:buNone/>
           <a:tabLst/>
-          <a:defRPr kumimoji="0" sz="1800" b="0" i="0" u="none" strike="noStrike" cap="none" spc="0" normalizeH="0" baseline="0">
+          <a:defRPr b="0" baseline="0" cap="none" i="0" spc="0" strike="noStrike" sz="1800" u="none" kumimoji="0" normalizeH="0">
             <a:ln>
               <a:noFill/>
             </a:ln>
@@ -7043,7 +7453,7 @@
           <a:buFontTx/>
           <a:buNone/>
           <a:tabLst/>
-          <a:defRPr kumimoji="0" sz="1800" b="0" i="0" u="none" strike="noStrike" cap="none" spc="0" normalizeH="0" baseline="0">
+          <a:defRPr b="0" baseline="0" cap="none" i="0" spc="0" strike="noStrike" sz="1800" u="none" kumimoji="0" normalizeH="0">
             <a:ln>
               <a:noFill/>
             </a:ln>
@@ -7069,7 +7479,7 @@
           <a:buFontTx/>
           <a:buNone/>
           <a:tabLst/>
-          <a:defRPr kumimoji="0" sz="1800" b="0" i="0" u="none" strike="noStrike" cap="none" spc="0" normalizeH="0" baseline="0">
+          <a:defRPr b="0" baseline="0" cap="none" i="0" spc="0" strike="noStrike" sz="1800" u="none" kumimoji="0" normalizeH="0">
             <a:ln>
               <a:noFill/>
             </a:ln>
@@ -7082,15 +7492,9 @@
         </a:lvl9pPr>
       </a:lstStyle>
       <a:style>
-        <a:lnRef idx="0">
-          <a:scrgbClr r="0" g="0" b="0"/>
-        </a:lnRef>
-        <a:fillRef idx="0">
-          <a:scrgbClr r="0" g="0" b="0"/>
-        </a:fillRef>
-        <a:effectRef idx="0">
-          <a:scrgbClr r="0" g="0" b="0"/>
-        </a:effectRef>
+        <a:lnRef idx="0"/>
+        <a:fillRef idx="0"/>
+        <a:effectRef idx="0"/>
         <a:fontRef idx="none"/>
       </a:style>
     </a:spDef>
@@ -7099,15 +7503,15 @@
         <a:noFill/>
         <a:ln w="25400" cap="flat">
           <a:solidFill>
-            <a:srgbClr val="000000"/>
+            <a:schemeClr val="accent1"/>
           </a:solidFill>
           <a:prstDash val="solid"/>
-          <a:miter lim="400000"/>
+          <a:round/>
         </a:ln>
         <a:effectLst/>
         <a:sp3d/>
       </a:spPr>
-      <a:bodyPr rot="0" spcFirstLastPara="1" vertOverflow="overflow" horzOverflow="overflow" vert="horz" wrap="square" lIns="91439" tIns="45719" rIns="91439" bIns="45719" numCol="1" spcCol="38100" rtlCol="0" anchor="t">
+      <a:bodyPr rot="0" spcFirstLastPara="1" vertOverflow="overflow" horzOverflow="overflow" vert="horz" wrap="square" lIns="91439" tIns="45719" rIns="91439" bIns="45719" numCol="1" spcCol="38100" rtlCol="0" anchor="t" upright="0">
         <a:noAutofit/>
       </a:bodyPr>
       <a:lstStyle>
@@ -7126,7 +7530,7 @@
           <a:buFontTx/>
           <a:buNone/>
           <a:tabLst/>
-          <a:defRPr kumimoji="0" sz="1800" b="0" i="0" u="none" strike="noStrike" cap="none" spc="0" normalizeH="0" baseline="0">
+          <a:defRPr b="0" baseline="0" cap="none" i="0" spc="0" strike="noStrike" sz="1800" u="none" kumimoji="0" normalizeH="0">
             <a:ln>
               <a:noFill/>
             </a:ln>
@@ -7152,7 +7556,7 @@
           <a:buFontTx/>
           <a:buNone/>
           <a:tabLst/>
-          <a:defRPr kumimoji="0" sz="1800" b="0" i="0" u="none" strike="noStrike" cap="none" spc="0" normalizeH="0" baseline="0">
+          <a:defRPr b="0" baseline="0" cap="none" i="0" spc="0" strike="noStrike" sz="1800" u="none" kumimoji="0" normalizeH="0">
             <a:ln>
               <a:noFill/>
             </a:ln>
@@ -7178,7 +7582,7 @@
           <a:buFontTx/>
           <a:buNone/>
           <a:tabLst/>
-          <a:defRPr kumimoji="0" sz="1800" b="0" i="0" u="none" strike="noStrike" cap="none" spc="0" normalizeH="0" baseline="0">
+          <a:defRPr b="0" baseline="0" cap="none" i="0" spc="0" strike="noStrike" sz="1800" u="none" kumimoji="0" normalizeH="0">
             <a:ln>
               <a:noFill/>
             </a:ln>
@@ -7204,7 +7608,7 @@
           <a:buFontTx/>
           <a:buNone/>
           <a:tabLst/>
-          <a:defRPr kumimoji="0" sz="1800" b="0" i="0" u="none" strike="noStrike" cap="none" spc="0" normalizeH="0" baseline="0">
+          <a:defRPr b="0" baseline="0" cap="none" i="0" spc="0" strike="noStrike" sz="1800" u="none" kumimoji="0" normalizeH="0">
             <a:ln>
               <a:noFill/>
             </a:ln>
@@ -7230,7 +7634,7 @@
           <a:buFontTx/>
           <a:buNone/>
           <a:tabLst/>
-          <a:defRPr kumimoji="0" sz="1800" b="0" i="0" u="none" strike="noStrike" cap="none" spc="0" normalizeH="0" baseline="0">
+          <a:defRPr b="0" baseline="0" cap="none" i="0" spc="0" strike="noStrike" sz="1800" u="none" kumimoji="0" normalizeH="0">
             <a:ln>
               <a:noFill/>
             </a:ln>
@@ -7256,7 +7660,7 @@
           <a:buFontTx/>
           <a:buNone/>
           <a:tabLst/>
-          <a:defRPr kumimoji="0" sz="1800" b="0" i="0" u="none" strike="noStrike" cap="none" spc="0" normalizeH="0" baseline="0">
+          <a:defRPr b="0" baseline="0" cap="none" i="0" spc="0" strike="noStrike" sz="1800" u="none" kumimoji="0" normalizeH="0">
             <a:ln>
               <a:noFill/>
             </a:ln>
@@ -7282,7 +7686,7 @@
           <a:buFontTx/>
           <a:buNone/>
           <a:tabLst/>
-          <a:defRPr kumimoji="0" sz="1800" b="0" i="0" u="none" strike="noStrike" cap="none" spc="0" normalizeH="0" baseline="0">
+          <a:defRPr b="0" baseline="0" cap="none" i="0" spc="0" strike="noStrike" sz="1800" u="none" kumimoji="0" normalizeH="0">
             <a:ln>
               <a:noFill/>
             </a:ln>
@@ -7308,7 +7712,7 @@
           <a:buFontTx/>
           <a:buNone/>
           <a:tabLst/>
-          <a:defRPr kumimoji="0" sz="1800" b="0" i="0" u="none" strike="noStrike" cap="none" spc="0" normalizeH="0" baseline="0">
+          <a:defRPr b="0" baseline="0" cap="none" i="0" spc="0" strike="noStrike" sz="1800" u="none" kumimoji="0" normalizeH="0">
             <a:ln>
               <a:noFill/>
             </a:ln>
@@ -7334,7 +7738,7 @@
           <a:buFontTx/>
           <a:buNone/>
           <a:tabLst/>
-          <a:defRPr kumimoji="0" sz="1800" b="0" i="0" u="none" strike="noStrike" cap="none" spc="0" normalizeH="0" baseline="0">
+          <a:defRPr b="0" baseline="0" cap="none" i="0" spc="0" strike="noStrike" sz="1800" u="none" kumimoji="0" normalizeH="0">
             <a:ln>
               <a:noFill/>
             </a:ln>
@@ -7360,7 +7764,7 @@
           <a:buFontTx/>
           <a:buNone/>
           <a:tabLst/>
-          <a:defRPr kumimoji="0" sz="1800" b="0" i="0" u="none" strike="noStrike" cap="none" spc="0" normalizeH="0" baseline="0">
+          <a:defRPr b="0" baseline="0" cap="none" i="0" spc="0" strike="noStrike" sz="1800" u="none" kumimoji="0" normalizeH="0">
             <a:ln>
               <a:noFill/>
             </a:ln>
@@ -7373,15 +7777,9 @@
         </a:lvl9pPr>
       </a:lstStyle>
       <a:style>
-        <a:lnRef idx="0">
-          <a:scrgbClr r="0" g="0" b="0"/>
-        </a:lnRef>
-        <a:fillRef idx="0">
-          <a:scrgbClr r="0" g="0" b="0"/>
-        </a:fillRef>
-        <a:effectRef idx="0">
-          <a:scrgbClr r="0" g="0" b="0"/>
-        </a:effectRef>
+        <a:lnRef idx="0"/>
+        <a:fillRef idx="0"/>
+        <a:effectRef idx="0"/>
         <a:fontRef idx="none"/>
       </a:style>
     </a:lnDef>
@@ -7395,7 +7793,7 @@
         <a:effectLst/>
         <a:sp3d/>
       </a:spPr>
-      <a:bodyPr rot="0" spcFirstLastPara="1" vertOverflow="overflow" horzOverflow="overflow" vert="horz" wrap="square" lIns="45719" tIns="45719" rIns="45719" bIns="45719" numCol="1" spcCol="38100" rtlCol="0" anchor="ctr">
+      <a:bodyPr rot="0" spcFirstLastPara="1" vertOverflow="overflow" horzOverflow="overflow" vert="horz" wrap="square" lIns="45718" tIns="45718" rIns="45718" bIns="45718" numCol="1" spcCol="38100" rtlCol="0" anchor="ctr" upright="0">
         <a:spAutoFit/>
       </a:bodyPr>
       <a:lstStyle>
@@ -7414,7 +7812,7 @@
           <a:buFontTx/>
           <a:buNone/>
           <a:tabLst/>
-          <a:defRPr kumimoji="0" sz="2900" b="0" i="0" u="none" strike="noStrike" cap="none" spc="0" normalizeH="0" baseline="0">
+          <a:defRPr b="0" baseline="0" cap="none" i="0" spc="0" strike="noStrike" sz="2900" u="none" kumimoji="0" normalizeH="0">
             <a:ln>
               <a:noFill/>
             </a:ln>
@@ -7423,10 +7821,10 @@
             </a:solidFill>
             <a:effectLst/>
             <a:uFillTx/>
-            <a:latin typeface="Proxima Nova Medium"/>
-            <a:ea typeface="Proxima Nova Medium"/>
-            <a:cs typeface="Proxima Nova Medium"/>
-            <a:sym typeface="Proxima Nova Medium"/>
+            <a:latin typeface="Canela Bold"/>
+            <a:ea typeface="Canela Bold"/>
+            <a:cs typeface="Canela Bold"/>
+            <a:sym typeface="Canela Bold"/>
           </a:defRPr>
         </a:defPPr>
         <a:lvl1pPr marL="0" marR="0" indent="0" algn="l" defTabSz="914400" rtl="0" fontAlgn="auto" latinLnBrk="1" hangingPunct="0">
@@ -7444,7 +7842,7 @@
           <a:buFontTx/>
           <a:buNone/>
           <a:tabLst/>
-          <a:defRPr kumimoji="0" sz="1800" b="0" i="0" u="none" strike="noStrike" cap="none" spc="0" normalizeH="0" baseline="0">
+          <a:defRPr b="0" baseline="0" cap="none" i="0" spc="0" strike="noStrike" sz="1800" u="none" kumimoji="0" normalizeH="0">
             <a:ln>
               <a:noFill/>
             </a:ln>
@@ -7470,7 +7868,7 @@
           <a:buFontTx/>
           <a:buNone/>
           <a:tabLst/>
-          <a:defRPr kumimoji="0" sz="1800" b="0" i="0" u="none" strike="noStrike" cap="none" spc="0" normalizeH="0" baseline="0">
+          <a:defRPr b="0" baseline="0" cap="none" i="0" spc="0" strike="noStrike" sz="1800" u="none" kumimoji="0" normalizeH="0">
             <a:ln>
               <a:noFill/>
             </a:ln>
@@ -7496,7 +7894,7 @@
           <a:buFontTx/>
           <a:buNone/>
           <a:tabLst/>
-          <a:defRPr kumimoji="0" sz="1800" b="0" i="0" u="none" strike="noStrike" cap="none" spc="0" normalizeH="0" baseline="0">
+          <a:defRPr b="0" baseline="0" cap="none" i="0" spc="0" strike="noStrike" sz="1800" u="none" kumimoji="0" normalizeH="0">
             <a:ln>
               <a:noFill/>
             </a:ln>
@@ -7522,7 +7920,7 @@
           <a:buFontTx/>
           <a:buNone/>
           <a:tabLst/>
-          <a:defRPr kumimoji="0" sz="1800" b="0" i="0" u="none" strike="noStrike" cap="none" spc="0" normalizeH="0" baseline="0">
+          <a:defRPr b="0" baseline="0" cap="none" i="0" spc="0" strike="noStrike" sz="1800" u="none" kumimoji="0" normalizeH="0">
             <a:ln>
               <a:noFill/>
             </a:ln>
@@ -7548,7 +7946,7 @@
           <a:buFontTx/>
           <a:buNone/>
           <a:tabLst/>
-          <a:defRPr kumimoji="0" sz="1800" b="0" i="0" u="none" strike="noStrike" cap="none" spc="0" normalizeH="0" baseline="0">
+          <a:defRPr b="0" baseline="0" cap="none" i="0" spc="0" strike="noStrike" sz="1800" u="none" kumimoji="0" normalizeH="0">
             <a:ln>
               <a:noFill/>
             </a:ln>
@@ -7574,7 +7972,7 @@
           <a:buFontTx/>
           <a:buNone/>
           <a:tabLst/>
-          <a:defRPr kumimoji="0" sz="1800" b="0" i="0" u="none" strike="noStrike" cap="none" spc="0" normalizeH="0" baseline="0">
+          <a:defRPr b="0" baseline="0" cap="none" i="0" spc="0" strike="noStrike" sz="1800" u="none" kumimoji="0" normalizeH="0">
             <a:ln>
               <a:noFill/>
             </a:ln>
@@ -7600,7 +7998,7 @@
           <a:buFontTx/>
           <a:buNone/>
           <a:tabLst/>
-          <a:defRPr kumimoji="0" sz="1800" b="0" i="0" u="none" strike="noStrike" cap="none" spc="0" normalizeH="0" baseline="0">
+          <a:defRPr b="0" baseline="0" cap="none" i="0" spc="0" strike="noStrike" sz="1800" u="none" kumimoji="0" normalizeH="0">
             <a:ln>
               <a:noFill/>
             </a:ln>
@@ -7626,7 +8024,7 @@
           <a:buFontTx/>
           <a:buNone/>
           <a:tabLst/>
-          <a:defRPr kumimoji="0" sz="1800" b="0" i="0" u="none" strike="noStrike" cap="none" spc="0" normalizeH="0" baseline="0">
+          <a:defRPr b="0" baseline="0" cap="none" i="0" spc="0" strike="noStrike" sz="1800" u="none" kumimoji="0" normalizeH="0">
             <a:ln>
               <a:noFill/>
             </a:ln>
@@ -7652,7 +8050,7 @@
           <a:buFontTx/>
           <a:buNone/>
           <a:tabLst/>
-          <a:defRPr kumimoji="0" sz="1800" b="0" i="0" u="none" strike="noStrike" cap="none" spc="0" normalizeH="0" baseline="0">
+          <a:defRPr b="0" baseline="0" cap="none" i="0" spc="0" strike="noStrike" sz="1800" u="none" kumimoji="0" normalizeH="0">
             <a:ln>
               <a:noFill/>
             </a:ln>
@@ -7665,19 +8063,12 @@
         </a:lvl9pPr>
       </a:lstStyle>
       <a:style>
-        <a:lnRef idx="0">
-          <a:scrgbClr r="0" g="0" b="0"/>
-        </a:lnRef>
-        <a:fillRef idx="0">
-          <a:scrgbClr r="0" g="0" b="0"/>
-        </a:fillRef>
-        <a:effectRef idx="0">
-          <a:scrgbClr r="0" g="0" b="0"/>
-        </a:effectRef>
+        <a:lnRef idx="0"/>
+        <a:fillRef idx="0"/>
+        <a:effectRef idx="0"/>
         <a:fontRef idx="none"/>
       </a:style>
     </a:txDef>
   </a:objectDefaults>
-  <a:extraClrSchemeLst/>
 </a:theme>
 </file>